--- a/1. Lectures/Introducción a la Optimización aplicada a Sistemas de Energía Eléctrica/Dia 1/4. Programación Lineal (2).pptx
+++ b/1. Lectures/Introducción a la Optimización aplicada a Sistemas de Energía Eléctrica/Dia 1/4. Programación Lineal (2).pptx
@@ -5,10 +5,10 @@
     <p:sldMasterId id="2147483732" r:id="rId1"/>
   </p:sldMasterIdLst>
   <p:notesMasterIdLst>
-    <p:notesMasterId r:id="rId10"/>
+    <p:notesMasterId r:id="rId15"/>
   </p:notesMasterIdLst>
   <p:handoutMasterIdLst>
-    <p:handoutMasterId r:id="rId11"/>
+    <p:handoutMasterId r:id="rId16"/>
   </p:handoutMasterIdLst>
   <p:sldIdLst>
     <p:sldId id="256" r:id="rId2"/>
@@ -18,7 +18,12 @@
     <p:sldId id="426" r:id="rId6"/>
     <p:sldId id="427" r:id="rId7"/>
     <p:sldId id="428" r:id="rId8"/>
-    <p:sldId id="305" r:id="rId9"/>
+    <p:sldId id="429" r:id="rId9"/>
+    <p:sldId id="430" r:id="rId10"/>
+    <p:sldId id="431" r:id="rId11"/>
+    <p:sldId id="432" r:id="rId12"/>
+    <p:sldId id="433" r:id="rId13"/>
+    <p:sldId id="305" r:id="rId14"/>
   </p:sldIdLst>
   <p:sldSz cx="9144000" cy="6858000" type="screen4x3"/>
   <p:notesSz cx="6858000" cy="9144000"/>
@@ -129,6 +134,11 @@
             <p14:sldId id="426"/>
             <p14:sldId id="427"/>
             <p14:sldId id="428"/>
+            <p14:sldId id="429"/>
+            <p14:sldId id="430"/>
+            <p14:sldId id="431"/>
+            <p14:sldId id="432"/>
+            <p14:sldId id="433"/>
             <p14:sldId id="305"/>
           </p14:sldIdLst>
         </p14:section>
@@ -238,7 +248,7 @@
             <a:fld id="{20597DA6-5F4F-42D3-8A01-E860A9714D40}" type="datetimeFigureOut">
               <a:rPr lang="es-ES" smtClean="0"/>
               <a:pPr/>
-              <a:t>14/03/2019</a:t>
+              <a:t>15/03/2019</a:t>
             </a:fld>
             <a:endParaRPr lang="es-ES"/>
           </a:p>
@@ -305,7 +315,7 @@
             <a:fld id="{27A565BD-2940-4473-877F-C1308FF5E531}" type="slidenum">
               <a:rPr lang="es-ES" smtClean="0"/>
               <a:pPr/>
-              <a:t>‹Nº›</a:t>
+              <a:t>‹#›</a:t>
             </a:fld>
             <a:endParaRPr lang="es-ES"/>
           </a:p>
@@ -409,7 +419,7 @@
             <a:fld id="{D23D6ABD-B407-4DBB-94E4-3909D8A64036}" type="datetimeFigureOut">
               <a:rPr lang="es-ES" smtClean="0"/>
               <a:pPr/>
-              <a:t>14/03/2019</a:t>
+              <a:t>15/03/2019</a:t>
             </a:fld>
             <a:endParaRPr lang="es-ES"/>
           </a:p>
@@ -568,7 +578,7 @@
             <a:fld id="{8AD6E850-6E96-4E89-86F1-2DE46BB95531}" type="slidenum">
               <a:rPr lang="es-ES" smtClean="0"/>
               <a:pPr/>
-              <a:t>‹Nº›</a:t>
+              <a:t>‹#›</a:t>
             </a:fld>
             <a:endParaRPr lang="es-ES"/>
           </a:p>
@@ -990,7 +1000,7 @@
             <a:fld id="{64BD7E74-CBD2-4D88-9109-2EA8081AE675}" type="slidenum">
               <a:rPr lang="es-ES" smtClean="0"/>
               <a:pPr/>
-              <a:t>‹Nº›</a:t>
+              <a:t>‹#›</a:t>
             </a:fld>
             <a:endParaRPr lang="es-ES"/>
           </a:p>
@@ -1420,7 +1430,7 @@
             <a:fld id="{64BD7E74-CBD2-4D88-9109-2EA8081AE675}" type="slidenum">
               <a:rPr lang="es-ES" smtClean="0"/>
               <a:pPr/>
-              <a:t>‹Nº›</a:t>
+              <a:t>‹#›</a:t>
             </a:fld>
             <a:endParaRPr lang="es-ES"/>
           </a:p>
@@ -1611,7 +1621,7 @@
             <a:fld id="{64BD7E74-CBD2-4D88-9109-2EA8081AE675}" type="slidenum">
               <a:rPr lang="es-ES" smtClean="0"/>
               <a:pPr/>
-              <a:t>‹Nº›</a:t>
+              <a:t>‹#›</a:t>
             </a:fld>
             <a:endParaRPr lang="es-ES"/>
           </a:p>
@@ -1749,7 +1759,7 @@
             <a:fld id="{64BD7E74-CBD2-4D88-9109-2EA8081AE675}" type="slidenum">
               <a:rPr lang="es-ES" smtClean="0"/>
               <a:pPr/>
-              <a:t>‹Nº›</a:t>
+              <a:t>‹#›</a:t>
             </a:fld>
             <a:endParaRPr lang="es-ES"/>
           </a:p>
@@ -2270,7 +2280,7 @@
             <a:fld id="{64BD7E74-CBD2-4D88-9109-2EA8081AE675}" type="slidenum">
               <a:rPr lang="es-ES" smtClean="0"/>
               <a:pPr/>
-              <a:t>‹Nº›</a:t>
+              <a:t>‹#›</a:t>
             </a:fld>
             <a:endParaRPr lang="es-ES"/>
           </a:p>
@@ -2399,7 +2409,7 @@
             <a:fld id="{64BD7E74-CBD2-4D88-9109-2EA8081AE675}" type="slidenum">
               <a:rPr lang="es-ES" smtClean="0"/>
               <a:pPr/>
-              <a:t>‹Nº›</a:t>
+              <a:t>‹#›</a:t>
             </a:fld>
             <a:endParaRPr lang="es-ES"/>
           </a:p>
@@ -2777,7 +2787,7 @@
             <a:fld id="{64BD7E74-CBD2-4D88-9109-2EA8081AE675}" type="slidenum">
               <a:rPr lang="es-ES" smtClean="0"/>
               <a:pPr/>
-              <a:t>‹Nº›</a:t>
+              <a:t>‹#›</a:t>
             </a:fld>
             <a:endParaRPr lang="es-ES"/>
           </a:p>
@@ -3030,7 +3040,7 @@
             <a:fld id="{64BD7E74-CBD2-4D88-9109-2EA8081AE675}" type="slidenum">
               <a:rPr lang="es-ES" smtClean="0"/>
               <a:pPr/>
-              <a:t>‹Nº›</a:t>
+              <a:t>‹#›</a:t>
             </a:fld>
             <a:endParaRPr lang="es-ES"/>
           </a:p>
@@ -3166,7 +3176,7 @@
             <a:fld id="{64BD7E74-CBD2-4D88-9109-2EA8081AE675}" type="slidenum">
               <a:rPr lang="es-ES" smtClean="0"/>
               <a:pPr/>
-              <a:t>‹Nº›</a:t>
+              <a:t>‹#›</a:t>
             </a:fld>
             <a:endParaRPr lang="es-ES"/>
           </a:p>
@@ -3449,7 +3459,7 @@
             <a:fld id="{64BD7E74-CBD2-4D88-9109-2EA8081AE675}" type="slidenum">
               <a:rPr lang="es-ES" smtClean="0"/>
               <a:pPr/>
-              <a:t>‹Nº›</a:t>
+              <a:t>‹#›</a:t>
             </a:fld>
             <a:endParaRPr lang="es-ES"/>
           </a:p>
@@ -3698,7 +3708,7 @@
             <a:fld id="{64BD7E74-CBD2-4D88-9109-2EA8081AE675}" type="slidenum">
               <a:rPr lang="es-ES" smtClean="0"/>
               <a:pPr/>
-              <a:t>‹Nº›</a:t>
+              <a:t>‹#›</a:t>
             </a:fld>
             <a:endParaRPr lang="es-ES"/>
           </a:p>
@@ -4170,7 +4180,7 @@
             <a:fld id="{64BD7E74-CBD2-4D88-9109-2EA8081AE675}" type="slidenum">
               <a:rPr lang="es-ES" smtClean="0"/>
               <a:pPr/>
-              <a:t>‹Nº›</a:t>
+              <a:t>‹#›</a:t>
             </a:fld>
             <a:endParaRPr lang="es-ES" dirty="0"/>
           </a:p>
@@ -4836,20 +4846,6 @@
               <a:buNone/>
               <a:tabLst/>
             </a:pPr>
-            <a:r>
-              <a:rPr kumimoji="0" lang="es-PE" sz="1800" b="0" i="0" u="none" strike="noStrike" cap="none" normalizeH="0" baseline="0">
-                <a:ln>
-                  <a:noFill/>
-                </a:ln>
-                <a:solidFill>
-                  <a:schemeClr val="tx1"/>
-                </a:solidFill>
-                <a:effectLst/>
-                <a:latin typeface="Arial" pitchFamily="34" charset="0"/>
-                <a:cs typeface="Arial" pitchFamily="34" charset="0"/>
-              </a:rPr>
-              <a:t/>
-            </a:r>
             <a:br>
               <a:rPr kumimoji="0" lang="es-PE" sz="1800" b="0" i="0" u="none" strike="noStrike" cap="none" normalizeH="0" baseline="0">
                 <a:ln>
@@ -5299,7 +5295,7 @@
 </p:sld>
 </file>
 
-<file path=ppt/slides/slide2.xml><?xml version="1.0" encoding="utf-8"?>
+<file path=ppt/slides/slide10.xml><?xml version="1.0" encoding="utf-8"?>
 <p:sld xmlns:a="http://schemas.openxmlformats.org/drawingml/2006/main" xmlns:r="http://schemas.openxmlformats.org/officeDocument/2006/relationships" xmlns:p="http://schemas.openxmlformats.org/presentationml/2006/main">
   <p:cSld>
     <p:spTree>
@@ -5334,7 +5330,7 @@
             <a:fld id="{64BD7E74-CBD2-4D88-9109-2EA8081AE675}" type="slidenum">
               <a:rPr lang="es-ES" smtClean="0"/>
               <a:pPr/>
-              <a:t>2</a:t>
+              <a:t>10</a:t>
             </a:fld>
             <a:endParaRPr lang="es-ES"/>
           </a:p>
@@ -5388,7 +5384,7 @@
           <a:p>
             <a:r>
               <a:rPr lang="es-PE" altLang="en-US" dirty="0"/>
-              <a:t>Programación lineal: Formulación</a:t>
+              <a:t>Programación entera mixta</a:t>
             </a:r>
           </a:p>
         </p:txBody>
@@ -5398,7 +5394,7 @@
           <p:cNvPr id="10" name="CuadroTexto 4">
             <a:extLst>
               <a:ext uri="{FF2B5EF4-FFF2-40B4-BE49-F238E27FC236}">
-                <a16:creationId xmlns:a16="http://schemas.microsoft.com/office/drawing/2014/main" xmlns="" id="{0EE2E59A-EFC5-4F7D-8B1B-CDE02E4D869C}"/>
+                <a16:creationId xmlns:a16="http://schemas.microsoft.com/office/drawing/2014/main" id="{0EE2E59A-EFC5-4F7D-8B1B-CDE02E4D869C}"/>
               </a:ext>
             </a:extLst>
           </p:cNvPr>
@@ -5408,7 +5404,7 @@
         <p:spPr>
           <a:xfrm>
             <a:off x="602191" y="836712"/>
-            <a:ext cx="8002257" cy="400110"/>
+            <a:ext cx="8362297" cy="707886"/>
           </a:xfrm>
           <a:prstGeom prst="rect">
             <a:avLst/>
@@ -5427,7 +5423,22 @@
             </a:pPr>
             <a:r>
               <a:rPr lang="es-MX" sz="2000" dirty="0"/>
-              <a:t>Cualquier PL puede ser colocado en una forma estándar</a:t>
+              <a:t>Método de ramificación y limitación (Branch &amp; </a:t>
+            </a:r>
+            <a:r>
+              <a:rPr lang="es-MX" sz="2000" dirty="0" err="1"/>
+              <a:t>Bound</a:t>
+            </a:r>
+            <a:r>
+              <a:rPr lang="es-MX" sz="2000" dirty="0"/>
+              <a:t>)</a:t>
+            </a:r>
+          </a:p>
+          <a:p>
+            <a:pPr lvl="1"/>
+            <a:r>
+              <a:rPr lang="es-MX" sz="2000" dirty="0"/>
+              <a:t>.</a:t>
             </a:r>
           </a:p>
         </p:txBody>
@@ -5437,7 +5448,7 @@
           <p:cNvPr id="4" name="Picture 3">
             <a:extLst>
               <a:ext uri="{FF2B5EF4-FFF2-40B4-BE49-F238E27FC236}">
-                <a16:creationId xmlns:a16="http://schemas.microsoft.com/office/drawing/2014/main" xmlns="" id="{641CC9DB-45FA-4FCD-8114-BE417D42F78A}"/>
+                <a16:creationId xmlns:a16="http://schemas.microsoft.com/office/drawing/2014/main" id="{3FC166FD-EAC1-4268-9588-6AEB814D6B99}"/>
               </a:ext>
             </a:extLst>
           </p:cNvPr>
@@ -5454,6 +5465,703 @@
         </p:blipFill>
         <p:spPr>
           <a:xfrm>
+            <a:off x="827584" y="1544598"/>
+            <a:ext cx="7787318" cy="4110171"/>
+          </a:xfrm>
+          <a:prstGeom prst="rect">
+            <a:avLst/>
+          </a:prstGeom>
+        </p:spPr>
+      </p:pic>
+    </p:spTree>
+    <p:extLst>
+      <p:ext uri="{BB962C8B-B14F-4D97-AF65-F5344CB8AC3E}">
+        <p14:creationId xmlns:p14="http://schemas.microsoft.com/office/powerpoint/2010/main" val="294484837"/>
+      </p:ext>
+    </p:extLst>
+  </p:cSld>
+  <p:clrMapOvr>
+    <a:masterClrMapping/>
+  </p:clrMapOvr>
+  <p:transition spd="slow">
+    <p:fade/>
+  </p:transition>
+</p:sld>
+</file>
+
+<file path=ppt/slides/slide11.xml><?xml version="1.0" encoding="utf-8"?>
+<p:sld xmlns:a="http://schemas.openxmlformats.org/drawingml/2006/main" xmlns:r="http://schemas.openxmlformats.org/officeDocument/2006/relationships" xmlns:p="http://schemas.openxmlformats.org/presentationml/2006/main">
+  <p:cSld>
+    <p:spTree>
+      <p:nvGrpSpPr>
+        <p:cNvPr id="1" name=""/>
+        <p:cNvGrpSpPr/>
+        <p:nvPr/>
+      </p:nvGrpSpPr>
+      <p:grpSpPr>
+        <a:xfrm>
+          <a:off x="0" y="0"/>
+          <a:ext cx="0" cy="0"/>
+          <a:chOff x="0" y="0"/>
+          <a:chExt cx="0" cy="0"/>
+        </a:xfrm>
+      </p:grpSpPr>
+      <p:sp>
+        <p:nvSpPr>
+          <p:cNvPr id="2" name="Marcador de número de diapositiva 1"/>
+          <p:cNvSpPr>
+            <a:spLocks noGrp="1"/>
+          </p:cNvSpPr>
+          <p:nvPr>
+            <p:ph type="sldNum" sz="quarter" idx="12"/>
+          </p:nvPr>
+        </p:nvSpPr>
+        <p:spPr/>
+        <p:txBody>
+          <a:bodyPr/>
+          <a:lstStyle/>
+          <a:p>
+            <a:fld id="{64BD7E74-CBD2-4D88-9109-2EA8081AE675}" type="slidenum">
+              <a:rPr lang="es-ES" smtClean="0"/>
+              <a:pPr/>
+              <a:t>11</a:t>
+            </a:fld>
+            <a:endParaRPr lang="es-ES"/>
+          </a:p>
+        </p:txBody>
+      </p:sp>
+      <p:sp>
+        <p:nvSpPr>
+          <p:cNvPr id="3" name="4 Título"/>
+          <p:cNvSpPr txBox="1">
+            <a:spLocks/>
+          </p:cNvSpPr>
+          <p:nvPr/>
+        </p:nvSpPr>
+        <p:spPr>
+          <a:xfrm>
+            <a:off x="611560" y="188640"/>
+            <a:ext cx="8784976" cy="457120"/>
+          </a:xfrm>
+          <a:prstGeom prst="rect">
+            <a:avLst/>
+          </a:prstGeom>
+        </p:spPr>
+        <p:txBody>
+          <a:bodyPr bIns="91440" anchor="b" anchorCtr="0">
+            <a:noAutofit/>
+          </a:bodyPr>
+          <a:lstStyle>
+            <a:lvl1pPr>
+              <a:spcBef>
+                <a:spcPct val="0"/>
+              </a:spcBef>
+              <a:buNone/>
+              <a:defRPr kumimoji="0" sz="2400">
+                <a:ln w="0"/>
+                <a:solidFill>
+                  <a:schemeClr val="tx2"/>
+                </a:solidFill>
+                <a:effectLst>
+                  <a:outerShdw blurRad="38100" dist="19050" dir="2700000" algn="tl" rotWithShape="0">
+                    <a:schemeClr val="dk1">
+                      <a:alpha val="40000"/>
+                    </a:schemeClr>
+                  </a:outerShdw>
+                </a:effectLst>
+                <a:latin typeface="+mj-lt"/>
+                <a:ea typeface="+mj-ea"/>
+                <a:cs typeface="+mj-cs"/>
+              </a:defRPr>
+            </a:lvl1pPr>
+          </a:lstStyle>
+          <a:p>
+            <a:r>
+              <a:rPr lang="es-PE" altLang="en-US" dirty="0"/>
+              <a:t>Programación entera mixta</a:t>
+            </a:r>
+          </a:p>
+        </p:txBody>
+      </p:sp>
+      <p:sp>
+        <p:nvSpPr>
+          <p:cNvPr id="10" name="CuadroTexto 4">
+            <a:extLst>
+              <a:ext uri="{FF2B5EF4-FFF2-40B4-BE49-F238E27FC236}">
+                <a16:creationId xmlns:a16="http://schemas.microsoft.com/office/drawing/2014/main" id="{0EE2E59A-EFC5-4F7D-8B1B-CDE02E4D869C}"/>
+              </a:ext>
+            </a:extLst>
+          </p:cNvPr>
+          <p:cNvSpPr txBox="1"/>
+          <p:nvPr/>
+        </p:nvSpPr>
+        <p:spPr>
+          <a:xfrm>
+            <a:off x="602191" y="836712"/>
+            <a:ext cx="8362297" cy="707886"/>
+          </a:xfrm>
+          <a:prstGeom prst="rect">
+            <a:avLst/>
+          </a:prstGeom>
+          <a:noFill/>
+        </p:spPr>
+        <p:txBody>
+          <a:bodyPr wrap="square" rtlCol="0">
+            <a:spAutoFit/>
+          </a:bodyPr>
+          <a:lstStyle/>
+          <a:p>
+            <a:pPr marL="285750" indent="-285750">
+              <a:buFont typeface="Arial" panose="020B0604020202020204" pitchFamily="34" charset="0"/>
+              <a:buChar char="•"/>
+            </a:pPr>
+            <a:r>
+              <a:rPr lang="es-MX" sz="2000" dirty="0"/>
+              <a:t>Método de ramificación y limitación (Branch &amp; </a:t>
+            </a:r>
+            <a:r>
+              <a:rPr lang="es-MX" sz="2000" dirty="0" err="1"/>
+              <a:t>Bound</a:t>
+            </a:r>
+            <a:r>
+              <a:rPr lang="es-MX" sz="2000" dirty="0"/>
+              <a:t>)</a:t>
+            </a:r>
+          </a:p>
+          <a:p>
+            <a:pPr lvl="1"/>
+            <a:r>
+              <a:rPr lang="es-MX" sz="2000" dirty="0"/>
+              <a:t>.</a:t>
+            </a:r>
+          </a:p>
+        </p:txBody>
+      </p:sp>
+      <p:pic>
+        <p:nvPicPr>
+          <p:cNvPr id="4" name="Picture 3">
+            <a:extLst>
+              <a:ext uri="{FF2B5EF4-FFF2-40B4-BE49-F238E27FC236}">
+                <a16:creationId xmlns:a16="http://schemas.microsoft.com/office/drawing/2014/main" id="{3FC166FD-EAC1-4268-9588-6AEB814D6B99}"/>
+              </a:ext>
+            </a:extLst>
+          </p:cNvPr>
+          <p:cNvPicPr>
+            <a:picLocks noChangeAspect="1"/>
+          </p:cNvPicPr>
+          <p:nvPr/>
+        </p:nvPicPr>
+        <p:blipFill>
+          <a:blip r:embed="rId2"/>
+          <a:stretch>
+            <a:fillRect/>
+          </a:stretch>
+        </p:blipFill>
+        <p:spPr>
+          <a:xfrm>
+            <a:off x="827584" y="1544598"/>
+            <a:ext cx="7787318" cy="4110171"/>
+          </a:xfrm>
+          <a:prstGeom prst="rect">
+            <a:avLst/>
+          </a:prstGeom>
+        </p:spPr>
+      </p:pic>
+    </p:spTree>
+    <p:extLst>
+      <p:ext uri="{BB962C8B-B14F-4D97-AF65-F5344CB8AC3E}">
+        <p14:creationId xmlns:p14="http://schemas.microsoft.com/office/powerpoint/2010/main" val="250715747"/>
+      </p:ext>
+    </p:extLst>
+  </p:cSld>
+  <p:clrMapOvr>
+    <a:masterClrMapping/>
+  </p:clrMapOvr>
+  <p:transition spd="slow">
+    <p:fade/>
+  </p:transition>
+</p:sld>
+</file>
+
+<file path=ppt/slides/slide12.xml><?xml version="1.0" encoding="utf-8"?>
+<p:sld xmlns:a="http://schemas.openxmlformats.org/drawingml/2006/main" xmlns:r="http://schemas.openxmlformats.org/officeDocument/2006/relationships" xmlns:p="http://schemas.openxmlformats.org/presentationml/2006/main">
+  <p:cSld>
+    <p:spTree>
+      <p:nvGrpSpPr>
+        <p:cNvPr id="1" name=""/>
+        <p:cNvGrpSpPr/>
+        <p:nvPr/>
+      </p:nvGrpSpPr>
+      <p:grpSpPr>
+        <a:xfrm>
+          <a:off x="0" y="0"/>
+          <a:ext cx="0" cy="0"/>
+          <a:chOff x="0" y="0"/>
+          <a:chExt cx="0" cy="0"/>
+        </a:xfrm>
+      </p:grpSpPr>
+      <p:sp>
+        <p:nvSpPr>
+          <p:cNvPr id="2" name="Marcador de número de diapositiva 1"/>
+          <p:cNvSpPr>
+            <a:spLocks noGrp="1"/>
+          </p:cNvSpPr>
+          <p:nvPr>
+            <p:ph type="sldNum" sz="quarter" idx="12"/>
+          </p:nvPr>
+        </p:nvSpPr>
+        <p:spPr/>
+        <p:txBody>
+          <a:bodyPr/>
+          <a:lstStyle/>
+          <a:p>
+            <a:fld id="{64BD7E74-CBD2-4D88-9109-2EA8081AE675}" type="slidenum">
+              <a:rPr lang="es-ES" smtClean="0"/>
+              <a:pPr/>
+              <a:t>12</a:t>
+            </a:fld>
+            <a:endParaRPr lang="es-ES"/>
+          </a:p>
+        </p:txBody>
+      </p:sp>
+      <p:sp>
+        <p:nvSpPr>
+          <p:cNvPr id="3" name="4 Título"/>
+          <p:cNvSpPr txBox="1">
+            <a:spLocks/>
+          </p:cNvSpPr>
+          <p:nvPr/>
+        </p:nvSpPr>
+        <p:spPr>
+          <a:xfrm>
+            <a:off x="611560" y="188640"/>
+            <a:ext cx="8784976" cy="457120"/>
+          </a:xfrm>
+          <a:prstGeom prst="rect">
+            <a:avLst/>
+          </a:prstGeom>
+        </p:spPr>
+        <p:txBody>
+          <a:bodyPr bIns="91440" anchor="b" anchorCtr="0">
+            <a:noAutofit/>
+          </a:bodyPr>
+          <a:lstStyle>
+            <a:lvl1pPr>
+              <a:spcBef>
+                <a:spcPct val="0"/>
+              </a:spcBef>
+              <a:buNone/>
+              <a:defRPr kumimoji="0" sz="2400">
+                <a:ln w="0"/>
+                <a:solidFill>
+                  <a:schemeClr val="tx2"/>
+                </a:solidFill>
+                <a:effectLst>
+                  <a:outerShdw blurRad="38100" dist="19050" dir="2700000" algn="tl" rotWithShape="0">
+                    <a:schemeClr val="dk1">
+                      <a:alpha val="40000"/>
+                    </a:schemeClr>
+                  </a:outerShdw>
+                </a:effectLst>
+                <a:latin typeface="+mj-lt"/>
+                <a:ea typeface="+mj-ea"/>
+                <a:cs typeface="+mj-cs"/>
+              </a:defRPr>
+            </a:lvl1pPr>
+          </a:lstStyle>
+          <a:p>
+            <a:r>
+              <a:rPr lang="es-PE" altLang="en-US" dirty="0"/>
+              <a:t>Programación entera mixta</a:t>
+            </a:r>
+          </a:p>
+        </p:txBody>
+      </p:sp>
+      <p:sp>
+        <p:nvSpPr>
+          <p:cNvPr id="10" name="CuadroTexto 4">
+            <a:extLst>
+              <a:ext uri="{FF2B5EF4-FFF2-40B4-BE49-F238E27FC236}">
+                <a16:creationId xmlns:a16="http://schemas.microsoft.com/office/drawing/2014/main" id="{0EE2E59A-EFC5-4F7D-8B1B-CDE02E4D869C}"/>
+              </a:ext>
+            </a:extLst>
+          </p:cNvPr>
+          <p:cNvSpPr txBox="1"/>
+          <p:nvPr/>
+        </p:nvSpPr>
+        <p:spPr>
+          <a:xfrm>
+            <a:off x="602191" y="836712"/>
+            <a:ext cx="8362297" cy="707886"/>
+          </a:xfrm>
+          <a:prstGeom prst="rect">
+            <a:avLst/>
+          </a:prstGeom>
+          <a:noFill/>
+        </p:spPr>
+        <p:txBody>
+          <a:bodyPr wrap="square" rtlCol="0">
+            <a:spAutoFit/>
+          </a:bodyPr>
+          <a:lstStyle/>
+          <a:p>
+            <a:pPr marL="285750" indent="-285750">
+              <a:buFont typeface="Arial" panose="020B0604020202020204" pitchFamily="34" charset="0"/>
+              <a:buChar char="•"/>
+            </a:pPr>
+            <a:r>
+              <a:rPr lang="es-MX" sz="2000" dirty="0"/>
+              <a:t>Método de ramificación y limitación (Branch &amp; </a:t>
+            </a:r>
+            <a:r>
+              <a:rPr lang="es-MX" sz="2000" dirty="0" err="1"/>
+              <a:t>Bound</a:t>
+            </a:r>
+            <a:r>
+              <a:rPr lang="es-MX" sz="2000" dirty="0"/>
+              <a:t>)</a:t>
+            </a:r>
+          </a:p>
+          <a:p>
+            <a:pPr lvl="1"/>
+            <a:r>
+              <a:rPr lang="es-MX" sz="2000" dirty="0"/>
+              <a:t>.</a:t>
+            </a:r>
+          </a:p>
+        </p:txBody>
+      </p:sp>
+      <p:pic>
+        <p:nvPicPr>
+          <p:cNvPr id="4" name="Picture 3">
+            <a:extLst>
+              <a:ext uri="{FF2B5EF4-FFF2-40B4-BE49-F238E27FC236}">
+                <a16:creationId xmlns:a16="http://schemas.microsoft.com/office/drawing/2014/main" id="{3FC166FD-EAC1-4268-9588-6AEB814D6B99}"/>
+              </a:ext>
+            </a:extLst>
+          </p:cNvPr>
+          <p:cNvPicPr>
+            <a:picLocks noChangeAspect="1"/>
+          </p:cNvPicPr>
+          <p:nvPr/>
+        </p:nvPicPr>
+        <p:blipFill>
+          <a:blip r:embed="rId2"/>
+          <a:stretch>
+            <a:fillRect/>
+          </a:stretch>
+        </p:blipFill>
+        <p:spPr>
+          <a:xfrm>
+            <a:off x="827584" y="1544598"/>
+            <a:ext cx="7787318" cy="4110171"/>
+          </a:xfrm>
+          <a:prstGeom prst="rect">
+            <a:avLst/>
+          </a:prstGeom>
+        </p:spPr>
+      </p:pic>
+    </p:spTree>
+    <p:extLst>
+      <p:ext uri="{BB962C8B-B14F-4D97-AF65-F5344CB8AC3E}">
+        <p14:creationId xmlns:p14="http://schemas.microsoft.com/office/powerpoint/2010/main" val="632430824"/>
+      </p:ext>
+    </p:extLst>
+  </p:cSld>
+  <p:clrMapOvr>
+    <a:masterClrMapping/>
+  </p:clrMapOvr>
+  <p:transition spd="slow">
+    <p:fade/>
+  </p:transition>
+</p:sld>
+</file>
+
+<file path=ppt/slides/slide13.xml><?xml version="1.0" encoding="utf-8"?>
+<p:sld xmlns:a="http://schemas.openxmlformats.org/drawingml/2006/main" xmlns:r="http://schemas.openxmlformats.org/officeDocument/2006/relationships" xmlns:p="http://schemas.openxmlformats.org/presentationml/2006/main">
+  <p:cSld>
+    <p:spTree>
+      <p:nvGrpSpPr>
+        <p:cNvPr id="1" name=""/>
+        <p:cNvGrpSpPr/>
+        <p:nvPr/>
+      </p:nvGrpSpPr>
+      <p:grpSpPr>
+        <a:xfrm>
+          <a:off x="0" y="0"/>
+          <a:ext cx="0" cy="0"/>
+          <a:chOff x="0" y="0"/>
+          <a:chExt cx="0" cy="0"/>
+        </a:xfrm>
+      </p:grpSpPr>
+      <p:sp>
+        <p:nvSpPr>
+          <p:cNvPr id="3" name="Marcador de número de diapositiva 2"/>
+          <p:cNvSpPr>
+            <a:spLocks noGrp="1"/>
+          </p:cNvSpPr>
+          <p:nvPr>
+            <p:ph type="sldNum" sz="quarter" idx="12"/>
+          </p:nvPr>
+        </p:nvSpPr>
+        <p:spPr/>
+        <p:txBody>
+          <a:bodyPr/>
+          <a:lstStyle/>
+          <a:p>
+            <a:fld id="{64BD7E74-CBD2-4D88-9109-2EA8081AE675}" type="slidenum">
+              <a:rPr lang="es-ES" smtClean="0"/>
+              <a:pPr/>
+              <a:t>13</a:t>
+            </a:fld>
+            <a:endParaRPr lang="es-ES"/>
+          </a:p>
+        </p:txBody>
+      </p:sp>
+      <p:sp>
+        <p:nvSpPr>
+          <p:cNvPr id="7" name="TextBox 3"/>
+          <p:cNvSpPr txBox="1"/>
+          <p:nvPr/>
+        </p:nvSpPr>
+        <p:spPr>
+          <a:xfrm>
+            <a:off x="755576" y="1138137"/>
+            <a:ext cx="6459790" cy="1077218"/>
+          </a:xfrm>
+          <a:prstGeom prst="rect">
+            <a:avLst/>
+          </a:prstGeom>
+          <a:noFill/>
+        </p:spPr>
+        <p:txBody>
+          <a:bodyPr wrap="square" rtlCol="0">
+            <a:spAutoFit/>
+          </a:bodyPr>
+          <a:lstStyle/>
+          <a:p>
+            <a:pPr defTabSz="457200"/>
+            <a:r>
+              <a:rPr lang="en-US" sz="3200" i="1" dirty="0">
+                <a:solidFill>
+                  <a:srgbClr val="E7E6E6">
+                    <a:lumMod val="50000"/>
+                  </a:srgbClr>
+                </a:solidFill>
+                <a:latin typeface="Adobe Hebrew" panose="02040503050201020203" pitchFamily="18" charset="-79"/>
+                <a:cs typeface="Adobe Hebrew" panose="02040503050201020203" pitchFamily="18" charset="-79"/>
+              </a:rPr>
+              <a:t>“The new becomes old, and the old becomes new…a life cycle”</a:t>
+            </a:r>
+          </a:p>
+        </p:txBody>
+      </p:sp>
+      <p:pic>
+        <p:nvPicPr>
+          <p:cNvPr id="2" name="Imagen 1"/>
+          <p:cNvPicPr>
+            <a:picLocks noChangeAspect="1"/>
+          </p:cNvPicPr>
+          <p:nvPr/>
+        </p:nvPicPr>
+        <p:blipFill>
+          <a:blip r:embed="rId2">
+            <a:extLst>
+              <a:ext uri="{28A0092B-C50C-407E-A947-70E740481C1C}">
+                <a14:useLocalDpi xmlns:a14="http://schemas.microsoft.com/office/drawing/2010/main" val="0"/>
+              </a:ext>
+            </a:extLst>
+          </a:blip>
+          <a:stretch>
+            <a:fillRect/>
+          </a:stretch>
+        </p:blipFill>
+        <p:spPr>
+          <a:xfrm>
+            <a:off x="3275856" y="2564904"/>
+            <a:ext cx="4980435" cy="3512244"/>
+          </a:xfrm>
+          <a:prstGeom prst="rect">
+            <a:avLst/>
+          </a:prstGeom>
+        </p:spPr>
+      </p:pic>
+    </p:spTree>
+    <p:extLst>
+      <p:ext uri="{BB962C8B-B14F-4D97-AF65-F5344CB8AC3E}">
+        <p14:creationId xmlns:p14="http://schemas.microsoft.com/office/powerpoint/2010/main" val="3103930866"/>
+      </p:ext>
+    </p:extLst>
+  </p:cSld>
+  <p:clrMapOvr>
+    <a:masterClrMapping/>
+  </p:clrMapOvr>
+  <mc:AlternateContent xmlns:mc="http://schemas.openxmlformats.org/markup-compatibility/2006" xmlns:p14="http://schemas.microsoft.com/office/powerpoint/2010/main">
+    <mc:Choice Requires="p14">
+      <p:transition p14:dur="10"/>
+    </mc:Choice>
+    <mc:Fallback xmlns="">
+      <p:transition/>
+    </mc:Fallback>
+  </mc:AlternateContent>
+</p:sld>
+</file>
+
+<file path=ppt/slides/slide2.xml><?xml version="1.0" encoding="utf-8"?>
+<p:sld xmlns:a="http://schemas.openxmlformats.org/drawingml/2006/main" xmlns:r="http://schemas.openxmlformats.org/officeDocument/2006/relationships" xmlns:p="http://schemas.openxmlformats.org/presentationml/2006/main">
+  <p:cSld>
+    <p:spTree>
+      <p:nvGrpSpPr>
+        <p:cNvPr id="1" name=""/>
+        <p:cNvGrpSpPr/>
+        <p:nvPr/>
+      </p:nvGrpSpPr>
+      <p:grpSpPr>
+        <a:xfrm>
+          <a:off x="0" y="0"/>
+          <a:ext cx="0" cy="0"/>
+          <a:chOff x="0" y="0"/>
+          <a:chExt cx="0" cy="0"/>
+        </a:xfrm>
+      </p:grpSpPr>
+      <p:sp>
+        <p:nvSpPr>
+          <p:cNvPr id="2" name="Marcador de número de diapositiva 1"/>
+          <p:cNvSpPr>
+            <a:spLocks noGrp="1"/>
+          </p:cNvSpPr>
+          <p:nvPr>
+            <p:ph type="sldNum" sz="quarter" idx="12"/>
+          </p:nvPr>
+        </p:nvSpPr>
+        <p:spPr/>
+        <p:txBody>
+          <a:bodyPr/>
+          <a:lstStyle/>
+          <a:p>
+            <a:fld id="{64BD7E74-CBD2-4D88-9109-2EA8081AE675}" type="slidenum">
+              <a:rPr lang="es-ES" smtClean="0"/>
+              <a:pPr/>
+              <a:t>2</a:t>
+            </a:fld>
+            <a:endParaRPr lang="es-ES"/>
+          </a:p>
+        </p:txBody>
+      </p:sp>
+      <p:sp>
+        <p:nvSpPr>
+          <p:cNvPr id="3" name="4 Título"/>
+          <p:cNvSpPr txBox="1">
+            <a:spLocks/>
+          </p:cNvSpPr>
+          <p:nvPr/>
+        </p:nvSpPr>
+        <p:spPr>
+          <a:xfrm>
+            <a:off x="611560" y="188640"/>
+            <a:ext cx="8784976" cy="457120"/>
+          </a:xfrm>
+          <a:prstGeom prst="rect">
+            <a:avLst/>
+          </a:prstGeom>
+        </p:spPr>
+        <p:txBody>
+          <a:bodyPr bIns="91440" anchor="b" anchorCtr="0">
+            <a:noAutofit/>
+          </a:bodyPr>
+          <a:lstStyle>
+            <a:lvl1pPr>
+              <a:spcBef>
+                <a:spcPct val="0"/>
+              </a:spcBef>
+              <a:buNone/>
+              <a:defRPr kumimoji="0" sz="2400">
+                <a:ln w="0"/>
+                <a:solidFill>
+                  <a:schemeClr val="tx2"/>
+                </a:solidFill>
+                <a:effectLst>
+                  <a:outerShdw blurRad="38100" dist="19050" dir="2700000" algn="tl" rotWithShape="0">
+                    <a:schemeClr val="dk1">
+                      <a:alpha val="40000"/>
+                    </a:schemeClr>
+                  </a:outerShdw>
+                </a:effectLst>
+                <a:latin typeface="+mj-lt"/>
+                <a:ea typeface="+mj-ea"/>
+                <a:cs typeface="+mj-cs"/>
+              </a:defRPr>
+            </a:lvl1pPr>
+          </a:lstStyle>
+          <a:p>
+            <a:r>
+              <a:rPr lang="es-PE" altLang="en-US" dirty="0"/>
+              <a:t>Programación lineal: Formulación</a:t>
+            </a:r>
+          </a:p>
+        </p:txBody>
+      </p:sp>
+      <p:sp>
+        <p:nvSpPr>
+          <p:cNvPr id="10" name="CuadroTexto 4">
+            <a:extLst>
+              <a:ext uri="{FF2B5EF4-FFF2-40B4-BE49-F238E27FC236}">
+                <a16:creationId xmlns:a16="http://schemas.microsoft.com/office/drawing/2014/main" id="{0EE2E59A-EFC5-4F7D-8B1B-CDE02E4D869C}"/>
+              </a:ext>
+            </a:extLst>
+          </p:cNvPr>
+          <p:cNvSpPr txBox="1"/>
+          <p:nvPr/>
+        </p:nvSpPr>
+        <p:spPr>
+          <a:xfrm>
+            <a:off x="602191" y="836712"/>
+            <a:ext cx="8002257" cy="400110"/>
+          </a:xfrm>
+          <a:prstGeom prst="rect">
+            <a:avLst/>
+          </a:prstGeom>
+          <a:noFill/>
+        </p:spPr>
+        <p:txBody>
+          <a:bodyPr wrap="square" rtlCol="0">
+            <a:spAutoFit/>
+          </a:bodyPr>
+          <a:lstStyle/>
+          <a:p>
+            <a:pPr marL="285750" indent="-285750">
+              <a:buFont typeface="Arial" panose="020B0604020202020204" pitchFamily="34" charset="0"/>
+              <a:buChar char="•"/>
+            </a:pPr>
+            <a:r>
+              <a:rPr lang="es-MX" sz="2000" dirty="0"/>
+              <a:t>Cualquier PL puede ser colocado en una forma estándar</a:t>
+            </a:r>
+          </a:p>
+        </p:txBody>
+      </p:sp>
+      <p:pic>
+        <p:nvPicPr>
+          <p:cNvPr id="4" name="Picture 3">
+            <a:extLst>
+              <a:ext uri="{FF2B5EF4-FFF2-40B4-BE49-F238E27FC236}">
+                <a16:creationId xmlns:a16="http://schemas.microsoft.com/office/drawing/2014/main" id="{641CC9DB-45FA-4FCD-8114-BE417D42F78A}"/>
+              </a:ext>
+            </a:extLst>
+          </p:cNvPr>
+          <p:cNvPicPr>
+            <a:picLocks noChangeAspect="1"/>
+          </p:cNvPicPr>
+          <p:nvPr/>
+        </p:nvPicPr>
+        <p:blipFill>
+          <a:blip r:embed="rId2"/>
+          <a:stretch>
+            <a:fillRect/>
+          </a:stretch>
+        </p:blipFill>
+        <p:spPr>
+          <a:xfrm>
             <a:off x="1331205" y="1228066"/>
             <a:ext cx="6544228" cy="2451052"/>
           </a:xfrm>
@@ -5469,7 +6177,7 @@
               <p:cNvPr id="8" name="CuadroTexto 4">
                 <a:extLst>
                   <a:ext uri="{FF2B5EF4-FFF2-40B4-BE49-F238E27FC236}">
-                    <a16:creationId xmlns:a16="http://schemas.microsoft.com/office/drawing/2014/main" xmlns="" id="{F31C097F-38DA-47AA-BEDF-8AA58B8B2848}"/>
+                    <a16:creationId xmlns:a16="http://schemas.microsoft.com/office/drawing/2014/main" id="{F31C097F-38DA-47AA-BEDF-8AA58B8B2848}"/>
                   </a:ext>
                 </a:extLst>
               </p:cNvPr>
@@ -5912,7 +6620,7 @@
           <p:cNvPr id="10" name="CuadroTexto 4">
             <a:extLst>
               <a:ext uri="{FF2B5EF4-FFF2-40B4-BE49-F238E27FC236}">
-                <a16:creationId xmlns:a16="http://schemas.microsoft.com/office/drawing/2014/main" xmlns="" id="{0EE2E59A-EFC5-4F7D-8B1B-CDE02E4D869C}"/>
+                <a16:creationId xmlns:a16="http://schemas.microsoft.com/office/drawing/2014/main" id="{0EE2E59A-EFC5-4F7D-8B1B-CDE02E4D869C}"/>
               </a:ext>
             </a:extLst>
           </p:cNvPr>
@@ -6045,7 +6753,7 @@
               <p:cNvPr id="6" name="TextBox 5">
                 <a:extLst>
                   <a:ext uri="{FF2B5EF4-FFF2-40B4-BE49-F238E27FC236}">
-                    <a16:creationId xmlns:a16="http://schemas.microsoft.com/office/drawing/2014/main" xmlns="" id="{CF798055-6B72-4532-B2E2-3738A47C9519}"/>
+                    <a16:creationId xmlns:a16="http://schemas.microsoft.com/office/drawing/2014/main" id="{CF798055-6B72-4532-B2E2-3738A47C9519}"/>
                   </a:ext>
                 </a:extLst>
               </p:cNvPr>
@@ -6662,7 +7370,7 @@
                     <a:gridCol w="3312368">
                       <a:extLst>
                         <a:ext uri="{9D8B030D-6E8A-4147-A177-3AD203B41FA5}">
-                          <a16:colId xmlns:a16="http://schemas.microsoft.com/office/drawing/2014/main" xmlns="" val="3382599164"/>
+                          <a16:colId xmlns:a16="http://schemas.microsoft.com/office/drawing/2014/main" val="3382599164"/>
                         </a:ext>
                       </a:extLst>
                     </a:gridCol>
@@ -6876,7 +7584,7 @@
                     </a:tc>
                     <a:extLst>
                       <a:ext uri="{0D108BD9-81ED-4DB2-BD59-A6C34878D82A}">
-                        <a16:rowId xmlns:a16="http://schemas.microsoft.com/office/drawing/2014/main" xmlns="" val="4178132430"/>
+                        <a16:rowId xmlns:a16="http://schemas.microsoft.com/office/drawing/2014/main" val="4178132430"/>
                       </a:ext>
                     </a:extLst>
                   </a:tr>
@@ -6917,7 +7625,7 @@
                     </a:tc>
                     <a:extLst>
                       <a:ext uri="{0D108BD9-81ED-4DB2-BD59-A6C34878D82A}">
-                        <a16:rowId xmlns:a16="http://schemas.microsoft.com/office/drawing/2014/main" xmlns="" val="1654935555"/>
+                        <a16:rowId xmlns:a16="http://schemas.microsoft.com/office/drawing/2014/main" val="1654935555"/>
                       </a:ext>
                     </a:extLst>
                   </a:tr>
@@ -7004,7 +7712,7 @@
                     </a:tc>
                     <a:extLst>
                       <a:ext uri="{0D108BD9-81ED-4DB2-BD59-A6C34878D82A}">
-                        <a16:rowId xmlns:a16="http://schemas.microsoft.com/office/drawing/2014/main" xmlns="" val="3747512519"/>
+                        <a16:rowId xmlns:a16="http://schemas.microsoft.com/office/drawing/2014/main" val="3747512519"/>
                       </a:ext>
                     </a:extLst>
                   </a:tr>
@@ -7090,7 +7798,7 @@
                     </a:tc>
                     <a:extLst>
                       <a:ext uri="{0D108BD9-81ED-4DB2-BD59-A6C34878D82A}">
-                        <a16:rowId xmlns:a16="http://schemas.microsoft.com/office/drawing/2014/main" xmlns="" val="4023038527"/>
+                        <a16:rowId xmlns:a16="http://schemas.microsoft.com/office/drawing/2014/main" val="4023038527"/>
                       </a:ext>
                     </a:extLst>
                   </a:tr>
@@ -7207,7 +7915,7 @@
                     </a:tc>
                     <a:extLst>
                       <a:ext uri="{0D108BD9-81ED-4DB2-BD59-A6C34878D82A}">
-                        <a16:rowId xmlns:a16="http://schemas.microsoft.com/office/drawing/2014/main" xmlns="" val="151617654"/>
+                        <a16:rowId xmlns:a16="http://schemas.microsoft.com/office/drawing/2014/main" val="151617654"/>
                       </a:ext>
                     </a:extLst>
                   </a:tr>
@@ -7331,7 +8039,7 @@
                     </a:tc>
                     <a:extLst>
                       <a:ext uri="{0D108BD9-81ED-4DB2-BD59-A6C34878D82A}">
-                        <a16:rowId xmlns:a16="http://schemas.microsoft.com/office/drawing/2014/main" xmlns="" val="914160747"/>
+                        <a16:rowId xmlns:a16="http://schemas.microsoft.com/office/drawing/2014/main" val="914160747"/>
                       </a:ext>
                     </a:extLst>
                   </a:tr>
@@ -7746,15 +8454,7 @@
           <a:p>
             <a:r>
               <a:rPr lang="es-PE" altLang="en-US" dirty="0"/>
-              <a:t>Programación </a:t>
-            </a:r>
-            <a:r>
-              <a:rPr lang="es-PE" altLang="en-US" dirty="0" smtClean="0"/>
-              <a:t>entera mixta: </a:t>
-            </a:r>
-            <a:r>
-              <a:rPr lang="es-PE" altLang="en-US" dirty="0"/>
-              <a:t>Formulación</a:t>
+              <a:t>Programación entera mixta: Formulación</a:t>
             </a:r>
           </a:p>
         </p:txBody>
@@ -7764,7 +8464,7 @@
           <p:cNvPr id="10" name="CuadroTexto 4">
             <a:extLst>
               <a:ext uri="{FF2B5EF4-FFF2-40B4-BE49-F238E27FC236}">
-                <a16:creationId xmlns:a16="http://schemas.microsoft.com/office/drawing/2014/main" xmlns="" id="{0EE2E59A-EFC5-4F7D-8B1B-CDE02E4D869C}"/>
+                <a16:creationId xmlns:a16="http://schemas.microsoft.com/office/drawing/2014/main" id="{0EE2E59A-EFC5-4F7D-8B1B-CDE02E4D869C}"/>
               </a:ext>
             </a:extLst>
           </p:cNvPr>
@@ -7803,7 +8503,7 @@
           <p:cNvPr id="4" name="Picture 3">
             <a:extLst>
               <a:ext uri="{FF2B5EF4-FFF2-40B4-BE49-F238E27FC236}">
-                <a16:creationId xmlns:a16="http://schemas.microsoft.com/office/drawing/2014/main" xmlns="" id="{641CC9DB-45FA-4FCD-8114-BE417D42F78A}"/>
+                <a16:creationId xmlns:a16="http://schemas.microsoft.com/office/drawing/2014/main" id="{641CC9DB-45FA-4FCD-8114-BE417D42F78A}"/>
               </a:ext>
             </a:extLst>
           </p:cNvPr>
@@ -7835,7 +8535,7 @@
               <p:cNvPr id="8" name="CuadroTexto 4">
                 <a:extLst>
                   <a:ext uri="{FF2B5EF4-FFF2-40B4-BE49-F238E27FC236}">
-                    <a16:creationId xmlns:a16="http://schemas.microsoft.com/office/drawing/2014/main" xmlns="" id="{F31C097F-38DA-47AA-BEDF-8AA58B8B2848}"/>
+                    <a16:creationId xmlns:a16="http://schemas.microsoft.com/office/drawing/2014/main" id="{F31C097F-38DA-47AA-BEDF-8AA58B8B2848}"/>
                   </a:ext>
                 </a:extLst>
               </p:cNvPr>
@@ -8278,7 +8978,7 @@
           <p:cNvPr id="10" name="CuadroTexto 4">
             <a:extLst>
               <a:ext uri="{FF2B5EF4-FFF2-40B4-BE49-F238E27FC236}">
-                <a16:creationId xmlns:a16="http://schemas.microsoft.com/office/drawing/2014/main" xmlns="" id="{0EE2E59A-EFC5-4F7D-8B1B-CDE02E4D869C}"/>
+                <a16:creationId xmlns:a16="http://schemas.microsoft.com/office/drawing/2014/main" id="{0EE2E59A-EFC5-4F7D-8B1B-CDE02E4D869C}"/>
               </a:ext>
             </a:extLst>
           </p:cNvPr>
@@ -8405,7 +9105,7 @@
               <p:cNvPr id="6" name="TextBox 5">
                 <a:extLst>
                   <a:ext uri="{FF2B5EF4-FFF2-40B4-BE49-F238E27FC236}">
-                    <a16:creationId xmlns:a16="http://schemas.microsoft.com/office/drawing/2014/main" xmlns="" id="{CF798055-6B72-4532-B2E2-3738A47C9519}"/>
+                    <a16:creationId xmlns:a16="http://schemas.microsoft.com/office/drawing/2014/main" id="{CF798055-6B72-4532-B2E2-3738A47C9519}"/>
                   </a:ext>
                 </a:extLst>
               </p:cNvPr>
@@ -9326,7 +10026,7 @@
           <p:cNvPr id="10" name="CuadroTexto 4">
             <a:extLst>
               <a:ext uri="{FF2B5EF4-FFF2-40B4-BE49-F238E27FC236}">
-                <a16:creationId xmlns:a16="http://schemas.microsoft.com/office/drawing/2014/main" xmlns="" id="{0EE2E59A-EFC5-4F7D-8B1B-CDE02E4D869C}"/>
+                <a16:creationId xmlns:a16="http://schemas.microsoft.com/office/drawing/2014/main" id="{0EE2E59A-EFC5-4F7D-8B1B-CDE02E4D869C}"/>
               </a:ext>
             </a:extLst>
           </p:cNvPr>
@@ -9373,7 +10073,7 @@
             </a:pPr>
             <a:r>
               <a:rPr lang="es-MX" sz="2000" dirty="0"/>
-              <a:t>Es un método de resolución que se basa en la idea de desenvolver una enumeración implícita inteligente de los puntos candidatos a </a:t>
+              <a:t>Es un método de resolución que se basa en la idea de desenvolver una enumeración implícita inteligente de los puntos candidatos a solución óptima entera de un problema, por medio de partición de espacio de soluciones y evaluaciones progresivas de las soluciones.</a:t>
             </a:r>
           </a:p>
           <a:p>
@@ -9383,11 +10083,19 @@
             </a:pPr>
             <a:r>
               <a:rPr lang="es-MX" sz="2000" dirty="0"/>
-              <a:t>Método de ramificación y corte (Branch &amp; </a:t>
+              <a:t>Entrega tres procedimientos: aproximación, ramificación (</a:t>
             </a:r>
             <a:r>
               <a:rPr lang="es-MX" sz="2000" dirty="0" err="1"/>
-              <a:t>Cut</a:t>
+              <a:t>branching</a:t>
+            </a:r>
+            <a:r>
+              <a:rPr lang="es-MX" sz="2000" dirty="0"/>
+              <a:t>) y limitación (</a:t>
+            </a:r>
+            <a:r>
+              <a:rPr lang="es-MX" sz="2000" dirty="0" err="1"/>
+              <a:t>bouding</a:t>
             </a:r>
             <a:r>
               <a:rPr lang="es-MX" sz="2000" dirty="0"/>
@@ -9401,7 +10109,15 @@
             </a:pPr>
             <a:r>
               <a:rPr lang="es-MX" sz="2000" dirty="0"/>
-              <a:t>Método de planos de cortes</a:t>
+              <a:t>El término Branch se refiere a las particiones hechas por el método y el término </a:t>
+            </a:r>
+            <a:r>
+              <a:rPr lang="es-MX" sz="2000" dirty="0" err="1"/>
+              <a:t>bound</a:t>
+            </a:r>
+            <a:r>
+              <a:rPr lang="es-MX" sz="2000" dirty="0"/>
+              <a:t> a las nuevas restricciones adicionadas.</a:t>
             </a:r>
           </a:p>
           <a:p>
@@ -9411,47 +10127,15 @@
             </a:pPr>
             <a:r>
               <a:rPr lang="es-MX" sz="2000" dirty="0"/>
-              <a:t>Métodos de descomposición</a:t>
-            </a:r>
-          </a:p>
-          <a:p>
-            <a:pPr marL="285750" indent="-285750">
-              <a:buFont typeface="Arial" panose="020B0604020202020204" pitchFamily="34" charset="0"/>
-              <a:buChar char="•"/>
-            </a:pPr>
+              <a:t>Utiliza el método simplex de forma recurrente en el </a:t>
+            </a:r>
+            <a:r>
+              <a:rPr lang="es-MX" sz="2000" dirty="0" err="1"/>
+              <a:t>preceso</a:t>
+            </a:r>
             <a:r>
               <a:rPr lang="es-MX" sz="2000" dirty="0"/>
-              <a:t>Método de enumeración implícita</a:t>
-            </a:r>
-          </a:p>
-          <a:p>
-            <a:pPr marL="285750" indent="-285750">
-              <a:buFont typeface="Arial" panose="020B0604020202020204" pitchFamily="34" charset="0"/>
-              <a:buChar char="•"/>
-            </a:pPr>
-            <a:r>
-              <a:rPr lang="es-MX" sz="2000" dirty="0"/>
-              <a:t>Problema no convexo, pueden ser transformados en problemas convexos a través de métodos de relajación</a:t>
-            </a:r>
-          </a:p>
-          <a:p>
-            <a:pPr marL="285750" indent="-285750">
-              <a:buFont typeface="Arial" panose="020B0604020202020204" pitchFamily="34" charset="0"/>
-              <a:buChar char="•"/>
-            </a:pPr>
-            <a:r>
-              <a:rPr lang="es-MX" sz="2000" dirty="0"/>
-              <a:t>Todos los métodos encuentran una solución óptima o global</a:t>
-            </a:r>
-          </a:p>
-          <a:p>
-            <a:pPr marL="285750" indent="-285750">
-              <a:buFont typeface="Arial" panose="020B0604020202020204" pitchFamily="34" charset="0"/>
-              <a:buChar char="•"/>
-            </a:pPr>
-            <a:r>
-              <a:rPr lang="es-MX" sz="2000" dirty="0"/>
-              <a:t>No tiene problemas de convergencia, tiempo de procesamiento elevados</a:t>
+              <a:t> de obtener la solución óptima.</a:t>
             </a:r>
           </a:p>
         </p:txBody>
@@ -9491,7 +10175,7 @@
       </p:grpSpPr>
       <p:sp>
         <p:nvSpPr>
-          <p:cNvPr id="3" name="Marcador de número de diapositiva 2"/>
+          <p:cNvPr id="2" name="Marcador de número de diapositiva 1"/>
           <p:cNvSpPr>
             <a:spLocks noGrp="1"/>
           </p:cNvSpPr>
@@ -9515,14 +10199,73 @@
       </p:sp>
       <p:sp>
         <p:nvSpPr>
-          <p:cNvPr id="7" name="TextBox 3"/>
+          <p:cNvPr id="3" name="4 Título"/>
+          <p:cNvSpPr txBox="1">
+            <a:spLocks/>
+          </p:cNvSpPr>
+          <p:nvPr/>
+        </p:nvSpPr>
+        <p:spPr>
+          <a:xfrm>
+            <a:off x="611560" y="188640"/>
+            <a:ext cx="8784976" cy="457120"/>
+          </a:xfrm>
+          <a:prstGeom prst="rect">
+            <a:avLst/>
+          </a:prstGeom>
+        </p:spPr>
+        <p:txBody>
+          <a:bodyPr bIns="91440" anchor="b" anchorCtr="0">
+            <a:noAutofit/>
+          </a:bodyPr>
+          <a:lstStyle>
+            <a:lvl1pPr>
+              <a:spcBef>
+                <a:spcPct val="0"/>
+              </a:spcBef>
+              <a:buNone/>
+              <a:defRPr kumimoji="0" sz="2400">
+                <a:ln w="0"/>
+                <a:solidFill>
+                  <a:schemeClr val="tx2"/>
+                </a:solidFill>
+                <a:effectLst>
+                  <a:outerShdw blurRad="38100" dist="19050" dir="2700000" algn="tl" rotWithShape="0">
+                    <a:schemeClr val="dk1">
+                      <a:alpha val="40000"/>
+                    </a:schemeClr>
+                  </a:outerShdw>
+                </a:effectLst>
+                <a:latin typeface="+mj-lt"/>
+                <a:ea typeface="+mj-ea"/>
+                <a:cs typeface="+mj-cs"/>
+              </a:defRPr>
+            </a:lvl1pPr>
+          </a:lstStyle>
+          <a:p>
+            <a:r>
+              <a:rPr lang="es-PE" altLang="en-US" dirty="0"/>
+              <a:t>Programación entera mixta</a:t>
+            </a:r>
+          </a:p>
+        </p:txBody>
+      </p:sp>
+      <p:sp>
+        <p:nvSpPr>
+          <p:cNvPr id="10" name="CuadroTexto 4">
+            <a:extLst>
+              <a:ext uri="{FF2B5EF4-FFF2-40B4-BE49-F238E27FC236}">
+                <a16:creationId xmlns:a16="http://schemas.microsoft.com/office/drawing/2014/main" id="{0EE2E59A-EFC5-4F7D-8B1B-CDE02E4D869C}"/>
+              </a:ext>
+            </a:extLst>
+          </p:cNvPr>
           <p:cNvSpPr txBox="1"/>
           <p:nvPr/>
         </p:nvSpPr>
         <p:spPr>
           <a:xfrm>
-            <a:off x="755576" y="1138137"/>
-            <a:ext cx="6459790" cy="1077218"/>
+            <a:off x="602191" y="836712"/>
+            <a:ext cx="8362297" cy="707886"/>
           </a:xfrm>
           <a:prstGeom prst="rect">
             <a:avLst/>
@@ -9535,46 +10278,56 @@
           </a:bodyPr>
           <a:lstStyle/>
           <a:p>
-            <a:pPr defTabSz="457200"/>
-            <a:r>
-              <a:rPr lang="en-US" sz="3200" i="1" dirty="0">
-                <a:solidFill>
-                  <a:srgbClr val="E7E6E6">
-                    <a:lumMod val="50000"/>
-                  </a:srgbClr>
-                </a:solidFill>
-                <a:latin typeface="Adobe Hebrew" panose="02040503050201020203" pitchFamily="18" charset="-79"/>
-                <a:cs typeface="Adobe Hebrew" panose="02040503050201020203" pitchFamily="18" charset="-79"/>
-              </a:rPr>
-              <a:t>“The new becomes old, and the old becomes new…a life cycle”</a:t>
+            <a:pPr marL="285750" indent="-285750">
+              <a:buFont typeface="Arial" panose="020B0604020202020204" pitchFamily="34" charset="0"/>
+              <a:buChar char="•"/>
+            </a:pPr>
+            <a:r>
+              <a:rPr lang="es-MX" sz="2000" dirty="0"/>
+              <a:t>Método de ramificación y limitación (Branch &amp; </a:t>
+            </a:r>
+            <a:r>
+              <a:rPr lang="es-MX" sz="2000" dirty="0" err="1"/>
+              <a:t>Bound</a:t>
+            </a:r>
+            <a:r>
+              <a:rPr lang="es-MX" sz="2000" dirty="0"/>
+              <a:t>)</a:t>
+            </a:r>
+          </a:p>
+          <a:p>
+            <a:pPr lvl="1"/>
+            <a:r>
+              <a:rPr lang="es-MX" sz="2000" dirty="0"/>
+              <a:t>.</a:t>
             </a:r>
           </a:p>
         </p:txBody>
       </p:sp>
       <p:pic>
         <p:nvPicPr>
-          <p:cNvPr id="2" name="Imagen 1"/>
+          <p:cNvPr id="4" name="Picture 3">
+            <a:extLst>
+              <a:ext uri="{FF2B5EF4-FFF2-40B4-BE49-F238E27FC236}">
+                <a16:creationId xmlns:a16="http://schemas.microsoft.com/office/drawing/2014/main" id="{3FC166FD-EAC1-4268-9588-6AEB814D6B99}"/>
+              </a:ext>
+            </a:extLst>
+          </p:cNvPr>
           <p:cNvPicPr>
             <a:picLocks noChangeAspect="1"/>
           </p:cNvPicPr>
           <p:nvPr/>
         </p:nvPicPr>
         <p:blipFill>
-          <a:blip r:embed="rId2">
-            <a:extLst>
-              <a:ext uri="{28A0092B-C50C-407E-A947-70E740481C1C}">
-                <a14:useLocalDpi xmlns:a14="http://schemas.microsoft.com/office/drawing/2010/main" val="0"/>
-              </a:ext>
-            </a:extLst>
-          </a:blip>
+          <a:blip r:embed="rId2"/>
           <a:stretch>
             <a:fillRect/>
           </a:stretch>
         </p:blipFill>
         <p:spPr>
           <a:xfrm>
-            <a:off x="3275856" y="2564904"/>
-            <a:ext cx="4980435" cy="3512244"/>
+            <a:off x="827584" y="1544598"/>
+            <a:ext cx="7787318" cy="4110171"/>
           </a:xfrm>
           <a:prstGeom prst="rect">
             <a:avLst/>
@@ -9584,21 +10337,206 @@
     </p:spTree>
     <p:extLst>
       <p:ext uri="{BB962C8B-B14F-4D97-AF65-F5344CB8AC3E}">
-        <p14:creationId xmlns:p14="http://schemas.microsoft.com/office/powerpoint/2010/main" val="3103930866"/>
+        <p14:creationId xmlns:p14="http://schemas.microsoft.com/office/powerpoint/2010/main" val="418036217"/>
       </p:ext>
     </p:extLst>
   </p:cSld>
   <p:clrMapOvr>
     <a:masterClrMapping/>
   </p:clrMapOvr>
-  <mc:AlternateContent xmlns:mc="http://schemas.openxmlformats.org/markup-compatibility/2006" xmlns:p14="http://schemas.microsoft.com/office/powerpoint/2010/main">
-    <mc:Choice Requires="p14">
-      <p:transition p14:dur="10"/>
-    </mc:Choice>
-    <mc:Fallback xmlns="">
-      <p:transition/>
-    </mc:Fallback>
-  </mc:AlternateContent>
+  <p:transition spd="slow">
+    <p:fade/>
+  </p:transition>
+</p:sld>
+</file>
+
+<file path=ppt/slides/slide9.xml><?xml version="1.0" encoding="utf-8"?>
+<p:sld xmlns:a="http://schemas.openxmlformats.org/drawingml/2006/main" xmlns:r="http://schemas.openxmlformats.org/officeDocument/2006/relationships" xmlns:p="http://schemas.openxmlformats.org/presentationml/2006/main">
+  <p:cSld>
+    <p:spTree>
+      <p:nvGrpSpPr>
+        <p:cNvPr id="1" name=""/>
+        <p:cNvGrpSpPr/>
+        <p:nvPr/>
+      </p:nvGrpSpPr>
+      <p:grpSpPr>
+        <a:xfrm>
+          <a:off x="0" y="0"/>
+          <a:ext cx="0" cy="0"/>
+          <a:chOff x="0" y="0"/>
+          <a:chExt cx="0" cy="0"/>
+        </a:xfrm>
+      </p:grpSpPr>
+      <p:sp>
+        <p:nvSpPr>
+          <p:cNvPr id="2" name="Marcador de número de diapositiva 1"/>
+          <p:cNvSpPr>
+            <a:spLocks noGrp="1"/>
+          </p:cNvSpPr>
+          <p:nvPr>
+            <p:ph type="sldNum" sz="quarter" idx="12"/>
+          </p:nvPr>
+        </p:nvSpPr>
+        <p:spPr/>
+        <p:txBody>
+          <a:bodyPr/>
+          <a:lstStyle/>
+          <a:p>
+            <a:fld id="{64BD7E74-CBD2-4D88-9109-2EA8081AE675}" type="slidenum">
+              <a:rPr lang="es-ES" smtClean="0"/>
+              <a:pPr/>
+              <a:t>9</a:t>
+            </a:fld>
+            <a:endParaRPr lang="es-ES"/>
+          </a:p>
+        </p:txBody>
+      </p:sp>
+      <p:sp>
+        <p:nvSpPr>
+          <p:cNvPr id="3" name="4 Título"/>
+          <p:cNvSpPr txBox="1">
+            <a:spLocks/>
+          </p:cNvSpPr>
+          <p:nvPr/>
+        </p:nvSpPr>
+        <p:spPr>
+          <a:xfrm>
+            <a:off x="611560" y="188640"/>
+            <a:ext cx="8784976" cy="457120"/>
+          </a:xfrm>
+          <a:prstGeom prst="rect">
+            <a:avLst/>
+          </a:prstGeom>
+        </p:spPr>
+        <p:txBody>
+          <a:bodyPr bIns="91440" anchor="b" anchorCtr="0">
+            <a:noAutofit/>
+          </a:bodyPr>
+          <a:lstStyle>
+            <a:lvl1pPr>
+              <a:spcBef>
+                <a:spcPct val="0"/>
+              </a:spcBef>
+              <a:buNone/>
+              <a:defRPr kumimoji="0" sz="2400">
+                <a:ln w="0"/>
+                <a:solidFill>
+                  <a:schemeClr val="tx2"/>
+                </a:solidFill>
+                <a:effectLst>
+                  <a:outerShdw blurRad="38100" dist="19050" dir="2700000" algn="tl" rotWithShape="0">
+                    <a:schemeClr val="dk1">
+                      <a:alpha val="40000"/>
+                    </a:schemeClr>
+                  </a:outerShdw>
+                </a:effectLst>
+                <a:latin typeface="+mj-lt"/>
+                <a:ea typeface="+mj-ea"/>
+                <a:cs typeface="+mj-cs"/>
+              </a:defRPr>
+            </a:lvl1pPr>
+          </a:lstStyle>
+          <a:p>
+            <a:r>
+              <a:rPr lang="es-PE" altLang="en-US" dirty="0"/>
+              <a:t>Programación entera mixta</a:t>
+            </a:r>
+          </a:p>
+        </p:txBody>
+      </p:sp>
+      <p:sp>
+        <p:nvSpPr>
+          <p:cNvPr id="10" name="CuadroTexto 4">
+            <a:extLst>
+              <a:ext uri="{FF2B5EF4-FFF2-40B4-BE49-F238E27FC236}">
+                <a16:creationId xmlns:a16="http://schemas.microsoft.com/office/drawing/2014/main" id="{0EE2E59A-EFC5-4F7D-8B1B-CDE02E4D869C}"/>
+              </a:ext>
+            </a:extLst>
+          </p:cNvPr>
+          <p:cNvSpPr txBox="1"/>
+          <p:nvPr/>
+        </p:nvSpPr>
+        <p:spPr>
+          <a:xfrm>
+            <a:off x="602191" y="836712"/>
+            <a:ext cx="8362297" cy="2862322"/>
+          </a:xfrm>
+          <a:prstGeom prst="rect">
+            <a:avLst/>
+          </a:prstGeom>
+          <a:noFill/>
+        </p:spPr>
+        <p:txBody>
+          <a:bodyPr wrap="square" rtlCol="0">
+            <a:spAutoFit/>
+          </a:bodyPr>
+          <a:lstStyle/>
+          <a:p>
+            <a:pPr marL="285750" indent="-285750">
+              <a:buFont typeface="Arial" panose="020B0604020202020204" pitchFamily="34" charset="0"/>
+              <a:buChar char="•"/>
+            </a:pPr>
+            <a:r>
+              <a:rPr lang="es-MX" sz="2000" dirty="0"/>
+              <a:t>Ignore las restricciones de integralidad y resuelva el problema de programación lineal relajado (PLIR)</a:t>
+            </a:r>
+          </a:p>
+          <a:p>
+            <a:pPr marL="285750" indent="-285750">
+              <a:buFont typeface="Arial" panose="020B0604020202020204" pitchFamily="34" charset="0"/>
+              <a:buChar char="•"/>
+            </a:pPr>
+            <a:r>
+              <a:rPr lang="es-MX" sz="2000" dirty="0"/>
+              <a:t>Si la solución es óptima integral, entonces el problema entero también habrá sido resuelto. El algoritmo termina.</a:t>
+            </a:r>
+          </a:p>
+          <a:p>
+            <a:pPr marL="285750" indent="-285750">
+              <a:buFont typeface="Arial" panose="020B0604020202020204" pitchFamily="34" charset="0"/>
+              <a:buChar char="•"/>
+            </a:pPr>
+            <a:r>
+              <a:rPr lang="es-MX" sz="2000" dirty="0"/>
+              <a:t>Sino, el valor v encontrado se transforma en un limitante superior, LS, para el valor óptimo del problema entero.</a:t>
+            </a:r>
+          </a:p>
+          <a:p>
+            <a:pPr marL="285750" indent="-285750">
+              <a:buFont typeface="Arial" panose="020B0604020202020204" pitchFamily="34" charset="0"/>
+              <a:buChar char="•"/>
+            </a:pPr>
+            <a:endParaRPr lang="es-MX" sz="2000" dirty="0"/>
+          </a:p>
+          <a:p>
+            <a:pPr marL="742950" lvl="1" indent="-285750">
+              <a:buFont typeface="Arial" panose="020B0604020202020204" pitchFamily="34" charset="0"/>
+              <a:buChar char="•"/>
+            </a:pPr>
+            <a:endParaRPr lang="es-MX" sz="2000" dirty="0"/>
+          </a:p>
+          <a:p>
+            <a:pPr lvl="1"/>
+            <a:r>
+              <a:rPr lang="es-MX" sz="2000" dirty="0"/>
+              <a:t>.</a:t>
+            </a:r>
+          </a:p>
+        </p:txBody>
+      </p:sp>
+    </p:spTree>
+    <p:extLst>
+      <p:ext uri="{BB962C8B-B14F-4D97-AF65-F5344CB8AC3E}">
+        <p14:creationId xmlns:p14="http://schemas.microsoft.com/office/powerpoint/2010/main" val="65595501"/>
+      </p:ext>
+    </p:extLst>
+  </p:cSld>
+  <p:clrMapOvr>
+    <a:masterClrMapping/>
+  </p:clrMapOvr>
+  <p:transition spd="slow">
+    <p:fade/>
+  </p:transition>
 </p:sld>
 </file>
 

--- a/1. Lectures/Introducción a la Optimización aplicada a Sistemas de Energía Eléctrica/Dia 1/4. Programación Lineal (2).pptx
+++ b/1. Lectures/Introducción a la Optimización aplicada a Sistemas de Energía Eléctrica/Dia 1/4. Programación Lineal (2).pptx
@@ -5,10 +5,10 @@
     <p:sldMasterId id="2147483732" r:id="rId1"/>
   </p:sldMasterIdLst>
   <p:notesMasterIdLst>
-    <p:notesMasterId r:id="rId15"/>
+    <p:notesMasterId r:id="rId18"/>
   </p:notesMasterIdLst>
   <p:handoutMasterIdLst>
-    <p:handoutMasterId r:id="rId16"/>
+    <p:handoutMasterId r:id="rId19"/>
   </p:handoutMasterIdLst>
   <p:sldIdLst>
     <p:sldId id="256" r:id="rId2"/>
@@ -23,7 +23,10 @@
     <p:sldId id="431" r:id="rId11"/>
     <p:sldId id="432" r:id="rId12"/>
     <p:sldId id="433" r:id="rId13"/>
-    <p:sldId id="305" r:id="rId14"/>
+    <p:sldId id="434" r:id="rId14"/>
+    <p:sldId id="435" r:id="rId15"/>
+    <p:sldId id="436" r:id="rId16"/>
+    <p:sldId id="305" r:id="rId17"/>
   </p:sldIdLst>
   <p:sldSz cx="9144000" cy="6858000" type="screen4x3"/>
   <p:notesSz cx="6858000" cy="9144000"/>
@@ -139,6 +142,9 @@
             <p14:sldId id="431"/>
             <p14:sldId id="432"/>
             <p14:sldId id="433"/>
+            <p14:sldId id="434"/>
+            <p14:sldId id="435"/>
+            <p14:sldId id="436"/>
             <p14:sldId id="305"/>
           </p14:sldIdLst>
         </p14:section>
@@ -5404,7 +5410,7 @@
         <p:spPr>
           <a:xfrm>
             <a:off x="602191" y="836712"/>
-            <a:ext cx="8362297" cy="707886"/>
+            <a:ext cx="8362297" cy="1015663"/>
           </a:xfrm>
           <a:prstGeom prst="rect">
             <a:avLst/>
@@ -5435,6 +5441,16 @@
             </a:r>
           </a:p>
           <a:p>
+            <a:pPr marL="742950" lvl="1" indent="-285750">
+              <a:buFont typeface="Arial" panose="020B0604020202020204" pitchFamily="34" charset="0"/>
+              <a:buChar char="•"/>
+            </a:pPr>
+            <a:r>
+              <a:rPr lang="es-MX" sz="2000" dirty="0"/>
+              <a:t>Paso 1: resolver el problema de programación lineal relajado (P0)</a:t>
+            </a:r>
+          </a:p>
+          <a:p>
             <a:pPr lvl="1"/>
             <a:r>
               <a:rPr lang="es-MX" sz="2000" dirty="0"/>
@@ -5445,10 +5461,10 @@
       </p:sp>
       <p:pic>
         <p:nvPicPr>
-          <p:cNvPr id="4" name="Picture 3">
+          <p:cNvPr id="6" name="Picture 5">
             <a:extLst>
               <a:ext uri="{FF2B5EF4-FFF2-40B4-BE49-F238E27FC236}">
-                <a16:creationId xmlns:a16="http://schemas.microsoft.com/office/drawing/2014/main" id="{3FC166FD-EAC1-4268-9588-6AEB814D6B99}"/>
+                <a16:creationId xmlns:a16="http://schemas.microsoft.com/office/drawing/2014/main" id="{8A405DCB-2EF9-41DB-A8B5-5F57501F58D0}"/>
               </a:ext>
             </a:extLst>
           </p:cNvPr>
@@ -5465,8 +5481,8 @@
         </p:blipFill>
         <p:spPr>
           <a:xfrm>
-            <a:off x="827584" y="1544598"/>
-            <a:ext cx="7787318" cy="4110171"/>
+            <a:off x="913163" y="1900583"/>
+            <a:ext cx="7740352" cy="4134129"/>
           </a:xfrm>
           <a:prstGeom prst="rect">
             <a:avLst/>
@@ -5583,90 +5599,515 @@
           </a:p>
         </p:txBody>
       </p:sp>
-      <p:sp>
-        <p:nvSpPr>
-          <p:cNvPr id="10" name="CuadroTexto 4">
-            <a:extLst>
-              <a:ext uri="{FF2B5EF4-FFF2-40B4-BE49-F238E27FC236}">
-                <a16:creationId xmlns:a16="http://schemas.microsoft.com/office/drawing/2014/main" id="{0EE2E59A-EFC5-4F7D-8B1B-CDE02E4D869C}"/>
-              </a:ext>
-            </a:extLst>
-          </p:cNvPr>
-          <p:cNvSpPr txBox="1"/>
-          <p:nvPr/>
-        </p:nvSpPr>
-        <p:spPr>
-          <a:xfrm>
-            <a:off x="602191" y="836712"/>
-            <a:ext cx="8362297" cy="707886"/>
-          </a:xfrm>
-          <a:prstGeom prst="rect">
-            <a:avLst/>
-          </a:prstGeom>
-          <a:noFill/>
-        </p:spPr>
-        <p:txBody>
-          <a:bodyPr wrap="square" rtlCol="0">
-            <a:spAutoFit/>
-          </a:bodyPr>
-          <a:lstStyle/>
-          <a:p>
-            <a:pPr marL="285750" indent="-285750">
-              <a:buFont typeface="Arial" panose="020B0604020202020204" pitchFamily="34" charset="0"/>
-              <a:buChar char="•"/>
-            </a:pPr>
-            <a:r>
-              <a:rPr lang="es-MX" sz="2000" dirty="0"/>
-              <a:t>Método de ramificación y limitación (Branch &amp; </a:t>
-            </a:r>
-            <a:r>
-              <a:rPr lang="es-MX" sz="2000" dirty="0" err="1"/>
-              <a:t>Bound</a:t>
-            </a:r>
-            <a:r>
-              <a:rPr lang="es-MX" sz="2000" dirty="0"/>
-              <a:t>)</a:t>
-            </a:r>
-          </a:p>
-          <a:p>
-            <a:pPr lvl="1"/>
-            <a:r>
-              <a:rPr lang="es-MX" sz="2000" dirty="0"/>
-              <a:t>.</a:t>
-            </a:r>
-          </a:p>
-        </p:txBody>
-      </p:sp>
-      <p:pic>
-        <p:nvPicPr>
-          <p:cNvPr id="4" name="Picture 3">
-            <a:extLst>
-              <a:ext uri="{FF2B5EF4-FFF2-40B4-BE49-F238E27FC236}">
-                <a16:creationId xmlns:a16="http://schemas.microsoft.com/office/drawing/2014/main" id="{3FC166FD-EAC1-4268-9588-6AEB814D6B99}"/>
-              </a:ext>
-            </a:extLst>
-          </p:cNvPr>
-          <p:cNvPicPr>
-            <a:picLocks noChangeAspect="1"/>
-          </p:cNvPicPr>
-          <p:nvPr/>
-        </p:nvPicPr>
-        <p:blipFill>
-          <a:blip r:embed="rId2"/>
-          <a:stretch>
-            <a:fillRect/>
-          </a:stretch>
-        </p:blipFill>
-        <p:spPr>
-          <a:xfrm>
-            <a:off x="827584" y="1544598"/>
-            <a:ext cx="7787318" cy="4110171"/>
-          </a:xfrm>
-          <a:prstGeom prst="rect">
-            <a:avLst/>
-          </a:prstGeom>
-        </p:spPr>
-      </p:pic>
+      <mc:AlternateContent xmlns:mc="http://schemas.openxmlformats.org/markup-compatibility/2006">
+        <mc:Choice xmlns:a14="http://schemas.microsoft.com/office/drawing/2010/main" Requires="a14">
+          <p:sp>
+            <p:nvSpPr>
+              <p:cNvPr id="10" name="CuadroTexto 4">
+                <a:extLst>
+                  <a:ext uri="{FF2B5EF4-FFF2-40B4-BE49-F238E27FC236}">
+                    <a16:creationId xmlns:a16="http://schemas.microsoft.com/office/drawing/2014/main" id="{0EE2E59A-EFC5-4F7D-8B1B-CDE02E4D869C}"/>
+                  </a:ext>
+                </a:extLst>
+              </p:cNvPr>
+              <p:cNvSpPr txBox="1"/>
+              <p:nvPr/>
+            </p:nvSpPr>
+            <p:spPr>
+              <a:xfrm>
+                <a:off x="602191" y="836712"/>
+                <a:ext cx="8362297" cy="2971391"/>
+              </a:xfrm>
+              <a:prstGeom prst="rect">
+                <a:avLst/>
+              </a:prstGeom>
+              <a:noFill/>
+            </p:spPr>
+            <p:txBody>
+              <a:bodyPr wrap="square" rtlCol="0">
+                <a:spAutoFit/>
+              </a:bodyPr>
+              <a:lstStyle/>
+              <a:p>
+                <a:pPr marL="285750" indent="-285750">
+                  <a:buFont typeface="Arial" panose="020B0604020202020204" pitchFamily="34" charset="0"/>
+                  <a:buChar char="•"/>
+                </a:pPr>
+                <a:r>
+                  <a:rPr lang="es-MX" sz="2000" dirty="0"/>
+                  <a:t>Si </a:t>
+                </a:r>
+                <a14:m>
+                  <m:oMath xmlns:m="http://schemas.openxmlformats.org/officeDocument/2006/math">
+                    <m:sSubSup>
+                      <m:sSubSupPr>
+                        <m:ctrlPr>
+                          <a:rPr lang="es-MX" sz="2000" i="1" smtClean="0">
+                            <a:latin typeface="Cambria Math" panose="02040503050406030204" pitchFamily="18" charset="0"/>
+                          </a:rPr>
+                        </m:ctrlPr>
+                      </m:sSubSupPr>
+                      <m:e>
+                        <m:r>
+                          <a:rPr lang="es-PE" sz="2000" b="0" i="1" smtClean="0">
+                            <a:latin typeface="Cambria Math" panose="02040503050406030204" pitchFamily="18" charset="0"/>
+                          </a:rPr>
+                          <m:t>𝑥</m:t>
+                        </m:r>
+                      </m:e>
+                      <m:sub>
+                        <m:r>
+                          <a:rPr lang="es-PE" sz="2000" b="0" i="1" smtClean="0">
+                            <a:latin typeface="Cambria Math" panose="02040503050406030204" pitchFamily="18" charset="0"/>
+                          </a:rPr>
+                          <m:t>𝑗</m:t>
+                        </m:r>
+                      </m:sub>
+                      <m:sup>
+                        <m:r>
+                          <a:rPr lang="es-PE" sz="2000" b="0" i="1" smtClean="0">
+                            <a:latin typeface="Cambria Math" panose="02040503050406030204" pitchFamily="18" charset="0"/>
+                          </a:rPr>
+                          <m:t>∗</m:t>
+                        </m:r>
+                      </m:sup>
+                    </m:sSubSup>
+                  </m:oMath>
+                </a14:m>
+                <a:r>
+                  <a:rPr lang="es-MX" sz="2000" dirty="0"/>
+                  <a:t>, por ejemplo, no es entera, entonces </a:t>
+                </a:r>
+                <a14:m>
+                  <m:oMath xmlns:m="http://schemas.openxmlformats.org/officeDocument/2006/math">
+                    <m:sSubSup>
+                      <m:sSubSupPr>
+                        <m:ctrlPr>
+                          <a:rPr lang="es-MX" sz="2000" i="1">
+                            <a:latin typeface="Cambria Math" panose="02040503050406030204" pitchFamily="18" charset="0"/>
+                          </a:rPr>
+                        </m:ctrlPr>
+                      </m:sSubSupPr>
+                      <m:e>
+                        <m:sSub>
+                          <m:sSubPr>
+                            <m:ctrlPr>
+                              <a:rPr lang="es-MX" sz="2000" i="1" smtClean="0">
+                                <a:latin typeface="Cambria Math" panose="02040503050406030204" pitchFamily="18" charset="0"/>
+                              </a:rPr>
+                            </m:ctrlPr>
+                          </m:sSubPr>
+                          <m:e>
+                            <m:r>
+                              <a:rPr lang="es-PE" sz="2000" b="0" i="1" smtClean="0">
+                                <a:latin typeface="Cambria Math" panose="02040503050406030204" pitchFamily="18" charset="0"/>
+                              </a:rPr>
+                              <m:t>𝑖</m:t>
+                            </m:r>
+                          </m:e>
+                          <m:sub>
+                            <m:r>
+                              <a:rPr lang="es-PE" sz="2000" b="0" i="1" smtClean="0">
+                                <a:latin typeface="Cambria Math" panose="02040503050406030204" pitchFamily="18" charset="0"/>
+                              </a:rPr>
+                              <m:t>1</m:t>
+                            </m:r>
+                          </m:sub>
+                        </m:sSub>
+                        <m:r>
+                          <a:rPr lang="es-PE" sz="2000" b="0" i="1" smtClean="0">
+                            <a:latin typeface="Cambria Math" panose="02040503050406030204" pitchFamily="18" charset="0"/>
+                          </a:rPr>
+                          <m:t>≤</m:t>
+                        </m:r>
+                        <m:r>
+                          <a:rPr lang="es-PE" sz="2000" i="1">
+                            <a:latin typeface="Cambria Math" panose="02040503050406030204" pitchFamily="18" charset="0"/>
+                          </a:rPr>
+                          <m:t>𝑥</m:t>
+                        </m:r>
+                      </m:e>
+                      <m:sub>
+                        <m:r>
+                          <a:rPr lang="es-PE" sz="2000" i="1">
+                            <a:latin typeface="Cambria Math" panose="02040503050406030204" pitchFamily="18" charset="0"/>
+                          </a:rPr>
+                          <m:t>𝑗</m:t>
+                        </m:r>
+                      </m:sub>
+                      <m:sup>
+                        <m:r>
+                          <a:rPr lang="es-PE" sz="2000" i="1">
+                            <a:latin typeface="Cambria Math" panose="02040503050406030204" pitchFamily="18" charset="0"/>
+                          </a:rPr>
+                          <m:t>∗</m:t>
+                        </m:r>
+                      </m:sup>
+                    </m:sSubSup>
+                    <m:r>
+                      <a:rPr lang="es-PE" sz="2000" b="0" i="1" smtClean="0">
+                        <a:latin typeface="Cambria Math" panose="02040503050406030204" pitchFamily="18" charset="0"/>
+                      </a:rPr>
+                      <m:t>≤</m:t>
+                    </m:r>
+                    <m:sSub>
+                      <m:sSubPr>
+                        <m:ctrlPr>
+                          <a:rPr lang="es-MX" sz="2000" i="1">
+                            <a:latin typeface="Cambria Math" panose="02040503050406030204" pitchFamily="18" charset="0"/>
+                          </a:rPr>
+                        </m:ctrlPr>
+                      </m:sSubPr>
+                      <m:e>
+                        <m:r>
+                          <a:rPr lang="es-PE" sz="2000" i="1">
+                            <a:latin typeface="Cambria Math" panose="02040503050406030204" pitchFamily="18" charset="0"/>
+                          </a:rPr>
+                          <m:t>𝑖</m:t>
+                        </m:r>
+                      </m:e>
+                      <m:sub>
+                        <m:r>
+                          <a:rPr lang="es-PE" sz="2000" b="0" i="1" smtClean="0">
+                            <a:latin typeface="Cambria Math" panose="02040503050406030204" pitchFamily="18" charset="0"/>
+                          </a:rPr>
+                          <m:t>2</m:t>
+                        </m:r>
+                      </m:sub>
+                    </m:sSub>
+                  </m:oMath>
+                </a14:m>
+                <a:r>
+                  <a:rPr lang="es-MX" sz="2000" dirty="0"/>
+                  <a:t>, </a:t>
+                </a:r>
+                <a14:m>
+                  <m:oMath xmlns:m="http://schemas.openxmlformats.org/officeDocument/2006/math">
+                    <m:sSub>
+                      <m:sSubPr>
+                        <m:ctrlPr>
+                          <a:rPr lang="es-MX" sz="2000" i="1">
+                            <a:latin typeface="Cambria Math" panose="02040503050406030204" pitchFamily="18" charset="0"/>
+                          </a:rPr>
+                        </m:ctrlPr>
+                      </m:sSubPr>
+                      <m:e>
+                        <m:r>
+                          <a:rPr lang="es-PE" sz="2000" i="1">
+                            <a:latin typeface="Cambria Math" panose="02040503050406030204" pitchFamily="18" charset="0"/>
+                          </a:rPr>
+                          <m:t>𝑖</m:t>
+                        </m:r>
+                      </m:e>
+                      <m:sub>
+                        <m:r>
+                          <a:rPr lang="es-PE" sz="2000" i="1">
+                            <a:latin typeface="Cambria Math" panose="02040503050406030204" pitchFamily="18" charset="0"/>
+                          </a:rPr>
+                          <m:t>1</m:t>
+                        </m:r>
+                      </m:sub>
+                    </m:sSub>
+                  </m:oMath>
+                </a14:m>
+                <a:r>
+                  <a:rPr lang="es-MX" sz="2000" dirty="0"/>
+                  <a:t> y </a:t>
+                </a:r>
+                <a14:m>
+                  <m:oMath xmlns:m="http://schemas.openxmlformats.org/officeDocument/2006/math">
+                    <m:sSub>
+                      <m:sSubPr>
+                        <m:ctrlPr>
+                          <a:rPr lang="es-MX" sz="2000" i="1" smtClean="0">
+                            <a:latin typeface="Cambria Math" panose="02040503050406030204" pitchFamily="18" charset="0"/>
+                          </a:rPr>
+                        </m:ctrlPr>
+                      </m:sSubPr>
+                      <m:e>
+                        <m:r>
+                          <a:rPr lang="es-PE" sz="2000" i="1">
+                            <a:latin typeface="Cambria Math" panose="02040503050406030204" pitchFamily="18" charset="0"/>
+                          </a:rPr>
+                          <m:t>𝑖</m:t>
+                        </m:r>
+                      </m:e>
+                      <m:sub>
+                        <m:r>
+                          <a:rPr lang="es-PE" sz="2000" b="0" i="1" smtClean="0">
+                            <a:latin typeface="Cambria Math" panose="02040503050406030204" pitchFamily="18" charset="0"/>
+                          </a:rPr>
+                          <m:t>2</m:t>
+                        </m:r>
+                      </m:sub>
+                    </m:sSub>
+                  </m:oMath>
+                </a14:m>
+                <a:r>
+                  <a:rPr lang="es-MX" sz="2000" dirty="0"/>
+                  <a:t>  enteros no negativos consecutivos;</a:t>
+                </a:r>
+              </a:p>
+              <a:p>
+                <a:pPr marL="285750" indent="-285750">
+                  <a:buFont typeface="Arial" panose="020B0604020202020204" pitchFamily="34" charset="0"/>
+                  <a:buChar char="•"/>
+                </a:pPr>
+                <a:r>
+                  <a:rPr lang="es-MX" sz="2000" dirty="0" err="1"/>
+                  <a:t>Creanse</a:t>
+                </a:r>
+                <a:r>
+                  <a:rPr lang="es-MX" sz="2000" dirty="0"/>
+                  <a:t> dos nuevos problemas incluyendo el problema entero las restricciones </a:t>
+                </a:r>
+                <a14:m>
+                  <m:oMath xmlns:m="http://schemas.openxmlformats.org/officeDocument/2006/math">
+                    <m:sSub>
+                      <m:sSubPr>
+                        <m:ctrlPr>
+                          <a:rPr lang="es-MX" sz="2000" i="1" smtClean="0">
+                            <a:latin typeface="Cambria Math" panose="02040503050406030204" pitchFamily="18" charset="0"/>
+                          </a:rPr>
+                        </m:ctrlPr>
+                      </m:sSubPr>
+                      <m:e>
+                        <m:r>
+                          <a:rPr lang="es-PE" sz="2000" b="0" i="1" smtClean="0">
+                            <a:latin typeface="Cambria Math" panose="02040503050406030204" pitchFamily="18" charset="0"/>
+                          </a:rPr>
+                          <m:t>𝑥</m:t>
+                        </m:r>
+                      </m:e>
+                      <m:sub>
+                        <m:r>
+                          <a:rPr lang="es-PE" sz="2000" b="0" i="1" smtClean="0">
+                            <a:latin typeface="Cambria Math" panose="02040503050406030204" pitchFamily="18" charset="0"/>
+                          </a:rPr>
+                          <m:t>𝑗</m:t>
+                        </m:r>
+                      </m:sub>
+                    </m:sSub>
+                    <m:r>
+                      <a:rPr lang="es-PE" sz="2000" b="0" i="1" smtClean="0">
+                        <a:latin typeface="Cambria Math" panose="02040503050406030204" pitchFamily="18" charset="0"/>
+                      </a:rPr>
+                      <m:t>≤</m:t>
+                    </m:r>
+                    <m:sSub>
+                      <m:sSubPr>
+                        <m:ctrlPr>
+                          <a:rPr lang="es-PE" sz="2000" b="0" i="1" smtClean="0">
+                            <a:latin typeface="Cambria Math" panose="02040503050406030204" pitchFamily="18" charset="0"/>
+                          </a:rPr>
+                        </m:ctrlPr>
+                      </m:sSubPr>
+                      <m:e>
+                        <m:r>
+                          <a:rPr lang="es-PE" sz="2000" b="0" i="1" smtClean="0">
+                            <a:latin typeface="Cambria Math" panose="02040503050406030204" pitchFamily="18" charset="0"/>
+                          </a:rPr>
+                          <m:t>𝑖</m:t>
+                        </m:r>
+                      </m:e>
+                      <m:sub>
+                        <m:r>
+                          <a:rPr lang="es-PE" sz="2000" b="0" i="1" smtClean="0">
+                            <a:latin typeface="Cambria Math" panose="02040503050406030204" pitchFamily="18" charset="0"/>
+                          </a:rPr>
+                          <m:t>1</m:t>
+                        </m:r>
+                      </m:sub>
+                    </m:sSub>
+                    <m:r>
+                      <a:rPr lang="es-PE" sz="2000" b="0" i="1" smtClean="0">
+                        <a:latin typeface="Cambria Math" panose="02040503050406030204" pitchFamily="18" charset="0"/>
+                      </a:rPr>
+                      <m:t> </m:t>
+                    </m:r>
+                    <m:r>
+                      <a:rPr lang="es-PE" sz="2000" b="0" i="1" smtClean="0">
+                        <a:latin typeface="Cambria Math" panose="02040503050406030204" pitchFamily="18" charset="0"/>
+                      </a:rPr>
+                      <m:t>𝑦</m:t>
+                    </m:r>
+                    <m:sSub>
+                      <m:sSubPr>
+                        <m:ctrlPr>
+                          <a:rPr lang="es-PE" sz="2000" i="1">
+                            <a:latin typeface="Cambria Math" panose="02040503050406030204" pitchFamily="18" charset="0"/>
+                          </a:rPr>
+                        </m:ctrlPr>
+                      </m:sSubPr>
+                      <m:e>
+                        <m:r>
+                          <a:rPr lang="es-PE" sz="2000" b="0" i="1" smtClean="0">
+                            <a:latin typeface="Cambria Math" panose="02040503050406030204" pitchFamily="18" charset="0"/>
+                          </a:rPr>
+                          <m:t> </m:t>
+                        </m:r>
+                        <m:r>
+                          <a:rPr lang="es-PE" sz="2000" i="1">
+                            <a:latin typeface="Cambria Math" panose="02040503050406030204" pitchFamily="18" charset="0"/>
+                          </a:rPr>
+                          <m:t>𝑖</m:t>
+                        </m:r>
+                      </m:e>
+                      <m:sub>
+                        <m:r>
+                          <a:rPr lang="es-PE" sz="2000" b="0" i="1" smtClean="0">
+                            <a:latin typeface="Cambria Math" panose="02040503050406030204" pitchFamily="18" charset="0"/>
+                          </a:rPr>
+                          <m:t>2</m:t>
+                        </m:r>
+                      </m:sub>
+                    </m:sSub>
+                    <m:r>
+                      <a:rPr lang="es-PE" sz="2000" b="0" i="1" smtClean="0">
+                        <a:latin typeface="Cambria Math" panose="02040503050406030204" pitchFamily="18" charset="0"/>
+                      </a:rPr>
+                      <m:t>≤</m:t>
+                    </m:r>
+                    <m:sSub>
+                      <m:sSubPr>
+                        <m:ctrlPr>
+                          <a:rPr lang="es-MX" sz="2000" i="1">
+                            <a:latin typeface="Cambria Math" panose="02040503050406030204" pitchFamily="18" charset="0"/>
+                          </a:rPr>
+                        </m:ctrlPr>
+                      </m:sSubPr>
+                      <m:e>
+                        <m:r>
+                          <a:rPr lang="es-PE" sz="2000" i="1">
+                            <a:latin typeface="Cambria Math" panose="02040503050406030204" pitchFamily="18" charset="0"/>
+                          </a:rPr>
+                          <m:t>𝑥</m:t>
+                        </m:r>
+                      </m:e>
+                      <m:sub>
+                        <m:r>
+                          <a:rPr lang="es-PE" sz="2000" i="1">
+                            <a:latin typeface="Cambria Math" panose="02040503050406030204" pitchFamily="18" charset="0"/>
+                          </a:rPr>
+                          <m:t>𝑗</m:t>
+                        </m:r>
+                      </m:sub>
+                    </m:sSub>
+                  </m:oMath>
+                </a14:m>
+                <a:r>
+                  <a:rPr lang="es-MX" sz="2000" dirty="0"/>
+                  <a:t> ;</a:t>
+                </a:r>
+              </a:p>
+              <a:p>
+                <a:pPr marL="285750" indent="-285750">
+                  <a:buFont typeface="Arial" panose="020B0604020202020204" pitchFamily="34" charset="0"/>
+                  <a:buChar char="•"/>
+                </a:pPr>
+                <a:r>
+                  <a:rPr lang="es-MX" sz="2000" dirty="0"/>
+                  <a:t>Se elimina la solución con </a:t>
+                </a:r>
+                <a14:m>
+                  <m:oMath xmlns:m="http://schemas.openxmlformats.org/officeDocument/2006/math">
+                    <m:sSub>
+                      <m:sSubPr>
+                        <m:ctrlPr>
+                          <a:rPr lang="es-MX" sz="2000" i="1">
+                            <a:latin typeface="Cambria Math" panose="02040503050406030204" pitchFamily="18" charset="0"/>
+                          </a:rPr>
+                        </m:ctrlPr>
+                      </m:sSubPr>
+                      <m:e>
+                        <m:r>
+                          <a:rPr lang="es-PE" sz="2000" i="1">
+                            <a:latin typeface="Cambria Math" panose="02040503050406030204" pitchFamily="18" charset="0"/>
+                          </a:rPr>
+                          <m:t>𝑥</m:t>
+                        </m:r>
+                      </m:e>
+                      <m:sub>
+                        <m:r>
+                          <a:rPr lang="es-PE" sz="2000" i="1">
+                            <a:latin typeface="Cambria Math" panose="02040503050406030204" pitchFamily="18" charset="0"/>
+                          </a:rPr>
+                          <m:t>𝑗</m:t>
+                        </m:r>
+                      </m:sub>
+                    </m:sSub>
+                  </m:oMath>
+                </a14:m>
+                <a:r>
+                  <a:rPr lang="es-MX" sz="2000" dirty="0"/>
+                  <a:t>  no entera y se preserva las soluciones viables enteras del problema original;</a:t>
+                </a:r>
+              </a:p>
+              <a:p>
+                <a:pPr marL="285750" indent="-285750">
+                  <a:buFont typeface="Arial" panose="020B0604020202020204" pitchFamily="34" charset="0"/>
+                  <a:buChar char="•"/>
+                </a:pPr>
+                <a:r>
+                  <a:rPr lang="es-MX" sz="2000" dirty="0"/>
+                  <a:t>Si mas de una variable es no entera, se ramifica la que presenta parte fraccionaria mas próxima de 0,5.</a:t>
+                </a:r>
+              </a:p>
+              <a:p>
+                <a:pPr lvl="1"/>
+                <a:r>
+                  <a:rPr lang="es-MX" sz="2000" dirty="0"/>
+                  <a:t>.</a:t>
+                </a:r>
+              </a:p>
+            </p:txBody>
+          </p:sp>
+        </mc:Choice>
+        <mc:Fallback>
+          <p:sp>
+            <p:nvSpPr>
+              <p:cNvPr id="10" name="CuadroTexto 4">
+                <a:extLst>
+                  <a:ext uri="{FF2B5EF4-FFF2-40B4-BE49-F238E27FC236}">
+                    <a16:creationId xmlns:a16="http://schemas.microsoft.com/office/drawing/2014/main" id="{0EE2E59A-EFC5-4F7D-8B1B-CDE02E4D869C}"/>
+                  </a:ext>
+                </a:extLst>
+              </p:cNvPr>
+              <p:cNvSpPr txBox="1">
+                <a:spLocks noRot="1" noChangeAspect="1" noMove="1" noResize="1" noEditPoints="1" noAdjustHandles="1" noChangeArrowheads="1" noChangeShapeType="1" noTextEdit="1"/>
+              </p:cNvSpPr>
+              <p:nvPr/>
+            </p:nvSpPr>
+            <p:spPr>
+              <a:xfrm>
+                <a:off x="602191" y="836712"/>
+                <a:ext cx="8362297" cy="2971391"/>
+              </a:xfrm>
+              <a:prstGeom prst="rect">
+                <a:avLst/>
+              </a:prstGeom>
+              <a:blipFill>
+                <a:blip r:embed="rId2"/>
+                <a:stretch>
+                  <a:fillRect l="-656" t="-410" r="-875" b="-2664"/>
+                </a:stretch>
+              </a:blipFill>
+            </p:spPr>
+            <p:txBody>
+              <a:bodyPr/>
+              <a:lstStyle/>
+              <a:p>
+                <a:r>
+                  <a:rPr lang="es-PE">
+                    <a:noFill/>
+                  </a:rPr>
+                  <a:t> </a:t>
+                </a:r>
+              </a:p>
+            </p:txBody>
+          </p:sp>
+        </mc:Fallback>
+      </mc:AlternateContent>
     </p:spTree>
     <p:extLst>
       <p:ext uri="{BB962C8B-B14F-4D97-AF65-F5344CB8AC3E}">
@@ -5777,66 +6218,308 @@
           </a:p>
         </p:txBody>
       </p:sp>
-      <p:sp>
-        <p:nvSpPr>
-          <p:cNvPr id="10" name="CuadroTexto 4">
+      <mc:AlternateContent xmlns:mc="http://schemas.openxmlformats.org/markup-compatibility/2006">
+        <mc:Choice xmlns:a14="http://schemas.microsoft.com/office/drawing/2010/main" Requires="a14">
+          <p:sp>
+            <p:nvSpPr>
+              <p:cNvPr id="10" name="CuadroTexto 4">
+                <a:extLst>
+                  <a:ext uri="{FF2B5EF4-FFF2-40B4-BE49-F238E27FC236}">
+                    <a16:creationId xmlns:a16="http://schemas.microsoft.com/office/drawing/2014/main" id="{0EE2E59A-EFC5-4F7D-8B1B-CDE02E4D869C}"/>
+                  </a:ext>
+                </a:extLst>
+              </p:cNvPr>
+              <p:cNvSpPr txBox="1"/>
+              <p:nvPr/>
+            </p:nvSpPr>
+            <p:spPr>
+              <a:xfrm>
+                <a:off x="602191" y="836712"/>
+                <a:ext cx="8362297" cy="1015663"/>
+              </a:xfrm>
+              <a:prstGeom prst="rect">
+                <a:avLst/>
+              </a:prstGeom>
+              <a:noFill/>
+            </p:spPr>
+            <p:txBody>
+              <a:bodyPr wrap="square" rtlCol="0">
+                <a:spAutoFit/>
+              </a:bodyPr>
+              <a:lstStyle/>
+              <a:p>
+                <a:pPr marL="285750" indent="-285750">
+                  <a:buFont typeface="Arial" panose="020B0604020202020204" pitchFamily="34" charset="0"/>
+                  <a:buChar char="•"/>
+                </a:pPr>
+                <a:r>
+                  <a:rPr lang="es-MX" sz="2000" dirty="0"/>
+                  <a:t>Método de ramificación y limitación (Branch &amp; </a:t>
+                </a:r>
+                <a:r>
+                  <a:rPr lang="es-MX" sz="2000" dirty="0" err="1"/>
+                  <a:t>Bound</a:t>
+                </a:r>
+                <a:r>
+                  <a:rPr lang="es-MX" sz="2000" dirty="0"/>
+                  <a:t>)</a:t>
+                </a:r>
+              </a:p>
+              <a:p>
+                <a:pPr marL="285750" indent="-285750">
+                  <a:buFont typeface="Arial" panose="020B0604020202020204" pitchFamily="34" charset="0"/>
+                  <a:buChar char="•"/>
+                </a:pPr>
+                <a:r>
+                  <a:rPr lang="es-MX" sz="2000" dirty="0"/>
+                  <a:t>Paso 2: Escoger la variable </a:t>
+                </a:r>
+                <a14:m>
+                  <m:oMath xmlns:m="http://schemas.openxmlformats.org/officeDocument/2006/math">
+                    <m:sSub>
+                      <m:sSubPr>
+                        <m:ctrlPr>
+                          <a:rPr lang="es-PE" sz="2000" i="1">
+                            <a:latin typeface="Cambria Math" panose="02040503050406030204" pitchFamily="18" charset="0"/>
+                          </a:rPr>
+                        </m:ctrlPr>
+                      </m:sSubPr>
+                      <m:e>
+                        <m:r>
+                          <a:rPr lang="es-PE" sz="2000" b="0" i="1" smtClean="0">
+                            <a:latin typeface="Cambria Math" panose="02040503050406030204" pitchFamily="18" charset="0"/>
+                          </a:rPr>
+                          <m:t>𝑥</m:t>
+                        </m:r>
+                      </m:e>
+                      <m:sub>
+                        <m:r>
+                          <a:rPr lang="es-PE" sz="2000" i="1">
+                            <a:latin typeface="Cambria Math" panose="02040503050406030204" pitchFamily="18" charset="0"/>
+                          </a:rPr>
+                          <m:t>1</m:t>
+                        </m:r>
+                      </m:sub>
+                    </m:sSub>
+                  </m:oMath>
+                </a14:m>
+                <a:r>
+                  <a:rPr lang="es-MX" sz="2000" dirty="0"/>
+                  <a:t>  para dividir y resolver los problemas de PL: </a:t>
+                </a:r>
+                <a14:m>
+                  <m:oMath xmlns:m="http://schemas.openxmlformats.org/officeDocument/2006/math">
+                    <m:r>
+                      <a:rPr lang="es-PE" sz="2000" b="0" i="1" smtClean="0">
+                        <a:latin typeface="Cambria Math" panose="02040503050406030204" pitchFamily="18" charset="0"/>
+                      </a:rPr>
+                      <m:t>𝑃</m:t>
+                    </m:r>
+                    <m:r>
+                      <a:rPr lang="es-PE" sz="2000" b="0" i="1" smtClean="0">
+                        <a:latin typeface="Cambria Math" panose="02040503050406030204" pitchFamily="18" charset="0"/>
+                      </a:rPr>
+                      <m:t>1 </m:t>
+                    </m:r>
+                    <m:d>
+                      <m:dPr>
+                        <m:ctrlPr>
+                          <a:rPr lang="es-PE" sz="2000" b="0" i="1" smtClean="0">
+                            <a:latin typeface="Cambria Math" panose="02040503050406030204" pitchFamily="18" charset="0"/>
+                          </a:rPr>
+                        </m:ctrlPr>
+                      </m:dPr>
+                      <m:e>
+                        <m:r>
+                          <a:rPr lang="es-PE" sz="2000" b="0" i="1" smtClean="0">
+                            <a:latin typeface="Cambria Math" panose="02040503050406030204" pitchFamily="18" charset="0"/>
+                          </a:rPr>
+                          <m:t>𝑃</m:t>
+                        </m:r>
+                        <m:r>
+                          <a:rPr lang="es-PE" sz="2000" b="0" i="1" smtClean="0">
+                            <a:latin typeface="Cambria Math" panose="02040503050406030204" pitchFamily="18" charset="0"/>
+                          </a:rPr>
+                          <m:t>0+ </m:t>
+                        </m:r>
+                        <m:sSub>
+                          <m:sSubPr>
+                            <m:ctrlPr>
+                              <a:rPr lang="es-PE" sz="2000" b="0" i="1" smtClean="0">
+                                <a:latin typeface="Cambria Math" panose="02040503050406030204" pitchFamily="18" charset="0"/>
+                              </a:rPr>
+                            </m:ctrlPr>
+                          </m:sSubPr>
+                          <m:e>
+                            <m:r>
+                              <a:rPr lang="es-PE" sz="2000" b="0" i="1" smtClean="0">
+                                <a:latin typeface="Cambria Math" panose="02040503050406030204" pitchFamily="18" charset="0"/>
+                              </a:rPr>
+                              <m:t>𝑥</m:t>
+                            </m:r>
+                          </m:e>
+                          <m:sub>
+                            <m:r>
+                              <a:rPr lang="es-PE" sz="2000" b="0" i="1" smtClean="0">
+                                <a:latin typeface="Cambria Math" panose="02040503050406030204" pitchFamily="18" charset="0"/>
+                              </a:rPr>
+                              <m:t>1</m:t>
+                            </m:r>
+                          </m:sub>
+                        </m:sSub>
+                        <m:r>
+                          <a:rPr lang="es-PE" sz="2000" b="0" i="1" smtClean="0">
+                            <a:latin typeface="Cambria Math" panose="02040503050406030204" pitchFamily="18" charset="0"/>
+                          </a:rPr>
+                          <m:t>≤2</m:t>
+                        </m:r>
+                      </m:e>
+                    </m:d>
+                    <m:r>
+                      <a:rPr lang="es-PE" sz="2000" b="0" i="1" smtClean="0">
+                        <a:latin typeface="Cambria Math" panose="02040503050406030204" pitchFamily="18" charset="0"/>
+                      </a:rPr>
+                      <m:t> </m:t>
+                    </m:r>
+                    <m:r>
+                      <a:rPr lang="es-PE" sz="2000" b="0" i="1" smtClean="0">
+                        <a:latin typeface="Cambria Math" panose="02040503050406030204" pitchFamily="18" charset="0"/>
+                      </a:rPr>
+                      <m:t>𝑦</m:t>
+                    </m:r>
+                    <m:r>
+                      <a:rPr lang="es-PE" sz="2000" b="0" i="1" smtClean="0">
+                        <a:latin typeface="Cambria Math" panose="02040503050406030204" pitchFamily="18" charset="0"/>
+                      </a:rPr>
+                      <m:t> </m:t>
+                    </m:r>
+                    <m:r>
+                      <a:rPr lang="es-PE" sz="2000" b="0" i="1" smtClean="0">
+                        <a:latin typeface="Cambria Math" panose="02040503050406030204" pitchFamily="18" charset="0"/>
+                      </a:rPr>
+                      <m:t>𝑃</m:t>
+                    </m:r>
+                    <m:r>
+                      <a:rPr lang="es-PE" sz="2000" b="0" i="1" smtClean="0">
+                        <a:latin typeface="Cambria Math" panose="02040503050406030204" pitchFamily="18" charset="0"/>
+                      </a:rPr>
+                      <m:t>2</m:t>
+                    </m:r>
+                    <m:d>
+                      <m:dPr>
+                        <m:ctrlPr>
+                          <a:rPr lang="es-PE" sz="2000" i="1">
+                            <a:latin typeface="Cambria Math" panose="02040503050406030204" pitchFamily="18" charset="0"/>
+                          </a:rPr>
+                        </m:ctrlPr>
+                      </m:dPr>
+                      <m:e>
+                        <m:r>
+                          <a:rPr lang="es-PE" sz="2000" i="1">
+                            <a:latin typeface="Cambria Math" panose="02040503050406030204" pitchFamily="18" charset="0"/>
+                          </a:rPr>
+                          <m:t>𝑃</m:t>
+                        </m:r>
+                        <m:r>
+                          <a:rPr lang="es-PE" sz="2000" i="1">
+                            <a:latin typeface="Cambria Math" panose="02040503050406030204" pitchFamily="18" charset="0"/>
+                          </a:rPr>
+                          <m:t>0+ </m:t>
+                        </m:r>
+                        <m:sSub>
+                          <m:sSubPr>
+                            <m:ctrlPr>
+                              <a:rPr lang="es-PE" sz="2000" i="1">
+                                <a:latin typeface="Cambria Math" panose="02040503050406030204" pitchFamily="18" charset="0"/>
+                              </a:rPr>
+                            </m:ctrlPr>
+                          </m:sSubPr>
+                          <m:e>
+                            <m:r>
+                              <a:rPr lang="es-PE" sz="2000" i="1">
+                                <a:latin typeface="Cambria Math" panose="02040503050406030204" pitchFamily="18" charset="0"/>
+                              </a:rPr>
+                              <m:t>𝑥</m:t>
+                            </m:r>
+                          </m:e>
+                          <m:sub>
+                            <m:r>
+                              <a:rPr lang="es-PE" sz="2000" i="1">
+                                <a:latin typeface="Cambria Math" panose="02040503050406030204" pitchFamily="18" charset="0"/>
+                              </a:rPr>
+                              <m:t>1</m:t>
+                            </m:r>
+                          </m:sub>
+                        </m:sSub>
+                        <m:r>
+                          <a:rPr lang="es-PE" sz="2000" b="0" i="1" smtClean="0">
+                            <a:latin typeface="Cambria Math" panose="02040503050406030204" pitchFamily="18" charset="0"/>
+                          </a:rPr>
+                          <m:t>≥3</m:t>
+                        </m:r>
+                      </m:e>
+                    </m:d>
+                  </m:oMath>
+                </a14:m>
+                <a:r>
+                  <a:rPr lang="es-MX" sz="2000" dirty="0"/>
+                  <a:t>.</a:t>
+                </a:r>
+              </a:p>
+            </p:txBody>
+          </p:sp>
+        </mc:Choice>
+        <mc:Fallback>
+          <p:sp>
+            <p:nvSpPr>
+              <p:cNvPr id="10" name="CuadroTexto 4">
+                <a:extLst>
+                  <a:ext uri="{FF2B5EF4-FFF2-40B4-BE49-F238E27FC236}">
+                    <a16:creationId xmlns:a16="http://schemas.microsoft.com/office/drawing/2014/main" id="{0EE2E59A-EFC5-4F7D-8B1B-CDE02E4D869C}"/>
+                  </a:ext>
+                </a:extLst>
+              </p:cNvPr>
+              <p:cNvSpPr txBox="1">
+                <a:spLocks noRot="1" noChangeAspect="1" noMove="1" noResize="1" noEditPoints="1" noAdjustHandles="1" noChangeArrowheads="1" noChangeShapeType="1" noTextEdit="1"/>
+              </p:cNvSpPr>
+              <p:nvPr/>
+            </p:nvSpPr>
+            <p:spPr>
+              <a:xfrm>
+                <a:off x="602191" y="836712"/>
+                <a:ext cx="8362297" cy="1015663"/>
+              </a:xfrm>
+              <a:prstGeom prst="rect">
+                <a:avLst/>
+              </a:prstGeom>
+              <a:blipFill>
+                <a:blip r:embed="rId2"/>
+                <a:stretch>
+                  <a:fillRect l="-656" t="-3593" b="-10778"/>
+                </a:stretch>
+              </a:blipFill>
+            </p:spPr>
+            <p:txBody>
+              <a:bodyPr/>
+              <a:lstStyle/>
+              <a:p>
+                <a:r>
+                  <a:rPr lang="es-PE">
+                    <a:noFill/>
+                  </a:rPr>
+                  <a:t> </a:t>
+                </a:r>
+              </a:p>
+            </p:txBody>
+          </p:sp>
+        </mc:Fallback>
+      </mc:AlternateContent>
+      <p:pic>
+        <p:nvPicPr>
+          <p:cNvPr id="5" name="Picture 4">
             <a:extLst>
               <a:ext uri="{FF2B5EF4-FFF2-40B4-BE49-F238E27FC236}">
-                <a16:creationId xmlns:a16="http://schemas.microsoft.com/office/drawing/2014/main" id="{0EE2E59A-EFC5-4F7D-8B1B-CDE02E4D869C}"/>
-              </a:ext>
-            </a:extLst>
-          </p:cNvPr>
-          <p:cNvSpPr txBox="1"/>
-          <p:nvPr/>
-        </p:nvSpPr>
-        <p:spPr>
-          <a:xfrm>
-            <a:off x="602191" y="836712"/>
-            <a:ext cx="8362297" cy="707886"/>
-          </a:xfrm>
-          <a:prstGeom prst="rect">
-            <a:avLst/>
-          </a:prstGeom>
-          <a:noFill/>
-        </p:spPr>
-        <p:txBody>
-          <a:bodyPr wrap="square" rtlCol="0">
-            <a:spAutoFit/>
-          </a:bodyPr>
-          <a:lstStyle/>
-          <a:p>
-            <a:pPr marL="285750" indent="-285750">
-              <a:buFont typeface="Arial" panose="020B0604020202020204" pitchFamily="34" charset="0"/>
-              <a:buChar char="•"/>
-            </a:pPr>
-            <a:r>
-              <a:rPr lang="es-MX" sz="2000" dirty="0"/>
-              <a:t>Método de ramificación y limitación (Branch &amp; </a:t>
-            </a:r>
-            <a:r>
-              <a:rPr lang="es-MX" sz="2000" dirty="0" err="1"/>
-              <a:t>Bound</a:t>
-            </a:r>
-            <a:r>
-              <a:rPr lang="es-MX" sz="2000" dirty="0"/>
-              <a:t>)</a:t>
-            </a:r>
-          </a:p>
-          <a:p>
-            <a:pPr lvl="1"/>
-            <a:r>
-              <a:rPr lang="es-MX" sz="2000" dirty="0"/>
-              <a:t>.</a:t>
-            </a:r>
-          </a:p>
-        </p:txBody>
-      </p:sp>
-      <p:pic>
-        <p:nvPicPr>
-          <p:cNvPr id="4" name="Picture 3">
-            <a:extLst>
-              <a:ext uri="{FF2B5EF4-FFF2-40B4-BE49-F238E27FC236}">
-                <a16:creationId xmlns:a16="http://schemas.microsoft.com/office/drawing/2014/main" id="{3FC166FD-EAC1-4268-9588-6AEB814D6B99}"/>
+                <a16:creationId xmlns:a16="http://schemas.microsoft.com/office/drawing/2014/main" id="{4E6CC03F-E11F-4164-8EDD-A9E173087389}"/>
               </a:ext>
             </a:extLst>
           </p:cNvPr>
@@ -5846,15 +6529,15 @@
           <p:nvPr/>
         </p:nvPicPr>
         <p:blipFill>
-          <a:blip r:embed="rId2"/>
+          <a:blip r:embed="rId3"/>
           <a:stretch>
             <a:fillRect/>
           </a:stretch>
         </p:blipFill>
         <p:spPr>
           <a:xfrm>
-            <a:off x="827584" y="1544598"/>
-            <a:ext cx="7787318" cy="4110171"/>
+            <a:off x="969379" y="2172576"/>
+            <a:ext cx="7205241" cy="3848712"/>
           </a:xfrm>
           <a:prstGeom prst="rect">
             <a:avLst/>
@@ -5896,6 +6579,1451 @@
       </p:grpSpPr>
       <p:sp>
         <p:nvSpPr>
+          <p:cNvPr id="2" name="Marcador de número de diapositiva 1"/>
+          <p:cNvSpPr>
+            <a:spLocks noGrp="1"/>
+          </p:cNvSpPr>
+          <p:nvPr>
+            <p:ph type="sldNum" sz="quarter" idx="12"/>
+          </p:nvPr>
+        </p:nvSpPr>
+        <p:spPr/>
+        <p:txBody>
+          <a:bodyPr/>
+          <a:lstStyle/>
+          <a:p>
+            <a:fld id="{64BD7E74-CBD2-4D88-9109-2EA8081AE675}" type="slidenum">
+              <a:rPr lang="es-ES" smtClean="0"/>
+              <a:pPr/>
+              <a:t>13</a:t>
+            </a:fld>
+            <a:endParaRPr lang="es-ES"/>
+          </a:p>
+        </p:txBody>
+      </p:sp>
+      <p:sp>
+        <p:nvSpPr>
+          <p:cNvPr id="3" name="4 Título"/>
+          <p:cNvSpPr txBox="1">
+            <a:spLocks/>
+          </p:cNvSpPr>
+          <p:nvPr/>
+        </p:nvSpPr>
+        <p:spPr>
+          <a:xfrm>
+            <a:off x="611560" y="188640"/>
+            <a:ext cx="8784976" cy="457120"/>
+          </a:xfrm>
+          <a:prstGeom prst="rect">
+            <a:avLst/>
+          </a:prstGeom>
+        </p:spPr>
+        <p:txBody>
+          <a:bodyPr bIns="91440" anchor="b" anchorCtr="0">
+            <a:noAutofit/>
+          </a:bodyPr>
+          <a:lstStyle>
+            <a:lvl1pPr>
+              <a:spcBef>
+                <a:spcPct val="0"/>
+              </a:spcBef>
+              <a:buNone/>
+              <a:defRPr kumimoji="0" sz="2400">
+                <a:ln w="0"/>
+                <a:solidFill>
+                  <a:schemeClr val="tx2"/>
+                </a:solidFill>
+                <a:effectLst>
+                  <a:outerShdw blurRad="38100" dist="19050" dir="2700000" algn="tl" rotWithShape="0">
+                    <a:schemeClr val="dk1">
+                      <a:alpha val="40000"/>
+                    </a:schemeClr>
+                  </a:outerShdw>
+                </a:effectLst>
+                <a:latin typeface="+mj-lt"/>
+                <a:ea typeface="+mj-ea"/>
+                <a:cs typeface="+mj-cs"/>
+              </a:defRPr>
+            </a:lvl1pPr>
+          </a:lstStyle>
+          <a:p>
+            <a:r>
+              <a:rPr lang="es-PE" altLang="en-US" dirty="0"/>
+              <a:t>Programación entera mixta</a:t>
+            </a:r>
+          </a:p>
+        </p:txBody>
+      </p:sp>
+      <mc:AlternateContent xmlns:mc="http://schemas.openxmlformats.org/markup-compatibility/2006">
+        <mc:Choice xmlns:a14="http://schemas.microsoft.com/office/drawing/2010/main" Requires="a14">
+          <p:sp>
+            <p:nvSpPr>
+              <p:cNvPr id="10" name="CuadroTexto 4">
+                <a:extLst>
+                  <a:ext uri="{FF2B5EF4-FFF2-40B4-BE49-F238E27FC236}">
+                    <a16:creationId xmlns:a16="http://schemas.microsoft.com/office/drawing/2014/main" id="{0EE2E59A-EFC5-4F7D-8B1B-CDE02E4D869C}"/>
+                  </a:ext>
+                </a:extLst>
+              </p:cNvPr>
+              <p:cNvSpPr txBox="1"/>
+              <p:nvPr/>
+            </p:nvSpPr>
+            <p:spPr>
+              <a:xfrm>
+                <a:off x="602191" y="836712"/>
+                <a:ext cx="8362297" cy="4093428"/>
+              </a:xfrm>
+              <a:prstGeom prst="rect">
+                <a:avLst/>
+              </a:prstGeom>
+              <a:noFill/>
+            </p:spPr>
+            <p:txBody>
+              <a:bodyPr wrap="square" rtlCol="0">
+                <a:spAutoFit/>
+              </a:bodyPr>
+              <a:lstStyle/>
+              <a:p>
+                <a:pPr marL="285750" indent="-285750">
+                  <a:buFont typeface="Arial" panose="020B0604020202020204" pitchFamily="34" charset="0"/>
+                  <a:buChar char="•"/>
+                </a:pPr>
+                <a:r>
+                  <a:rPr lang="es-PE" sz="2000" dirty="0"/>
+                  <a:t>Las aproximaciones de (P1)</a:t>
+                </a:r>
+                <a:r>
+                  <a:rPr lang="es-MX" sz="2000" dirty="0"/>
+                  <a:t> y (P2) son:</a:t>
+                </a:r>
+              </a:p>
+              <a:p>
+                <a:pPr marL="742950" lvl="1" indent="-285750">
+                  <a:buFont typeface="Arial" panose="020B0604020202020204" pitchFamily="34" charset="0"/>
+                  <a:buChar char="•"/>
+                </a:pPr>
+                <a:r>
+                  <a:rPr lang="es-MX" sz="2000" dirty="0"/>
+                  <a:t>(P1) </a:t>
+                </a:r>
+                <a14:m>
+                  <m:oMath xmlns:m="http://schemas.openxmlformats.org/officeDocument/2006/math">
+                    <m:sSub>
+                      <m:sSubPr>
+                        <m:ctrlPr>
+                          <a:rPr lang="es-MX" sz="2000" i="1" smtClean="0">
+                            <a:latin typeface="Cambria Math" panose="02040503050406030204" pitchFamily="18" charset="0"/>
+                          </a:rPr>
+                        </m:ctrlPr>
+                      </m:sSubPr>
+                      <m:e>
+                        <m:r>
+                          <a:rPr lang="es-PE" sz="2000" b="0" i="1" smtClean="0">
+                            <a:latin typeface="Cambria Math" panose="02040503050406030204" pitchFamily="18" charset="0"/>
+                          </a:rPr>
+                          <m:t>𝑥</m:t>
+                        </m:r>
+                      </m:e>
+                      <m:sub>
+                        <m:r>
+                          <a:rPr lang="es-PE" sz="2000" b="0" i="1" smtClean="0">
+                            <a:latin typeface="Cambria Math" panose="02040503050406030204" pitchFamily="18" charset="0"/>
+                          </a:rPr>
+                          <m:t>1</m:t>
+                        </m:r>
+                      </m:sub>
+                    </m:sSub>
+                    <m:r>
+                      <a:rPr lang="es-PE" sz="2000" b="0" i="1" smtClean="0">
+                        <a:latin typeface="Cambria Math" panose="02040503050406030204" pitchFamily="18" charset="0"/>
+                      </a:rPr>
+                      <m:t>=2, </m:t>
+                    </m:r>
+                    <m:sSub>
+                      <m:sSubPr>
+                        <m:ctrlPr>
+                          <a:rPr lang="es-MX" sz="2000" i="1">
+                            <a:latin typeface="Cambria Math" panose="02040503050406030204" pitchFamily="18" charset="0"/>
+                          </a:rPr>
+                        </m:ctrlPr>
+                      </m:sSubPr>
+                      <m:e>
+                        <m:r>
+                          <a:rPr lang="es-PE" sz="2000" i="1">
+                            <a:latin typeface="Cambria Math" panose="02040503050406030204" pitchFamily="18" charset="0"/>
+                          </a:rPr>
+                          <m:t>𝑥</m:t>
+                        </m:r>
+                      </m:e>
+                      <m:sub>
+                        <m:r>
+                          <a:rPr lang="es-PE" sz="2000" b="0" i="1" smtClean="0">
+                            <a:latin typeface="Cambria Math" panose="02040503050406030204" pitchFamily="18" charset="0"/>
+                          </a:rPr>
+                          <m:t>2</m:t>
+                        </m:r>
+                      </m:sub>
+                    </m:sSub>
+                    <m:r>
+                      <a:rPr lang="es-PE" sz="2000" i="1">
+                        <a:latin typeface="Cambria Math" panose="02040503050406030204" pitchFamily="18" charset="0"/>
+                      </a:rPr>
+                      <m:t>=2</m:t>
+                    </m:r>
+                  </m:oMath>
+                </a14:m>
+                <a:r>
+                  <a:rPr lang="es-MX" sz="2000" dirty="0"/>
+                  <a:t> y </a:t>
+                </a:r>
+                <a14:m>
+                  <m:oMath xmlns:m="http://schemas.openxmlformats.org/officeDocument/2006/math">
+                    <m:r>
+                      <a:rPr lang="es-PE" sz="2000" b="0" i="1" smtClean="0">
+                        <a:latin typeface="Cambria Math" panose="02040503050406030204" pitchFamily="18" charset="0"/>
+                      </a:rPr>
+                      <m:t>𝑣</m:t>
+                    </m:r>
+                    <m:r>
+                      <a:rPr lang="es-PE" sz="2000" i="1">
+                        <a:latin typeface="Cambria Math" panose="02040503050406030204" pitchFamily="18" charset="0"/>
+                      </a:rPr>
+                      <m:t>=</m:t>
+                    </m:r>
+                    <m:r>
+                      <a:rPr lang="es-PE" sz="2000" b="0" i="1" smtClean="0">
+                        <a:latin typeface="Cambria Math" panose="02040503050406030204" pitchFamily="18" charset="0"/>
+                      </a:rPr>
+                      <m:t>6</m:t>
+                    </m:r>
+                  </m:oMath>
+                </a14:m>
+                <a:endParaRPr lang="es-MX" sz="2000" dirty="0"/>
+              </a:p>
+              <a:p>
+                <a:pPr marL="742950" lvl="1" indent="-285750">
+                  <a:buFont typeface="Arial" panose="020B0604020202020204" pitchFamily="34" charset="0"/>
+                  <a:buChar char="•"/>
+                </a:pPr>
+                <a:r>
+                  <a:rPr lang="es-MX" sz="2000" dirty="0"/>
+                  <a:t>(P1) </a:t>
+                </a:r>
+                <a14:m>
+                  <m:oMath xmlns:m="http://schemas.openxmlformats.org/officeDocument/2006/math">
+                    <m:sSub>
+                      <m:sSubPr>
+                        <m:ctrlPr>
+                          <a:rPr lang="es-MX" sz="2000" i="1">
+                            <a:latin typeface="Cambria Math" panose="02040503050406030204" pitchFamily="18" charset="0"/>
+                          </a:rPr>
+                        </m:ctrlPr>
+                      </m:sSubPr>
+                      <m:e>
+                        <m:r>
+                          <a:rPr lang="es-PE" sz="2000" i="1">
+                            <a:latin typeface="Cambria Math" panose="02040503050406030204" pitchFamily="18" charset="0"/>
+                          </a:rPr>
+                          <m:t>𝑥</m:t>
+                        </m:r>
+                      </m:e>
+                      <m:sub>
+                        <m:r>
+                          <a:rPr lang="es-PE" sz="2000" i="1">
+                            <a:latin typeface="Cambria Math" panose="02040503050406030204" pitchFamily="18" charset="0"/>
+                          </a:rPr>
+                          <m:t>1</m:t>
+                        </m:r>
+                      </m:sub>
+                    </m:sSub>
+                    <m:r>
+                      <a:rPr lang="es-PE" sz="2000" i="1">
+                        <a:latin typeface="Cambria Math" panose="02040503050406030204" pitchFamily="18" charset="0"/>
+                      </a:rPr>
+                      <m:t>=</m:t>
+                    </m:r>
+                    <m:r>
+                      <a:rPr lang="es-PE" sz="2000" b="0" i="1" smtClean="0">
+                        <a:latin typeface="Cambria Math" panose="02040503050406030204" pitchFamily="18" charset="0"/>
+                      </a:rPr>
+                      <m:t>3</m:t>
+                    </m:r>
+                    <m:r>
+                      <a:rPr lang="es-PE" sz="2000" i="1">
+                        <a:latin typeface="Cambria Math" panose="02040503050406030204" pitchFamily="18" charset="0"/>
+                      </a:rPr>
+                      <m:t>, </m:t>
+                    </m:r>
+                    <m:sSub>
+                      <m:sSubPr>
+                        <m:ctrlPr>
+                          <a:rPr lang="es-MX" sz="2000" i="1">
+                            <a:latin typeface="Cambria Math" panose="02040503050406030204" pitchFamily="18" charset="0"/>
+                          </a:rPr>
+                        </m:ctrlPr>
+                      </m:sSubPr>
+                      <m:e>
+                        <m:r>
+                          <a:rPr lang="es-PE" sz="2000" i="1">
+                            <a:latin typeface="Cambria Math" panose="02040503050406030204" pitchFamily="18" charset="0"/>
+                          </a:rPr>
+                          <m:t>𝑥</m:t>
+                        </m:r>
+                      </m:e>
+                      <m:sub>
+                        <m:r>
+                          <a:rPr lang="es-PE" sz="2000" i="1">
+                            <a:latin typeface="Cambria Math" panose="02040503050406030204" pitchFamily="18" charset="0"/>
+                          </a:rPr>
+                          <m:t>2</m:t>
+                        </m:r>
+                      </m:sub>
+                    </m:sSub>
+                    <m:r>
+                      <a:rPr lang="es-PE" sz="2000" i="1">
+                        <a:latin typeface="Cambria Math" panose="02040503050406030204" pitchFamily="18" charset="0"/>
+                      </a:rPr>
+                      <m:t>=</m:t>
+                    </m:r>
+                    <m:r>
+                      <a:rPr lang="es-PE" sz="2000" b="0" i="1" smtClean="0">
+                        <a:latin typeface="Cambria Math" panose="02040503050406030204" pitchFamily="18" charset="0"/>
+                      </a:rPr>
+                      <m:t>1,5</m:t>
+                    </m:r>
+                  </m:oMath>
+                </a14:m>
+                <a:r>
+                  <a:rPr lang="es-MX" sz="2000" dirty="0"/>
+                  <a:t> y </a:t>
+                </a:r>
+                <a14:m>
+                  <m:oMath xmlns:m="http://schemas.openxmlformats.org/officeDocument/2006/math">
+                    <m:r>
+                      <a:rPr lang="es-PE" sz="2000" i="1">
+                        <a:latin typeface="Cambria Math" panose="02040503050406030204" pitchFamily="18" charset="0"/>
+                      </a:rPr>
+                      <m:t>𝑣</m:t>
+                    </m:r>
+                    <m:r>
+                      <a:rPr lang="es-PE" sz="2000" i="1">
+                        <a:latin typeface="Cambria Math" panose="02040503050406030204" pitchFamily="18" charset="0"/>
+                      </a:rPr>
+                      <m:t>=</m:t>
+                    </m:r>
+                    <m:r>
+                      <a:rPr lang="es-PE" sz="2000" b="0" i="1" smtClean="0">
+                        <a:latin typeface="Cambria Math" panose="02040503050406030204" pitchFamily="18" charset="0"/>
+                      </a:rPr>
+                      <m:t>7,5</m:t>
+                    </m:r>
+                  </m:oMath>
+                </a14:m>
+                <a:endParaRPr lang="es-PE" sz="2000" b="0" dirty="0"/>
+              </a:p>
+              <a:p>
+                <a:pPr marL="285750" indent="-285750">
+                  <a:buFont typeface="Arial" panose="020B0604020202020204" pitchFamily="34" charset="0"/>
+                  <a:buChar char="•"/>
+                </a:pPr>
+                <a:r>
+                  <a:rPr lang="es-PE" sz="2000" dirty="0"/>
+                  <a:t>El proceso de ramificación prosigue hasta que una aproximación presente la solución entera.</a:t>
+                </a:r>
+              </a:p>
+              <a:p>
+                <a:pPr marL="285750" indent="-285750">
+                  <a:buFont typeface="Arial" panose="020B0604020202020204" pitchFamily="34" charset="0"/>
+                  <a:buChar char="•"/>
+                </a:pPr>
+                <a:r>
+                  <a:rPr lang="es-PE" sz="2000" dirty="0"/>
+                  <a:t>El valor </a:t>
+                </a:r>
+                <a14:m>
+                  <m:oMath xmlns:m="http://schemas.openxmlformats.org/officeDocument/2006/math">
+                    <m:sSup>
+                      <m:sSupPr>
+                        <m:ctrlPr>
+                          <a:rPr lang="es-PE" sz="2000" i="1" smtClean="0">
+                            <a:latin typeface="Cambria Math" panose="02040503050406030204" pitchFamily="18" charset="0"/>
+                          </a:rPr>
+                        </m:ctrlPr>
+                      </m:sSupPr>
+                      <m:e>
+                        <m:r>
+                          <a:rPr lang="es-PE" sz="2000" b="0" i="1" smtClean="0">
+                            <a:latin typeface="Cambria Math" panose="02040503050406030204" pitchFamily="18" charset="0"/>
+                          </a:rPr>
+                          <m:t>𝑣</m:t>
+                        </m:r>
+                      </m:e>
+                      <m:sup>
+                        <m:r>
+                          <a:rPr lang="es-PE" sz="2000" b="0" i="1" smtClean="0">
+                            <a:latin typeface="Cambria Math" panose="02040503050406030204" pitchFamily="18" charset="0"/>
+                          </a:rPr>
+                          <m:t>∗</m:t>
+                        </m:r>
+                      </m:sup>
+                    </m:sSup>
+                  </m:oMath>
+                </a14:m>
+                <a:r>
+                  <a:rPr lang="es-PE" sz="2000" dirty="0"/>
+                  <a:t> asociado a soluciones enteras se torna una limitante inferior, LI. Así LI=6.</a:t>
+                </a:r>
+              </a:p>
+              <a:p>
+                <a:pPr marL="285750" indent="-285750">
+                  <a:buFont typeface="Arial" panose="020B0604020202020204" pitchFamily="34" charset="0"/>
+                  <a:buChar char="•"/>
+                </a:pPr>
+                <a:r>
+                  <a:rPr lang="es-PE" sz="2000" dirty="0"/>
+                  <a:t>Los problemas cuyas aproximaciones (integrales o no) poseen valores inferiores a LI son descartados;</a:t>
+                </a:r>
+              </a:p>
+              <a:p>
+                <a:pPr marL="285750" indent="-285750">
+                  <a:buFont typeface="Arial" panose="020B0604020202020204" pitchFamily="34" charset="0"/>
+                  <a:buChar char="•"/>
+                </a:pPr>
+                <a:r>
+                  <a:rPr lang="es-PE" sz="2000" dirty="0"/>
+                  <a:t>Se actualiza LI siempre que una aproximación presente solución entera con </a:t>
+                </a:r>
+                <a14:m>
+                  <m:oMath xmlns:m="http://schemas.openxmlformats.org/officeDocument/2006/math">
+                    <m:r>
+                      <a:rPr lang="es-PE" sz="2000" i="1">
+                        <a:latin typeface="Cambria Math" panose="02040503050406030204" pitchFamily="18" charset="0"/>
+                      </a:rPr>
+                      <m:t>𝑣</m:t>
+                    </m:r>
+                  </m:oMath>
+                </a14:m>
+                <a:r>
+                  <a:rPr lang="es-PE" sz="2000" dirty="0"/>
+                  <a:t> mayor;</a:t>
+                </a:r>
+              </a:p>
+              <a:p>
+                <a:pPr marL="285750" indent="-285750">
+                  <a:buFont typeface="Arial" panose="020B0604020202020204" pitchFamily="34" charset="0"/>
+                  <a:buChar char="•"/>
+                </a:pPr>
+                <a:r>
+                  <a:rPr lang="es-PE" sz="2000" dirty="0"/>
+                  <a:t>El método Branch &amp; </a:t>
+                </a:r>
+                <a:r>
+                  <a:rPr lang="es-PE" sz="2000" dirty="0" err="1"/>
+                  <a:t>Bound</a:t>
+                </a:r>
+                <a:r>
+                  <a:rPr lang="es-PE" sz="2000" dirty="0"/>
+                  <a:t> termina cuando no existen mas problemas ramificados;</a:t>
+                </a:r>
+              </a:p>
+              <a:p>
+                <a:pPr marL="285750" indent="-285750">
+                  <a:buFont typeface="Arial" panose="020B0604020202020204" pitchFamily="34" charset="0"/>
+                  <a:buChar char="•"/>
+                </a:pPr>
+                <a:r>
+                  <a:rPr lang="es-PE" sz="2000" dirty="0"/>
+                  <a:t>En el ejemplo, la ramificación prosigue con (P2) la variable </a:t>
+                </a:r>
+                <a14:m>
+                  <m:oMath xmlns:m="http://schemas.openxmlformats.org/officeDocument/2006/math">
+                    <m:sSub>
+                      <m:sSubPr>
+                        <m:ctrlPr>
+                          <a:rPr lang="es-MX" sz="2000" i="1">
+                            <a:latin typeface="Cambria Math" panose="02040503050406030204" pitchFamily="18" charset="0"/>
+                          </a:rPr>
+                        </m:ctrlPr>
+                      </m:sSubPr>
+                      <m:e>
+                        <m:r>
+                          <a:rPr lang="es-PE" sz="2000" i="1">
+                            <a:latin typeface="Cambria Math" panose="02040503050406030204" pitchFamily="18" charset="0"/>
+                          </a:rPr>
+                          <m:t>𝑥</m:t>
+                        </m:r>
+                      </m:e>
+                      <m:sub>
+                        <m:r>
+                          <a:rPr lang="es-PE" sz="2000" i="1">
+                            <a:latin typeface="Cambria Math" panose="02040503050406030204" pitchFamily="18" charset="0"/>
+                          </a:rPr>
+                          <m:t>2</m:t>
+                        </m:r>
+                      </m:sub>
+                    </m:sSub>
+                  </m:oMath>
+                </a14:m>
+                <a:r>
+                  <a:rPr lang="es-PE" sz="2000" dirty="0"/>
+                  <a:t>, del caso </a:t>
+                </a:r>
+                <a14:m>
+                  <m:oMath xmlns:m="http://schemas.openxmlformats.org/officeDocument/2006/math">
+                    <m:sSub>
+                      <m:sSubPr>
+                        <m:ctrlPr>
+                          <a:rPr lang="es-MX" sz="2000" i="1">
+                            <a:latin typeface="Cambria Math" panose="02040503050406030204" pitchFamily="18" charset="0"/>
+                          </a:rPr>
+                        </m:ctrlPr>
+                      </m:sSubPr>
+                      <m:e>
+                        <m:r>
+                          <a:rPr lang="es-PE" sz="2000" b="0" i="1" smtClean="0">
+                            <a:latin typeface="Cambria Math" panose="02040503050406030204" pitchFamily="18" charset="0"/>
+                          </a:rPr>
+                          <m:t>1≤</m:t>
+                        </m:r>
+                        <m:r>
+                          <a:rPr lang="es-PE" sz="2000" i="1">
+                            <a:latin typeface="Cambria Math" panose="02040503050406030204" pitchFamily="18" charset="0"/>
+                          </a:rPr>
+                          <m:t>𝑥</m:t>
+                        </m:r>
+                      </m:e>
+                      <m:sub>
+                        <m:r>
+                          <a:rPr lang="es-PE" sz="2000" i="1">
+                            <a:latin typeface="Cambria Math" panose="02040503050406030204" pitchFamily="18" charset="0"/>
+                          </a:rPr>
+                          <m:t>2</m:t>
+                        </m:r>
+                      </m:sub>
+                    </m:sSub>
+                    <m:r>
+                      <a:rPr lang="es-PE" sz="2000" b="0" i="1" smtClean="0">
+                        <a:latin typeface="Cambria Math" panose="02040503050406030204" pitchFamily="18" charset="0"/>
+                      </a:rPr>
+                      <m:t>≤2</m:t>
+                    </m:r>
+                  </m:oMath>
+                </a14:m>
+                <a:r>
+                  <a:rPr lang="es-PE" sz="2000" dirty="0"/>
+                  <a:t> </a:t>
+                </a:r>
+              </a:p>
+              <a:p>
+                <a:pPr lvl="1"/>
+                <a:endParaRPr lang="es-MX" sz="2000" dirty="0"/>
+              </a:p>
+              <a:p>
+                <a:pPr marL="742950" lvl="1" indent="-285750">
+                  <a:buFont typeface="Arial" panose="020B0604020202020204" pitchFamily="34" charset="0"/>
+                  <a:buChar char="•"/>
+                </a:pPr>
+                <a:endParaRPr lang="es-MX" sz="2000" dirty="0"/>
+              </a:p>
+            </p:txBody>
+          </p:sp>
+        </mc:Choice>
+        <mc:Fallback>
+          <p:sp>
+            <p:nvSpPr>
+              <p:cNvPr id="10" name="CuadroTexto 4">
+                <a:extLst>
+                  <a:ext uri="{FF2B5EF4-FFF2-40B4-BE49-F238E27FC236}">
+                    <a16:creationId xmlns:a16="http://schemas.microsoft.com/office/drawing/2014/main" id="{0EE2E59A-EFC5-4F7D-8B1B-CDE02E4D869C}"/>
+                  </a:ext>
+                </a:extLst>
+              </p:cNvPr>
+              <p:cNvSpPr txBox="1">
+                <a:spLocks noRot="1" noChangeAspect="1" noMove="1" noResize="1" noEditPoints="1" noAdjustHandles="1" noChangeArrowheads="1" noChangeShapeType="1" noTextEdit="1"/>
+              </p:cNvSpPr>
+              <p:nvPr/>
+            </p:nvSpPr>
+            <p:spPr>
+              <a:xfrm>
+                <a:off x="602191" y="836712"/>
+                <a:ext cx="8362297" cy="4093428"/>
+              </a:xfrm>
+              <a:prstGeom prst="rect">
+                <a:avLst/>
+              </a:prstGeom>
+              <a:blipFill>
+                <a:blip r:embed="rId2"/>
+                <a:stretch>
+                  <a:fillRect l="-656" t="-893"/>
+                </a:stretch>
+              </a:blipFill>
+            </p:spPr>
+            <p:txBody>
+              <a:bodyPr/>
+              <a:lstStyle/>
+              <a:p>
+                <a:r>
+                  <a:rPr lang="es-PE">
+                    <a:noFill/>
+                  </a:rPr>
+                  <a:t> </a:t>
+                </a:r>
+              </a:p>
+            </p:txBody>
+          </p:sp>
+        </mc:Fallback>
+      </mc:AlternateContent>
+    </p:spTree>
+    <p:extLst>
+      <p:ext uri="{BB962C8B-B14F-4D97-AF65-F5344CB8AC3E}">
+        <p14:creationId xmlns:p14="http://schemas.microsoft.com/office/powerpoint/2010/main" val="115455412"/>
+      </p:ext>
+    </p:extLst>
+  </p:cSld>
+  <p:clrMapOvr>
+    <a:masterClrMapping/>
+  </p:clrMapOvr>
+  <p:transition spd="slow">
+    <p:fade/>
+  </p:transition>
+</p:sld>
+</file>
+
+<file path=ppt/slides/slide14.xml><?xml version="1.0" encoding="utf-8"?>
+<p:sld xmlns:a="http://schemas.openxmlformats.org/drawingml/2006/main" xmlns:r="http://schemas.openxmlformats.org/officeDocument/2006/relationships" xmlns:p="http://schemas.openxmlformats.org/presentationml/2006/main">
+  <p:cSld>
+    <p:spTree>
+      <p:nvGrpSpPr>
+        <p:cNvPr id="1" name=""/>
+        <p:cNvGrpSpPr/>
+        <p:nvPr/>
+      </p:nvGrpSpPr>
+      <p:grpSpPr>
+        <a:xfrm>
+          <a:off x="0" y="0"/>
+          <a:ext cx="0" cy="0"/>
+          <a:chOff x="0" y="0"/>
+          <a:chExt cx="0" cy="0"/>
+        </a:xfrm>
+      </p:grpSpPr>
+      <p:sp>
+        <p:nvSpPr>
+          <p:cNvPr id="2" name="Marcador de número de diapositiva 1"/>
+          <p:cNvSpPr>
+            <a:spLocks noGrp="1"/>
+          </p:cNvSpPr>
+          <p:nvPr>
+            <p:ph type="sldNum" sz="quarter" idx="12"/>
+          </p:nvPr>
+        </p:nvSpPr>
+        <p:spPr/>
+        <p:txBody>
+          <a:bodyPr/>
+          <a:lstStyle/>
+          <a:p>
+            <a:fld id="{64BD7E74-CBD2-4D88-9109-2EA8081AE675}" type="slidenum">
+              <a:rPr lang="es-ES" smtClean="0"/>
+              <a:pPr/>
+              <a:t>14</a:t>
+            </a:fld>
+            <a:endParaRPr lang="es-ES"/>
+          </a:p>
+        </p:txBody>
+      </p:sp>
+      <p:sp>
+        <p:nvSpPr>
+          <p:cNvPr id="3" name="4 Título"/>
+          <p:cNvSpPr txBox="1">
+            <a:spLocks/>
+          </p:cNvSpPr>
+          <p:nvPr/>
+        </p:nvSpPr>
+        <p:spPr>
+          <a:xfrm>
+            <a:off x="611560" y="188640"/>
+            <a:ext cx="8784976" cy="457120"/>
+          </a:xfrm>
+          <a:prstGeom prst="rect">
+            <a:avLst/>
+          </a:prstGeom>
+        </p:spPr>
+        <p:txBody>
+          <a:bodyPr bIns="91440" anchor="b" anchorCtr="0">
+            <a:noAutofit/>
+          </a:bodyPr>
+          <a:lstStyle>
+            <a:lvl1pPr>
+              <a:spcBef>
+                <a:spcPct val="0"/>
+              </a:spcBef>
+              <a:buNone/>
+              <a:defRPr kumimoji="0" sz="2400">
+                <a:ln w="0"/>
+                <a:solidFill>
+                  <a:schemeClr val="tx2"/>
+                </a:solidFill>
+                <a:effectLst>
+                  <a:outerShdw blurRad="38100" dist="19050" dir="2700000" algn="tl" rotWithShape="0">
+                    <a:schemeClr val="dk1">
+                      <a:alpha val="40000"/>
+                    </a:schemeClr>
+                  </a:outerShdw>
+                </a:effectLst>
+                <a:latin typeface="+mj-lt"/>
+                <a:ea typeface="+mj-ea"/>
+                <a:cs typeface="+mj-cs"/>
+              </a:defRPr>
+            </a:lvl1pPr>
+          </a:lstStyle>
+          <a:p>
+            <a:r>
+              <a:rPr lang="es-PE" altLang="en-US" dirty="0"/>
+              <a:t>Programación entera mixta</a:t>
+            </a:r>
+          </a:p>
+        </p:txBody>
+      </p:sp>
+      <mc:AlternateContent xmlns:mc="http://schemas.openxmlformats.org/markup-compatibility/2006">
+        <mc:Choice xmlns:a14="http://schemas.microsoft.com/office/drawing/2010/main" Requires="a14">
+          <p:sp>
+            <p:nvSpPr>
+              <p:cNvPr id="10" name="CuadroTexto 4">
+                <a:extLst>
+                  <a:ext uri="{FF2B5EF4-FFF2-40B4-BE49-F238E27FC236}">
+                    <a16:creationId xmlns:a16="http://schemas.microsoft.com/office/drawing/2014/main" id="{0EE2E59A-EFC5-4F7D-8B1B-CDE02E4D869C}"/>
+                  </a:ext>
+                </a:extLst>
+              </p:cNvPr>
+              <p:cNvSpPr txBox="1"/>
+              <p:nvPr/>
+            </p:nvSpPr>
+            <p:spPr>
+              <a:xfrm>
+                <a:off x="602191" y="836712"/>
+                <a:ext cx="8362297" cy="1015663"/>
+              </a:xfrm>
+              <a:prstGeom prst="rect">
+                <a:avLst/>
+              </a:prstGeom>
+              <a:noFill/>
+            </p:spPr>
+            <p:txBody>
+              <a:bodyPr wrap="square" rtlCol="0">
+                <a:spAutoFit/>
+              </a:bodyPr>
+              <a:lstStyle/>
+              <a:p>
+                <a:pPr marL="285750" indent="-285750">
+                  <a:buFont typeface="Arial" panose="020B0604020202020204" pitchFamily="34" charset="0"/>
+                  <a:buChar char="•"/>
+                </a:pPr>
+                <a:r>
+                  <a:rPr lang="es-MX" sz="2000" dirty="0"/>
+                  <a:t>Método de ramificación y limitación (Branch &amp; </a:t>
+                </a:r>
+                <a:r>
+                  <a:rPr lang="es-MX" sz="2000" dirty="0" err="1"/>
+                  <a:t>Bound</a:t>
+                </a:r>
+                <a:r>
+                  <a:rPr lang="es-MX" sz="2000" dirty="0"/>
+                  <a:t>)</a:t>
+                </a:r>
+              </a:p>
+              <a:p>
+                <a:pPr marL="285750" indent="-285750">
+                  <a:buFont typeface="Arial" panose="020B0604020202020204" pitchFamily="34" charset="0"/>
+                  <a:buChar char="•"/>
+                </a:pPr>
+                <a:r>
+                  <a:rPr lang="es-MX" sz="2000" dirty="0"/>
+                  <a:t>Paso 3: Escoger la variable </a:t>
+                </a:r>
+                <a14:m>
+                  <m:oMath xmlns:m="http://schemas.openxmlformats.org/officeDocument/2006/math">
+                    <m:sSub>
+                      <m:sSubPr>
+                        <m:ctrlPr>
+                          <a:rPr lang="es-PE" sz="2000" i="1">
+                            <a:latin typeface="Cambria Math" panose="02040503050406030204" pitchFamily="18" charset="0"/>
+                          </a:rPr>
+                        </m:ctrlPr>
+                      </m:sSubPr>
+                      <m:e>
+                        <m:r>
+                          <a:rPr lang="es-PE" sz="2000" b="0" i="1" smtClean="0">
+                            <a:latin typeface="Cambria Math" panose="02040503050406030204" pitchFamily="18" charset="0"/>
+                          </a:rPr>
+                          <m:t>𝑥</m:t>
+                        </m:r>
+                      </m:e>
+                      <m:sub>
+                        <m:r>
+                          <a:rPr lang="es-PE" sz="2000" b="0" i="1" smtClean="0">
+                            <a:latin typeface="Cambria Math" panose="02040503050406030204" pitchFamily="18" charset="0"/>
+                          </a:rPr>
+                          <m:t>2</m:t>
+                        </m:r>
+                      </m:sub>
+                    </m:sSub>
+                  </m:oMath>
+                </a14:m>
+                <a:r>
+                  <a:rPr lang="es-MX" sz="2000" dirty="0"/>
+                  <a:t>  para dividir y resolver los problemas de PL: </a:t>
+                </a:r>
+                <a14:m>
+                  <m:oMath xmlns:m="http://schemas.openxmlformats.org/officeDocument/2006/math">
+                    <m:r>
+                      <a:rPr lang="es-PE" sz="2000" b="0" i="1" smtClean="0">
+                        <a:latin typeface="Cambria Math" panose="02040503050406030204" pitchFamily="18" charset="0"/>
+                      </a:rPr>
+                      <m:t>𝑃</m:t>
+                    </m:r>
+                    <m:r>
+                      <a:rPr lang="es-PE" sz="2000" b="0" i="1" smtClean="0">
+                        <a:latin typeface="Cambria Math" panose="02040503050406030204" pitchFamily="18" charset="0"/>
+                      </a:rPr>
+                      <m:t>3 </m:t>
+                    </m:r>
+                    <m:d>
+                      <m:dPr>
+                        <m:ctrlPr>
+                          <a:rPr lang="es-PE" sz="2000" b="0" i="1" smtClean="0">
+                            <a:latin typeface="Cambria Math" panose="02040503050406030204" pitchFamily="18" charset="0"/>
+                          </a:rPr>
+                        </m:ctrlPr>
+                      </m:dPr>
+                      <m:e>
+                        <m:r>
+                          <a:rPr lang="es-PE" sz="2000" b="0" i="1" smtClean="0">
+                            <a:latin typeface="Cambria Math" panose="02040503050406030204" pitchFamily="18" charset="0"/>
+                          </a:rPr>
+                          <m:t>𝑃</m:t>
+                        </m:r>
+                        <m:r>
+                          <a:rPr lang="es-PE" sz="2000" b="0" i="1" smtClean="0">
+                            <a:latin typeface="Cambria Math" panose="02040503050406030204" pitchFamily="18" charset="0"/>
+                          </a:rPr>
+                          <m:t>2+ </m:t>
+                        </m:r>
+                        <m:sSub>
+                          <m:sSubPr>
+                            <m:ctrlPr>
+                              <a:rPr lang="es-PE" sz="2000" b="0" i="1" smtClean="0">
+                                <a:latin typeface="Cambria Math" panose="02040503050406030204" pitchFamily="18" charset="0"/>
+                              </a:rPr>
+                            </m:ctrlPr>
+                          </m:sSubPr>
+                          <m:e>
+                            <m:r>
+                              <a:rPr lang="es-PE" sz="2000" b="0" i="1" smtClean="0">
+                                <a:latin typeface="Cambria Math" panose="02040503050406030204" pitchFamily="18" charset="0"/>
+                              </a:rPr>
+                              <m:t>𝑥</m:t>
+                            </m:r>
+                          </m:e>
+                          <m:sub>
+                            <m:r>
+                              <a:rPr lang="es-PE" sz="2000" b="0" i="1" smtClean="0">
+                                <a:latin typeface="Cambria Math" panose="02040503050406030204" pitchFamily="18" charset="0"/>
+                              </a:rPr>
+                              <m:t>2</m:t>
+                            </m:r>
+                          </m:sub>
+                        </m:sSub>
+                        <m:r>
+                          <a:rPr lang="es-PE" sz="2000" b="0" i="1" smtClean="0">
+                            <a:latin typeface="Cambria Math" panose="02040503050406030204" pitchFamily="18" charset="0"/>
+                          </a:rPr>
+                          <m:t>≤1</m:t>
+                        </m:r>
+                      </m:e>
+                    </m:d>
+                    <m:r>
+                      <a:rPr lang="es-PE" sz="2000" b="0" i="1" smtClean="0">
+                        <a:latin typeface="Cambria Math" panose="02040503050406030204" pitchFamily="18" charset="0"/>
+                      </a:rPr>
+                      <m:t> </m:t>
+                    </m:r>
+                    <m:r>
+                      <a:rPr lang="es-PE" sz="2000" b="0" i="1" smtClean="0">
+                        <a:latin typeface="Cambria Math" panose="02040503050406030204" pitchFamily="18" charset="0"/>
+                      </a:rPr>
+                      <m:t>𝑦</m:t>
+                    </m:r>
+                    <m:r>
+                      <a:rPr lang="es-PE" sz="2000" b="0" i="1" smtClean="0">
+                        <a:latin typeface="Cambria Math" panose="02040503050406030204" pitchFamily="18" charset="0"/>
+                      </a:rPr>
+                      <m:t> </m:t>
+                    </m:r>
+                    <m:r>
+                      <a:rPr lang="es-PE" sz="2000" b="0" i="1" smtClean="0">
+                        <a:latin typeface="Cambria Math" panose="02040503050406030204" pitchFamily="18" charset="0"/>
+                      </a:rPr>
+                      <m:t>𝑃</m:t>
+                    </m:r>
+                    <m:r>
+                      <a:rPr lang="es-PE" sz="2000" b="0" i="1" smtClean="0">
+                        <a:latin typeface="Cambria Math" panose="02040503050406030204" pitchFamily="18" charset="0"/>
+                      </a:rPr>
+                      <m:t>4</m:t>
+                    </m:r>
+                    <m:d>
+                      <m:dPr>
+                        <m:ctrlPr>
+                          <a:rPr lang="es-PE" sz="2000" i="1">
+                            <a:latin typeface="Cambria Math" panose="02040503050406030204" pitchFamily="18" charset="0"/>
+                          </a:rPr>
+                        </m:ctrlPr>
+                      </m:dPr>
+                      <m:e>
+                        <m:r>
+                          <a:rPr lang="es-PE" sz="2000" i="1">
+                            <a:latin typeface="Cambria Math" panose="02040503050406030204" pitchFamily="18" charset="0"/>
+                          </a:rPr>
+                          <m:t>𝑃</m:t>
+                        </m:r>
+                        <m:r>
+                          <a:rPr lang="es-PE" sz="2000" b="0" i="1" smtClean="0">
+                            <a:latin typeface="Cambria Math" panose="02040503050406030204" pitchFamily="18" charset="0"/>
+                          </a:rPr>
+                          <m:t>2</m:t>
+                        </m:r>
+                        <m:r>
+                          <a:rPr lang="es-PE" sz="2000" i="1">
+                            <a:latin typeface="Cambria Math" panose="02040503050406030204" pitchFamily="18" charset="0"/>
+                          </a:rPr>
+                          <m:t>+ </m:t>
+                        </m:r>
+                        <m:sSub>
+                          <m:sSubPr>
+                            <m:ctrlPr>
+                              <a:rPr lang="es-PE" sz="2000" i="1">
+                                <a:latin typeface="Cambria Math" panose="02040503050406030204" pitchFamily="18" charset="0"/>
+                              </a:rPr>
+                            </m:ctrlPr>
+                          </m:sSubPr>
+                          <m:e>
+                            <m:r>
+                              <a:rPr lang="es-PE" sz="2000" i="1">
+                                <a:latin typeface="Cambria Math" panose="02040503050406030204" pitchFamily="18" charset="0"/>
+                              </a:rPr>
+                              <m:t>𝑥</m:t>
+                            </m:r>
+                          </m:e>
+                          <m:sub>
+                            <m:r>
+                              <a:rPr lang="es-PE" sz="2000" b="0" i="1" smtClean="0">
+                                <a:latin typeface="Cambria Math" panose="02040503050406030204" pitchFamily="18" charset="0"/>
+                              </a:rPr>
+                              <m:t>2</m:t>
+                            </m:r>
+                          </m:sub>
+                        </m:sSub>
+                        <m:r>
+                          <a:rPr lang="es-PE" sz="2000" b="0" i="1" smtClean="0">
+                            <a:latin typeface="Cambria Math" panose="02040503050406030204" pitchFamily="18" charset="0"/>
+                          </a:rPr>
+                          <m:t>≥2</m:t>
+                        </m:r>
+                      </m:e>
+                    </m:d>
+                  </m:oMath>
+                </a14:m>
+                <a:r>
+                  <a:rPr lang="es-MX" sz="2000" dirty="0"/>
+                  <a:t>.</a:t>
+                </a:r>
+              </a:p>
+            </p:txBody>
+          </p:sp>
+        </mc:Choice>
+        <mc:Fallback>
+          <p:sp>
+            <p:nvSpPr>
+              <p:cNvPr id="10" name="CuadroTexto 4">
+                <a:extLst>
+                  <a:ext uri="{FF2B5EF4-FFF2-40B4-BE49-F238E27FC236}">
+                    <a16:creationId xmlns:a16="http://schemas.microsoft.com/office/drawing/2014/main" id="{0EE2E59A-EFC5-4F7D-8B1B-CDE02E4D869C}"/>
+                  </a:ext>
+                </a:extLst>
+              </p:cNvPr>
+              <p:cNvSpPr txBox="1">
+                <a:spLocks noRot="1" noChangeAspect="1" noMove="1" noResize="1" noEditPoints="1" noAdjustHandles="1" noChangeArrowheads="1" noChangeShapeType="1" noTextEdit="1"/>
+              </p:cNvSpPr>
+              <p:nvPr/>
+            </p:nvSpPr>
+            <p:spPr>
+              <a:xfrm>
+                <a:off x="602191" y="836712"/>
+                <a:ext cx="8362297" cy="1015663"/>
+              </a:xfrm>
+              <a:prstGeom prst="rect">
+                <a:avLst/>
+              </a:prstGeom>
+              <a:blipFill>
+                <a:blip r:embed="rId2"/>
+                <a:stretch>
+                  <a:fillRect l="-656" t="-3593" b="-10778"/>
+                </a:stretch>
+              </a:blipFill>
+            </p:spPr>
+            <p:txBody>
+              <a:bodyPr/>
+              <a:lstStyle/>
+              <a:p>
+                <a:r>
+                  <a:rPr lang="es-PE">
+                    <a:noFill/>
+                  </a:rPr>
+                  <a:t> </a:t>
+                </a:r>
+              </a:p>
+            </p:txBody>
+          </p:sp>
+        </mc:Fallback>
+      </mc:AlternateContent>
+      <p:pic>
+        <p:nvPicPr>
+          <p:cNvPr id="4" name="Picture 3">
+            <a:extLst>
+              <a:ext uri="{FF2B5EF4-FFF2-40B4-BE49-F238E27FC236}">
+                <a16:creationId xmlns:a16="http://schemas.microsoft.com/office/drawing/2014/main" id="{823B7CAB-0219-4435-AB62-717D8CCB0FA1}"/>
+              </a:ext>
+            </a:extLst>
+          </p:cNvPr>
+          <p:cNvPicPr>
+            <a:picLocks noChangeAspect="1"/>
+          </p:cNvPicPr>
+          <p:nvPr/>
+        </p:nvPicPr>
+        <p:blipFill>
+          <a:blip r:embed="rId3"/>
+          <a:stretch>
+            <a:fillRect/>
+          </a:stretch>
+        </p:blipFill>
+        <p:spPr>
+          <a:xfrm>
+            <a:off x="499079" y="1753256"/>
+            <a:ext cx="8145842" cy="4268031"/>
+          </a:xfrm>
+          <a:prstGeom prst="rect">
+            <a:avLst/>
+          </a:prstGeom>
+        </p:spPr>
+      </p:pic>
+    </p:spTree>
+    <p:extLst>
+      <p:ext uri="{BB962C8B-B14F-4D97-AF65-F5344CB8AC3E}">
+        <p14:creationId xmlns:p14="http://schemas.microsoft.com/office/powerpoint/2010/main" val="3632187526"/>
+      </p:ext>
+    </p:extLst>
+  </p:cSld>
+  <p:clrMapOvr>
+    <a:masterClrMapping/>
+  </p:clrMapOvr>
+  <p:transition spd="slow">
+    <p:fade/>
+  </p:transition>
+</p:sld>
+</file>
+
+<file path=ppt/slides/slide15.xml><?xml version="1.0" encoding="utf-8"?>
+<p:sld xmlns:a="http://schemas.openxmlformats.org/drawingml/2006/main" xmlns:r="http://schemas.openxmlformats.org/officeDocument/2006/relationships" xmlns:p="http://schemas.openxmlformats.org/presentationml/2006/main">
+  <p:cSld>
+    <p:spTree>
+      <p:nvGrpSpPr>
+        <p:cNvPr id="1" name=""/>
+        <p:cNvGrpSpPr/>
+        <p:nvPr/>
+      </p:nvGrpSpPr>
+      <p:grpSpPr>
+        <a:xfrm>
+          <a:off x="0" y="0"/>
+          <a:ext cx="0" cy="0"/>
+          <a:chOff x="0" y="0"/>
+          <a:chExt cx="0" cy="0"/>
+        </a:xfrm>
+      </p:grpSpPr>
+      <p:sp>
+        <p:nvSpPr>
+          <p:cNvPr id="2" name="Marcador de número de diapositiva 1"/>
+          <p:cNvSpPr>
+            <a:spLocks noGrp="1"/>
+          </p:cNvSpPr>
+          <p:nvPr>
+            <p:ph type="sldNum" sz="quarter" idx="12"/>
+          </p:nvPr>
+        </p:nvSpPr>
+        <p:spPr/>
+        <p:txBody>
+          <a:bodyPr/>
+          <a:lstStyle/>
+          <a:p>
+            <a:fld id="{64BD7E74-CBD2-4D88-9109-2EA8081AE675}" type="slidenum">
+              <a:rPr lang="es-ES" smtClean="0"/>
+              <a:pPr/>
+              <a:t>15</a:t>
+            </a:fld>
+            <a:endParaRPr lang="es-ES"/>
+          </a:p>
+        </p:txBody>
+      </p:sp>
+      <p:sp>
+        <p:nvSpPr>
+          <p:cNvPr id="3" name="4 Título"/>
+          <p:cNvSpPr txBox="1">
+            <a:spLocks/>
+          </p:cNvSpPr>
+          <p:nvPr/>
+        </p:nvSpPr>
+        <p:spPr>
+          <a:xfrm>
+            <a:off x="611560" y="188640"/>
+            <a:ext cx="8784976" cy="457120"/>
+          </a:xfrm>
+          <a:prstGeom prst="rect">
+            <a:avLst/>
+          </a:prstGeom>
+        </p:spPr>
+        <p:txBody>
+          <a:bodyPr bIns="91440" anchor="b" anchorCtr="0">
+            <a:noAutofit/>
+          </a:bodyPr>
+          <a:lstStyle>
+            <a:lvl1pPr>
+              <a:spcBef>
+                <a:spcPct val="0"/>
+              </a:spcBef>
+              <a:buNone/>
+              <a:defRPr kumimoji="0" sz="2400">
+                <a:ln w="0"/>
+                <a:solidFill>
+                  <a:schemeClr val="tx2"/>
+                </a:solidFill>
+                <a:effectLst>
+                  <a:outerShdw blurRad="38100" dist="19050" dir="2700000" algn="tl" rotWithShape="0">
+                    <a:schemeClr val="dk1">
+                      <a:alpha val="40000"/>
+                    </a:schemeClr>
+                  </a:outerShdw>
+                </a:effectLst>
+                <a:latin typeface="+mj-lt"/>
+                <a:ea typeface="+mj-ea"/>
+                <a:cs typeface="+mj-cs"/>
+              </a:defRPr>
+            </a:lvl1pPr>
+          </a:lstStyle>
+          <a:p>
+            <a:r>
+              <a:rPr lang="es-PE" altLang="en-US" dirty="0"/>
+              <a:t>Programación entera mixta</a:t>
+            </a:r>
+          </a:p>
+        </p:txBody>
+      </p:sp>
+      <mc:AlternateContent xmlns:mc="http://schemas.openxmlformats.org/markup-compatibility/2006">
+        <mc:Choice xmlns:a14="http://schemas.microsoft.com/office/drawing/2010/main" Requires="a14">
+          <p:sp>
+            <p:nvSpPr>
+              <p:cNvPr id="10" name="CuadroTexto 4">
+                <a:extLst>
+                  <a:ext uri="{FF2B5EF4-FFF2-40B4-BE49-F238E27FC236}">
+                    <a16:creationId xmlns:a16="http://schemas.microsoft.com/office/drawing/2014/main" id="{0EE2E59A-EFC5-4F7D-8B1B-CDE02E4D869C}"/>
+                  </a:ext>
+                </a:extLst>
+              </p:cNvPr>
+              <p:cNvSpPr txBox="1"/>
+              <p:nvPr/>
+            </p:nvSpPr>
+            <p:spPr>
+              <a:xfrm>
+                <a:off x="602191" y="836712"/>
+                <a:ext cx="8362297" cy="2862322"/>
+              </a:xfrm>
+              <a:prstGeom prst="rect">
+                <a:avLst/>
+              </a:prstGeom>
+              <a:noFill/>
+            </p:spPr>
+            <p:txBody>
+              <a:bodyPr wrap="square" rtlCol="0">
+                <a:spAutoFit/>
+              </a:bodyPr>
+              <a:lstStyle/>
+              <a:p>
+                <a:pPr marL="285750" indent="-285750">
+                  <a:buFont typeface="Arial" panose="020B0604020202020204" pitchFamily="34" charset="0"/>
+                  <a:buChar char="•"/>
+                </a:pPr>
+                <a:r>
+                  <a:rPr lang="es-PE" sz="2000" dirty="0"/>
+                  <a:t>Las aproximaciones de (P3)</a:t>
+                </a:r>
+                <a:r>
+                  <a:rPr lang="es-MX" sz="2000" dirty="0"/>
+                  <a:t> y (P4) son:</a:t>
+                </a:r>
+              </a:p>
+              <a:p>
+                <a:pPr marL="742950" lvl="1" indent="-285750">
+                  <a:buFont typeface="Arial" panose="020B0604020202020204" pitchFamily="34" charset="0"/>
+                  <a:buChar char="•"/>
+                </a:pPr>
+                <a:r>
+                  <a:rPr lang="es-MX" sz="2000" dirty="0"/>
+                  <a:t>(P3) </a:t>
+                </a:r>
+                <a14:m>
+                  <m:oMath xmlns:m="http://schemas.openxmlformats.org/officeDocument/2006/math">
+                    <m:sSub>
+                      <m:sSubPr>
+                        <m:ctrlPr>
+                          <a:rPr lang="es-MX" sz="2000" i="1" smtClean="0">
+                            <a:latin typeface="Cambria Math" panose="02040503050406030204" pitchFamily="18" charset="0"/>
+                          </a:rPr>
+                        </m:ctrlPr>
+                      </m:sSubPr>
+                      <m:e>
+                        <m:r>
+                          <a:rPr lang="es-PE" sz="2000" b="0" i="1" smtClean="0">
+                            <a:latin typeface="Cambria Math" panose="02040503050406030204" pitchFamily="18" charset="0"/>
+                          </a:rPr>
+                          <m:t>𝑥</m:t>
+                        </m:r>
+                      </m:e>
+                      <m:sub>
+                        <m:r>
+                          <a:rPr lang="es-PE" sz="2000" b="0" i="1" smtClean="0">
+                            <a:latin typeface="Cambria Math" panose="02040503050406030204" pitchFamily="18" charset="0"/>
+                          </a:rPr>
+                          <m:t>1</m:t>
+                        </m:r>
+                      </m:sub>
+                    </m:sSub>
+                    <m:r>
+                      <a:rPr lang="es-PE" sz="2000" b="0" i="1" smtClean="0">
+                        <a:latin typeface="Cambria Math" panose="02040503050406030204" pitchFamily="18" charset="0"/>
+                      </a:rPr>
+                      <m:t>=3,17, </m:t>
+                    </m:r>
+                    <m:sSub>
+                      <m:sSubPr>
+                        <m:ctrlPr>
+                          <a:rPr lang="es-MX" sz="2000" i="1">
+                            <a:latin typeface="Cambria Math" panose="02040503050406030204" pitchFamily="18" charset="0"/>
+                          </a:rPr>
+                        </m:ctrlPr>
+                      </m:sSubPr>
+                      <m:e>
+                        <m:r>
+                          <a:rPr lang="es-PE" sz="2000" i="1">
+                            <a:latin typeface="Cambria Math" panose="02040503050406030204" pitchFamily="18" charset="0"/>
+                          </a:rPr>
+                          <m:t>𝑥</m:t>
+                        </m:r>
+                      </m:e>
+                      <m:sub>
+                        <m:r>
+                          <a:rPr lang="es-PE" sz="2000" b="0" i="1" smtClean="0">
+                            <a:latin typeface="Cambria Math" panose="02040503050406030204" pitchFamily="18" charset="0"/>
+                          </a:rPr>
+                          <m:t>2</m:t>
+                        </m:r>
+                      </m:sub>
+                    </m:sSub>
+                    <m:r>
+                      <a:rPr lang="es-PE" sz="2000" i="1">
+                        <a:latin typeface="Cambria Math" panose="02040503050406030204" pitchFamily="18" charset="0"/>
+                      </a:rPr>
+                      <m:t>=</m:t>
+                    </m:r>
+                    <m:r>
+                      <a:rPr lang="es-PE" sz="2000" b="0" i="1" smtClean="0">
+                        <a:latin typeface="Cambria Math" panose="02040503050406030204" pitchFamily="18" charset="0"/>
+                      </a:rPr>
+                      <m:t>1</m:t>
+                    </m:r>
+                  </m:oMath>
+                </a14:m>
+                <a:r>
+                  <a:rPr lang="es-MX" sz="2000" dirty="0"/>
+                  <a:t> y </a:t>
+                </a:r>
+                <a14:m>
+                  <m:oMath xmlns:m="http://schemas.openxmlformats.org/officeDocument/2006/math">
+                    <m:r>
+                      <a:rPr lang="es-PE" sz="2000" i="1">
+                        <a:latin typeface="Cambria Math" panose="02040503050406030204" pitchFamily="18" charset="0"/>
+                      </a:rPr>
+                      <m:t>𝑣</m:t>
+                    </m:r>
+                    <m:r>
+                      <a:rPr lang="es-PE" sz="2000" i="1">
+                        <a:latin typeface="Cambria Math" panose="02040503050406030204" pitchFamily="18" charset="0"/>
+                      </a:rPr>
+                      <m:t>=</m:t>
+                    </m:r>
+                    <m:r>
+                      <a:rPr lang="es-PE" sz="2000" b="0" i="1" smtClean="0">
+                        <a:latin typeface="Cambria Math" panose="02040503050406030204" pitchFamily="18" charset="0"/>
+                      </a:rPr>
+                      <m:t>7,33</m:t>
+                    </m:r>
+                  </m:oMath>
+                </a14:m>
+                <a:endParaRPr lang="es-MX" sz="2000" dirty="0"/>
+              </a:p>
+              <a:p>
+                <a:pPr marL="742950" lvl="1" indent="-285750">
+                  <a:buFont typeface="Arial" panose="020B0604020202020204" pitchFamily="34" charset="0"/>
+                  <a:buChar char="•"/>
+                </a:pPr>
+                <a:r>
+                  <a:rPr lang="es-MX" sz="2000" dirty="0"/>
+                  <a:t>(P4) Invariable</a:t>
+                </a:r>
+              </a:p>
+              <a:p>
+                <a:pPr marL="285750" indent="-285750">
+                  <a:buFont typeface="Arial" panose="020B0604020202020204" pitchFamily="34" charset="0"/>
+                  <a:buChar char="•"/>
+                </a:pPr>
+                <a:r>
+                  <a:rPr lang="es-MX" sz="2000" dirty="0"/>
+                  <a:t>La ramificación, algún problema puede no ser viable, ramificaciones de este problema no son posibles;</a:t>
+                </a:r>
+              </a:p>
+              <a:p>
+                <a:pPr marL="285750" indent="-285750">
+                  <a:buFont typeface="Arial" panose="020B0604020202020204" pitchFamily="34" charset="0"/>
+                  <a:buChar char="•"/>
+                </a:pPr>
+                <a:r>
+                  <a:rPr lang="es-MX" sz="2000" dirty="0"/>
+                  <a:t>Pero todavía no es posible descartar el problema P3.</a:t>
+                </a:r>
+              </a:p>
+              <a:p>
+                <a:pPr marL="285750" indent="-285750">
+                  <a:buFont typeface="Arial" panose="020B0604020202020204" pitchFamily="34" charset="0"/>
+                  <a:buChar char="•"/>
+                </a:pPr>
+                <a:r>
+                  <a:rPr lang="es-MX" sz="2000" dirty="0"/>
+                  <a:t>La aproximación (P3)´no es integral. Una nueva ramificación es necesaria;</a:t>
+                </a:r>
+              </a:p>
+              <a:p>
+                <a:pPr marL="285750" indent="-285750">
+                  <a:buFont typeface="Arial" panose="020B0604020202020204" pitchFamily="34" charset="0"/>
+                  <a:buChar char="•"/>
+                </a:pPr>
+                <a:r>
+                  <a:rPr lang="es-MX" sz="2000" dirty="0"/>
+                  <a:t>Note que: si existen mas de una aproximación no integrales. Una nueva ramificación es necesaria; se ramifica el problema cuyo valor óptimo </a:t>
+                </a:r>
+                <a14:m>
+                  <m:oMath xmlns:m="http://schemas.openxmlformats.org/officeDocument/2006/math">
+                    <m:r>
+                      <a:rPr lang="es-PE" sz="2000" i="1">
+                        <a:latin typeface="Cambria Math" panose="02040503050406030204" pitchFamily="18" charset="0"/>
+                      </a:rPr>
+                      <m:t>𝑣</m:t>
+                    </m:r>
+                  </m:oMath>
+                </a14:m>
+                <a:r>
+                  <a:rPr lang="es-MX" sz="2000" dirty="0"/>
+                  <a:t> este mas próximo de LS;</a:t>
+                </a:r>
+              </a:p>
+            </p:txBody>
+          </p:sp>
+        </mc:Choice>
+        <mc:Fallback>
+          <p:sp>
+            <p:nvSpPr>
+              <p:cNvPr id="10" name="CuadroTexto 4">
+                <a:extLst>
+                  <a:ext uri="{FF2B5EF4-FFF2-40B4-BE49-F238E27FC236}">
+                    <a16:creationId xmlns:a16="http://schemas.microsoft.com/office/drawing/2014/main" id="{0EE2E59A-EFC5-4F7D-8B1B-CDE02E4D869C}"/>
+                  </a:ext>
+                </a:extLst>
+              </p:cNvPr>
+              <p:cNvSpPr txBox="1">
+                <a:spLocks noRot="1" noChangeAspect="1" noMove="1" noResize="1" noEditPoints="1" noAdjustHandles="1" noChangeArrowheads="1" noChangeShapeType="1" noTextEdit="1"/>
+              </p:cNvSpPr>
+              <p:nvPr/>
+            </p:nvSpPr>
+            <p:spPr>
+              <a:xfrm>
+                <a:off x="602191" y="836712"/>
+                <a:ext cx="8362297" cy="2862322"/>
+              </a:xfrm>
+              <a:prstGeom prst="rect">
+                <a:avLst/>
+              </a:prstGeom>
+              <a:blipFill>
+                <a:blip r:embed="rId2"/>
+                <a:stretch>
+                  <a:fillRect l="-656" t="-1277" r="-219" b="-3191"/>
+                </a:stretch>
+              </a:blipFill>
+            </p:spPr>
+            <p:txBody>
+              <a:bodyPr/>
+              <a:lstStyle/>
+              <a:p>
+                <a:r>
+                  <a:rPr lang="es-PE">
+                    <a:noFill/>
+                  </a:rPr>
+                  <a:t> </a:t>
+                </a:r>
+              </a:p>
+            </p:txBody>
+          </p:sp>
+        </mc:Fallback>
+      </mc:AlternateContent>
+    </p:spTree>
+    <p:extLst>
+      <p:ext uri="{BB962C8B-B14F-4D97-AF65-F5344CB8AC3E}">
+        <p14:creationId xmlns:p14="http://schemas.microsoft.com/office/powerpoint/2010/main" val="94204818"/>
+      </p:ext>
+    </p:extLst>
+  </p:cSld>
+  <p:clrMapOvr>
+    <a:masterClrMapping/>
+  </p:clrMapOvr>
+  <p:transition spd="slow">
+    <p:fade/>
+  </p:transition>
+</p:sld>
+</file>
+
+<file path=ppt/slides/slide16.xml><?xml version="1.0" encoding="utf-8"?>
+<p:sld xmlns:a="http://schemas.openxmlformats.org/drawingml/2006/main" xmlns:r="http://schemas.openxmlformats.org/officeDocument/2006/relationships" xmlns:p="http://schemas.openxmlformats.org/presentationml/2006/main">
+  <p:cSld>
+    <p:spTree>
+      <p:nvGrpSpPr>
+        <p:cNvPr id="1" name=""/>
+        <p:cNvGrpSpPr/>
+        <p:nvPr/>
+      </p:nvGrpSpPr>
+      <p:grpSpPr>
+        <a:xfrm>
+          <a:off x="0" y="0"/>
+          <a:ext cx="0" cy="0"/>
+          <a:chOff x="0" y="0"/>
+          <a:chExt cx="0" cy="0"/>
+        </a:xfrm>
+      </p:grpSpPr>
+      <p:sp>
+        <p:nvSpPr>
           <p:cNvPr id="3" name="Marcador de número de diapositiva 2"/>
           <p:cNvSpPr>
             <a:spLocks noGrp="1"/>
@@ -5912,7 +8040,7 @@
             <a:fld id="{64BD7E74-CBD2-4D88-9109-2EA8081AE675}" type="slidenum">
               <a:rPr lang="es-ES" smtClean="0"/>
               <a:pPr/>
-              <a:t>13</a:t>
+              <a:t>16</a:t>
             </a:fld>
             <a:endParaRPr lang="es-ES"/>
           </a:p>

--- a/1. Lectures/Introducción a la Optimización aplicada a Sistemas de Energía Eléctrica/Dia 1/4. Programación Lineal (2).pptx
+++ b/1. Lectures/Introducción a la Optimización aplicada a Sistemas de Energía Eléctrica/Dia 1/4. Programación Lineal (2).pptx
@@ -5,10 +5,10 @@
     <p:sldMasterId id="2147483732" r:id="rId1"/>
   </p:sldMasterIdLst>
   <p:notesMasterIdLst>
-    <p:notesMasterId r:id="rId18"/>
+    <p:notesMasterId r:id="rId19"/>
   </p:notesMasterIdLst>
   <p:handoutMasterIdLst>
-    <p:handoutMasterId r:id="rId19"/>
+    <p:handoutMasterId r:id="rId20"/>
   </p:handoutMasterIdLst>
   <p:sldIdLst>
     <p:sldId id="256" r:id="rId2"/>
@@ -26,7 +26,8 @@
     <p:sldId id="434" r:id="rId14"/>
     <p:sldId id="435" r:id="rId15"/>
     <p:sldId id="436" r:id="rId16"/>
-    <p:sldId id="305" r:id="rId17"/>
+    <p:sldId id="437" r:id="rId17"/>
+    <p:sldId id="305" r:id="rId18"/>
   </p:sldIdLst>
   <p:sldSz cx="9144000" cy="6858000" type="screen4x3"/>
   <p:notesSz cx="6858000" cy="9144000"/>
@@ -145,6 +146,7 @@
             <p14:sldId id="434"/>
             <p14:sldId id="435"/>
             <p14:sldId id="436"/>
+            <p14:sldId id="437"/>
             <p14:sldId id="305"/>
           </p14:sldIdLst>
         </p14:section>
@@ -5599,8 +5601,8 @@
           </a:p>
         </p:txBody>
       </p:sp>
-      <mc:AlternateContent xmlns:mc="http://schemas.openxmlformats.org/markup-compatibility/2006">
-        <mc:Choice xmlns:a14="http://schemas.microsoft.com/office/drawing/2010/main" Requires="a14">
+      <mc:AlternateContent xmlns:mc="http://schemas.openxmlformats.org/markup-compatibility/2006" xmlns:a14="http://schemas.microsoft.com/office/drawing/2010/main">
+        <mc:Choice Requires="a14">
           <p:sp>
             <p:nvSpPr>
               <p:cNvPr id="10" name="CuadroTexto 4">
@@ -6063,7 +6065,7 @@
             </p:txBody>
           </p:sp>
         </mc:Choice>
-        <mc:Fallback>
+        <mc:Fallback xmlns="">
           <p:sp>
             <p:nvSpPr>
               <p:cNvPr id="10" name="CuadroTexto 4">
@@ -6218,8 +6220,8 @@
           </a:p>
         </p:txBody>
       </p:sp>
-      <mc:AlternateContent xmlns:mc="http://schemas.openxmlformats.org/markup-compatibility/2006">
-        <mc:Choice xmlns:a14="http://schemas.microsoft.com/office/drawing/2010/main" Requires="a14">
+      <mc:AlternateContent xmlns:mc="http://schemas.openxmlformats.org/markup-compatibility/2006" xmlns:a14="http://schemas.microsoft.com/office/drawing/2010/main">
+        <mc:Choice Requires="a14">
           <p:sp>
             <p:nvSpPr>
               <p:cNvPr id="10" name="CuadroTexto 4">
@@ -6469,7 +6471,7 @@
             </p:txBody>
           </p:sp>
         </mc:Choice>
-        <mc:Fallback>
+        <mc:Fallback xmlns="">
           <p:sp>
             <p:nvSpPr>
               <p:cNvPr id="10" name="CuadroTexto 4">
@@ -6807,7 +6809,7 @@
                 </a:pPr>
                 <a:r>
                   <a:rPr lang="es-MX" sz="2000" dirty="0"/>
-                  <a:t>(P1) </a:t>
+                  <a:t>(P2) </a:t>
                 </a:r>
                 <a14:m>
                   <m:oMath xmlns:m="http://schemas.openxmlformats.org/officeDocument/2006/math">
@@ -6909,13 +6911,7 @@
                       <a:rPr lang="es-PE" sz="2000" i="1">
                         <a:latin typeface="Cambria Math" panose="02040503050406030204" pitchFamily="18" charset="0"/>
                       </a:rPr>
-                      <m:t>=</m:t>
-                    </m:r>
-                    <m:r>
-                      <a:rPr lang="es-PE" sz="2000" b="0" i="1" smtClean="0">
-                        <a:latin typeface="Cambria Math" panose="02040503050406030204" pitchFamily="18" charset="0"/>
-                      </a:rPr>
-                      <m:t>7,5</m:t>
+                      <m:t>=7,5</m:t>
                     </m:r>
                   </m:oMath>
                 </a14:m>
@@ -7283,8 +7279,8 @@
           </a:p>
         </p:txBody>
       </p:sp>
-      <mc:AlternateContent xmlns:mc="http://schemas.openxmlformats.org/markup-compatibility/2006">
-        <mc:Choice xmlns:a14="http://schemas.microsoft.com/office/drawing/2010/main" Requires="a14">
+      <mc:AlternateContent xmlns:mc="http://schemas.openxmlformats.org/markup-compatibility/2006" xmlns:a14="http://schemas.microsoft.com/office/drawing/2010/main">
+        <mc:Choice Requires="a14">
           <p:sp>
             <p:nvSpPr>
               <p:cNvPr id="10" name="CuadroTexto 4">
@@ -7540,7 +7536,7 @@
             </p:txBody>
           </p:sp>
         </mc:Choice>
-        <mc:Fallback>
+        <mc:Fallback xmlns="">
           <p:sp>
             <p:nvSpPr>
               <p:cNvPr id="10" name="CuadroTexto 4">
@@ -7725,8 +7721,8 @@
           </a:p>
         </p:txBody>
       </p:sp>
-      <mc:AlternateContent xmlns:mc="http://schemas.openxmlformats.org/markup-compatibility/2006">
-        <mc:Choice xmlns:a14="http://schemas.microsoft.com/office/drawing/2010/main" Requires="a14">
+      <mc:AlternateContent xmlns:mc="http://schemas.openxmlformats.org/markup-compatibility/2006" xmlns:a14="http://schemas.microsoft.com/office/drawing/2010/main">
+        <mc:Choice Requires="a14">
           <p:sp>
             <p:nvSpPr>
               <p:cNvPr id="10" name="CuadroTexto 4">
@@ -7865,13 +7861,7 @@
                       <a:rPr lang="es-PE" sz="2000" i="1">
                         <a:latin typeface="Cambria Math" panose="02040503050406030204" pitchFamily="18" charset="0"/>
                       </a:rPr>
-                      <m:t>=</m:t>
-                    </m:r>
-                    <m:r>
-                      <a:rPr lang="es-PE" sz="2000" b="0" i="1" smtClean="0">
-                        <a:latin typeface="Cambria Math" panose="02040503050406030204" pitchFamily="18" charset="0"/>
-                      </a:rPr>
-                      <m:t>7,33</m:t>
+                      <m:t>=7,33</m:t>
                     </m:r>
                   </m:oMath>
                 </a14:m>
@@ -7944,7 +7934,7 @@
             </p:txBody>
           </p:sp>
         </mc:Choice>
-        <mc:Fallback>
+        <mc:Fallback xmlns="">
           <p:sp>
             <p:nvSpPr>
               <p:cNvPr id="10" name="CuadroTexto 4">
@@ -7971,6 +7961,112 @@
                 <a:blip r:embed="rId2"/>
                 <a:stretch>
                   <a:fillRect l="-656" t="-1277" r="-219" b="-3191"/>
+                </a:stretch>
+              </a:blipFill>
+            </p:spPr>
+            <p:txBody>
+              <a:bodyPr/>
+              <a:lstStyle/>
+              <a:p>
+                <a:r>
+                  <a:rPr lang="es-PE">
+                    <a:noFill/>
+                  </a:rPr>
+                  <a:t> </a:t>
+                </a:r>
+              </a:p>
+            </p:txBody>
+          </p:sp>
+        </mc:Fallback>
+      </mc:AlternateContent>
+      <mc:AlternateContent xmlns:mc="http://schemas.openxmlformats.org/markup-compatibility/2006">
+        <mc:Choice xmlns:a14="http://schemas.microsoft.com/office/drawing/2010/main" Requires="a14">
+          <p:sp>
+            <p:nvSpPr>
+              <p:cNvPr id="4" name="Rectangle 3">
+                <a:extLst>
+                  <a:ext uri="{FF2B5EF4-FFF2-40B4-BE49-F238E27FC236}">
+                    <a16:creationId xmlns:a16="http://schemas.microsoft.com/office/drawing/2014/main" id="{75CB9E7A-DA6B-4F00-976C-2DF46CE5672C}"/>
+                  </a:ext>
+                </a:extLst>
+              </p:cNvPr>
+              <p:cNvSpPr/>
+              <p:nvPr/>
+            </p:nvSpPr>
+            <p:spPr>
+              <a:xfrm>
+                <a:off x="4173333" y="3244334"/>
+                <a:ext cx="797334" cy="369332"/>
+              </a:xfrm>
+              <a:prstGeom prst="rect">
+                <a:avLst/>
+              </a:prstGeom>
+            </p:spPr>
+            <p:txBody>
+              <a:bodyPr wrap="none">
+                <a:spAutoFit/>
+              </a:bodyPr>
+              <a:lstStyle/>
+              <a:p>
+                <a14:m>
+                  <m:oMathPara xmlns:m="http://schemas.openxmlformats.org/officeDocument/2006/math">
+                    <m:oMathParaPr>
+                      <m:jc m:val="centerGroup"/>
+                    </m:oMathParaPr>
+                    <m:oMath xmlns:m="http://schemas.openxmlformats.org/officeDocument/2006/math">
+                      <m:r>
+                        <a:rPr lang="es-PE" i="1">
+                          <a:latin typeface="Cambria Math" panose="02040503050406030204" pitchFamily="18" charset="0"/>
+                        </a:rPr>
+                        <m:t>𝑣</m:t>
+                      </m:r>
+                      <m:r>
+                        <a:rPr lang="es-PE" i="1">
+                          <a:latin typeface="Cambria Math" panose="02040503050406030204" pitchFamily="18" charset="0"/>
+                        </a:rPr>
+                        <m:t>=</m:t>
+                      </m:r>
+                      <m:r>
+                        <a:rPr lang="es-PE" i="1">
+                          <a:latin typeface="Cambria Math" panose="02040503050406030204" pitchFamily="18" charset="0"/>
+                        </a:rPr>
+                        <m:t>6</m:t>
+                      </m:r>
+                    </m:oMath>
+                  </m:oMathPara>
+                </a14:m>
+                <a:endParaRPr lang="es-PE" dirty="0"/>
+              </a:p>
+            </p:txBody>
+          </p:sp>
+        </mc:Choice>
+        <mc:Fallback>
+          <p:sp>
+            <p:nvSpPr>
+              <p:cNvPr id="4" name="Rectangle 3">
+                <a:extLst>
+                  <a:ext uri="{FF2B5EF4-FFF2-40B4-BE49-F238E27FC236}">
+                    <a16:creationId xmlns:a16="http://schemas.microsoft.com/office/drawing/2014/main" id="{75CB9E7A-DA6B-4F00-976C-2DF46CE5672C}"/>
+                  </a:ext>
+                </a:extLst>
+              </p:cNvPr>
+              <p:cNvSpPr>
+                <a:spLocks noRot="1" noChangeAspect="1" noMove="1" noResize="1" noEditPoints="1" noAdjustHandles="1" noChangeArrowheads="1" noChangeShapeType="1" noTextEdit="1"/>
+              </p:cNvSpPr>
+              <p:nvPr/>
+            </p:nvSpPr>
+            <p:spPr>
+              <a:xfrm>
+                <a:off x="4173333" y="3244334"/>
+                <a:ext cx="797334" cy="369332"/>
+              </a:xfrm>
+              <a:prstGeom prst="rect">
+                <a:avLst/>
+              </a:prstGeom>
+              <a:blipFill>
+                <a:blip r:embed="rId3"/>
+                <a:stretch>
+                  <a:fillRect/>
                 </a:stretch>
               </a:blipFill>
             </p:spPr>
@@ -8024,6 +8120,466 @@
       </p:grpSpPr>
       <p:sp>
         <p:nvSpPr>
+          <p:cNvPr id="2" name="Marcador de número de diapositiva 1"/>
+          <p:cNvSpPr>
+            <a:spLocks noGrp="1"/>
+          </p:cNvSpPr>
+          <p:nvPr>
+            <p:ph type="sldNum" sz="quarter" idx="12"/>
+          </p:nvPr>
+        </p:nvSpPr>
+        <p:spPr/>
+        <p:txBody>
+          <a:bodyPr/>
+          <a:lstStyle/>
+          <a:p>
+            <a:fld id="{64BD7E74-CBD2-4D88-9109-2EA8081AE675}" type="slidenum">
+              <a:rPr lang="es-ES" smtClean="0"/>
+              <a:pPr/>
+              <a:t>16</a:t>
+            </a:fld>
+            <a:endParaRPr lang="es-ES"/>
+          </a:p>
+        </p:txBody>
+      </p:sp>
+      <p:sp>
+        <p:nvSpPr>
+          <p:cNvPr id="3" name="4 Título"/>
+          <p:cNvSpPr txBox="1">
+            <a:spLocks/>
+          </p:cNvSpPr>
+          <p:nvPr/>
+        </p:nvSpPr>
+        <p:spPr>
+          <a:xfrm>
+            <a:off x="611560" y="188640"/>
+            <a:ext cx="8784976" cy="457120"/>
+          </a:xfrm>
+          <a:prstGeom prst="rect">
+            <a:avLst/>
+          </a:prstGeom>
+        </p:spPr>
+        <p:txBody>
+          <a:bodyPr bIns="91440" anchor="b" anchorCtr="0">
+            <a:noAutofit/>
+          </a:bodyPr>
+          <a:lstStyle>
+            <a:lvl1pPr>
+              <a:spcBef>
+                <a:spcPct val="0"/>
+              </a:spcBef>
+              <a:buNone/>
+              <a:defRPr kumimoji="0" sz="2400">
+                <a:ln w="0"/>
+                <a:solidFill>
+                  <a:schemeClr val="tx2"/>
+                </a:solidFill>
+                <a:effectLst>
+                  <a:outerShdw blurRad="38100" dist="19050" dir="2700000" algn="tl" rotWithShape="0">
+                    <a:schemeClr val="dk1">
+                      <a:alpha val="40000"/>
+                    </a:schemeClr>
+                  </a:outerShdw>
+                </a:effectLst>
+                <a:latin typeface="+mj-lt"/>
+                <a:ea typeface="+mj-ea"/>
+                <a:cs typeface="+mj-cs"/>
+              </a:defRPr>
+            </a:lvl1pPr>
+          </a:lstStyle>
+          <a:p>
+            <a:r>
+              <a:rPr lang="es-PE" altLang="en-US" dirty="0"/>
+              <a:t>Programación entera mixta</a:t>
+            </a:r>
+          </a:p>
+        </p:txBody>
+      </p:sp>
+      <mc:AlternateContent xmlns:mc="http://schemas.openxmlformats.org/markup-compatibility/2006">
+        <mc:Choice xmlns:a14="http://schemas.microsoft.com/office/drawing/2010/main" Requires="a14">
+          <p:sp>
+            <p:nvSpPr>
+              <p:cNvPr id="10" name="CuadroTexto 4">
+                <a:extLst>
+                  <a:ext uri="{FF2B5EF4-FFF2-40B4-BE49-F238E27FC236}">
+                    <a16:creationId xmlns:a16="http://schemas.microsoft.com/office/drawing/2014/main" id="{0EE2E59A-EFC5-4F7D-8B1B-CDE02E4D869C}"/>
+                  </a:ext>
+                </a:extLst>
+              </p:cNvPr>
+              <p:cNvSpPr txBox="1"/>
+              <p:nvPr/>
+            </p:nvSpPr>
+            <p:spPr>
+              <a:xfrm>
+                <a:off x="602191" y="836712"/>
+                <a:ext cx="8362297" cy="1015663"/>
+              </a:xfrm>
+              <a:prstGeom prst="rect">
+                <a:avLst/>
+              </a:prstGeom>
+              <a:noFill/>
+            </p:spPr>
+            <p:txBody>
+              <a:bodyPr wrap="square" rtlCol="0">
+                <a:spAutoFit/>
+              </a:bodyPr>
+              <a:lstStyle/>
+              <a:p>
+                <a:pPr marL="285750" indent="-285750">
+                  <a:buFont typeface="Arial" panose="020B0604020202020204" pitchFamily="34" charset="0"/>
+                  <a:buChar char="•"/>
+                </a:pPr>
+                <a:r>
+                  <a:rPr lang="es-MX" sz="2000" dirty="0"/>
+                  <a:t>Método de ramificación y limitación (Branch &amp; </a:t>
+                </a:r>
+                <a:r>
+                  <a:rPr lang="es-MX" sz="2000" dirty="0" err="1"/>
+                  <a:t>Bound</a:t>
+                </a:r>
+                <a:r>
+                  <a:rPr lang="es-MX" sz="2000" dirty="0"/>
+                  <a:t>)</a:t>
+                </a:r>
+              </a:p>
+              <a:p>
+                <a:pPr marL="285750" indent="-285750">
+                  <a:buFont typeface="Arial" panose="020B0604020202020204" pitchFamily="34" charset="0"/>
+                  <a:buChar char="•"/>
+                </a:pPr>
+                <a:r>
+                  <a:rPr lang="es-MX" sz="2000" dirty="0"/>
+                  <a:t>Paso 4: Escoger la variable </a:t>
+                </a:r>
+                <a14:m>
+                  <m:oMath xmlns:m="http://schemas.openxmlformats.org/officeDocument/2006/math">
+                    <m:sSub>
+                      <m:sSubPr>
+                        <m:ctrlPr>
+                          <a:rPr lang="es-PE" sz="2000" i="1">
+                            <a:latin typeface="Cambria Math" panose="02040503050406030204" pitchFamily="18" charset="0"/>
+                          </a:rPr>
+                        </m:ctrlPr>
+                      </m:sSubPr>
+                      <m:e>
+                        <m:r>
+                          <a:rPr lang="es-PE" sz="2000" b="0" i="1" smtClean="0">
+                            <a:latin typeface="Cambria Math" panose="02040503050406030204" pitchFamily="18" charset="0"/>
+                          </a:rPr>
+                          <m:t>𝑥</m:t>
+                        </m:r>
+                      </m:e>
+                      <m:sub>
+                        <m:r>
+                          <a:rPr lang="es-PE" sz="2000" b="0" i="1" smtClean="0">
+                            <a:latin typeface="Cambria Math" panose="02040503050406030204" pitchFamily="18" charset="0"/>
+                          </a:rPr>
+                          <m:t>1</m:t>
+                        </m:r>
+                      </m:sub>
+                    </m:sSub>
+                  </m:oMath>
+                </a14:m>
+                <a:r>
+                  <a:rPr lang="es-MX" sz="2000" dirty="0"/>
+                  <a:t>  para dividir y resolver los problemas de PL: </a:t>
+                </a:r>
+                <a14:m>
+                  <m:oMath xmlns:m="http://schemas.openxmlformats.org/officeDocument/2006/math">
+                    <m:r>
+                      <a:rPr lang="es-PE" sz="2000" b="0" i="1" smtClean="0">
+                        <a:latin typeface="Cambria Math" panose="02040503050406030204" pitchFamily="18" charset="0"/>
+                      </a:rPr>
+                      <m:t>𝑃</m:t>
+                    </m:r>
+                    <m:r>
+                      <a:rPr lang="es-PE" sz="2000" b="0" i="1" smtClean="0">
+                        <a:latin typeface="Cambria Math" panose="02040503050406030204" pitchFamily="18" charset="0"/>
+                      </a:rPr>
+                      <m:t>5</m:t>
+                    </m:r>
+                    <m:r>
+                      <a:rPr lang="es-PE" sz="2000" b="0" i="1" smtClean="0">
+                        <a:latin typeface="Cambria Math" panose="02040503050406030204" pitchFamily="18" charset="0"/>
+                      </a:rPr>
+                      <m:t> </m:t>
+                    </m:r>
+                    <m:d>
+                      <m:dPr>
+                        <m:ctrlPr>
+                          <a:rPr lang="es-PE" sz="2000" b="0" i="1" smtClean="0">
+                            <a:latin typeface="Cambria Math" panose="02040503050406030204" pitchFamily="18" charset="0"/>
+                          </a:rPr>
+                        </m:ctrlPr>
+                      </m:dPr>
+                      <m:e>
+                        <m:r>
+                          <a:rPr lang="es-PE" sz="2000" b="0" i="1" smtClean="0">
+                            <a:latin typeface="Cambria Math" panose="02040503050406030204" pitchFamily="18" charset="0"/>
+                          </a:rPr>
+                          <m:t>𝑃</m:t>
+                        </m:r>
+                        <m:r>
+                          <a:rPr lang="es-PE" sz="2000" b="0" i="1" smtClean="0">
+                            <a:latin typeface="Cambria Math" panose="02040503050406030204" pitchFamily="18" charset="0"/>
+                          </a:rPr>
+                          <m:t>3</m:t>
+                        </m:r>
+                        <m:r>
+                          <a:rPr lang="es-PE" sz="2000" b="0" i="1" smtClean="0">
+                            <a:latin typeface="Cambria Math" panose="02040503050406030204" pitchFamily="18" charset="0"/>
+                          </a:rPr>
+                          <m:t>+ </m:t>
+                        </m:r>
+                        <m:sSub>
+                          <m:sSubPr>
+                            <m:ctrlPr>
+                              <a:rPr lang="es-PE" sz="2000" b="0" i="1" smtClean="0">
+                                <a:latin typeface="Cambria Math" panose="02040503050406030204" pitchFamily="18" charset="0"/>
+                              </a:rPr>
+                            </m:ctrlPr>
+                          </m:sSubPr>
+                          <m:e>
+                            <m:r>
+                              <a:rPr lang="es-PE" sz="2000" b="0" i="1" smtClean="0">
+                                <a:latin typeface="Cambria Math" panose="02040503050406030204" pitchFamily="18" charset="0"/>
+                              </a:rPr>
+                              <m:t>𝑥</m:t>
+                            </m:r>
+                          </m:e>
+                          <m:sub>
+                            <m:r>
+                              <a:rPr lang="es-PE" sz="2000" b="0" i="1" smtClean="0">
+                                <a:latin typeface="Cambria Math" panose="02040503050406030204" pitchFamily="18" charset="0"/>
+                              </a:rPr>
+                              <m:t>1</m:t>
+                            </m:r>
+                          </m:sub>
+                        </m:sSub>
+                        <m:r>
+                          <a:rPr lang="es-PE" sz="2000" b="0" i="1" smtClean="0">
+                            <a:latin typeface="Cambria Math" panose="02040503050406030204" pitchFamily="18" charset="0"/>
+                          </a:rPr>
+                          <m:t>≤</m:t>
+                        </m:r>
+                        <m:r>
+                          <a:rPr lang="es-PE" sz="2000" b="0" i="1" smtClean="0">
+                            <a:latin typeface="Cambria Math" panose="02040503050406030204" pitchFamily="18" charset="0"/>
+                          </a:rPr>
+                          <m:t>3</m:t>
+                        </m:r>
+                      </m:e>
+                    </m:d>
+                    <m:r>
+                      <a:rPr lang="es-PE" sz="2000" b="0" i="1" smtClean="0">
+                        <a:latin typeface="Cambria Math" panose="02040503050406030204" pitchFamily="18" charset="0"/>
+                      </a:rPr>
+                      <m:t> </m:t>
+                    </m:r>
+                    <m:r>
+                      <a:rPr lang="es-PE" sz="2000" b="0" i="1" smtClean="0">
+                        <a:latin typeface="Cambria Math" panose="02040503050406030204" pitchFamily="18" charset="0"/>
+                      </a:rPr>
+                      <m:t>𝑦</m:t>
+                    </m:r>
+                    <m:r>
+                      <a:rPr lang="es-PE" sz="2000" b="0" i="1" smtClean="0">
+                        <a:latin typeface="Cambria Math" panose="02040503050406030204" pitchFamily="18" charset="0"/>
+                      </a:rPr>
+                      <m:t> </m:t>
+                    </m:r>
+                    <m:r>
+                      <a:rPr lang="es-PE" sz="2000" b="0" i="1" smtClean="0">
+                        <a:latin typeface="Cambria Math" panose="02040503050406030204" pitchFamily="18" charset="0"/>
+                      </a:rPr>
+                      <m:t>𝑃</m:t>
+                    </m:r>
+                    <m:r>
+                      <a:rPr lang="es-PE" sz="2000" b="0" i="1" smtClean="0">
+                        <a:latin typeface="Cambria Math" panose="02040503050406030204" pitchFamily="18" charset="0"/>
+                      </a:rPr>
+                      <m:t>6</m:t>
+                    </m:r>
+                    <m:d>
+                      <m:dPr>
+                        <m:ctrlPr>
+                          <a:rPr lang="es-PE" sz="2000" i="1">
+                            <a:latin typeface="Cambria Math" panose="02040503050406030204" pitchFamily="18" charset="0"/>
+                          </a:rPr>
+                        </m:ctrlPr>
+                      </m:dPr>
+                      <m:e>
+                        <m:r>
+                          <a:rPr lang="es-PE" sz="2000" i="1">
+                            <a:latin typeface="Cambria Math" panose="02040503050406030204" pitchFamily="18" charset="0"/>
+                          </a:rPr>
+                          <m:t>𝑃</m:t>
+                        </m:r>
+                        <m:r>
+                          <a:rPr lang="es-PE" sz="2000" b="0" i="1" smtClean="0">
+                            <a:latin typeface="Cambria Math" panose="02040503050406030204" pitchFamily="18" charset="0"/>
+                          </a:rPr>
+                          <m:t>2</m:t>
+                        </m:r>
+                        <m:r>
+                          <a:rPr lang="es-PE" sz="2000" i="1">
+                            <a:latin typeface="Cambria Math" panose="02040503050406030204" pitchFamily="18" charset="0"/>
+                          </a:rPr>
+                          <m:t>+ </m:t>
+                        </m:r>
+                        <m:sSub>
+                          <m:sSubPr>
+                            <m:ctrlPr>
+                              <a:rPr lang="es-PE" sz="2000" i="1">
+                                <a:latin typeface="Cambria Math" panose="02040503050406030204" pitchFamily="18" charset="0"/>
+                              </a:rPr>
+                            </m:ctrlPr>
+                          </m:sSubPr>
+                          <m:e>
+                            <m:r>
+                              <a:rPr lang="es-PE" sz="2000" i="1">
+                                <a:latin typeface="Cambria Math" panose="02040503050406030204" pitchFamily="18" charset="0"/>
+                              </a:rPr>
+                              <m:t>𝑥</m:t>
+                            </m:r>
+                          </m:e>
+                          <m:sub>
+                            <m:r>
+                              <a:rPr lang="es-PE" sz="2000" b="0" i="1" smtClean="0">
+                                <a:latin typeface="Cambria Math" panose="02040503050406030204" pitchFamily="18" charset="0"/>
+                              </a:rPr>
+                              <m:t>2</m:t>
+                            </m:r>
+                          </m:sub>
+                        </m:sSub>
+                        <m:r>
+                          <a:rPr lang="es-PE" sz="2000" b="0" i="1" smtClean="0">
+                            <a:latin typeface="Cambria Math" panose="02040503050406030204" pitchFamily="18" charset="0"/>
+                          </a:rPr>
+                          <m:t>≥2</m:t>
+                        </m:r>
+                      </m:e>
+                    </m:d>
+                  </m:oMath>
+                </a14:m>
+                <a:r>
+                  <a:rPr lang="es-MX" sz="2000" dirty="0"/>
+                  <a:t>.</a:t>
+                </a:r>
+              </a:p>
+            </p:txBody>
+          </p:sp>
+        </mc:Choice>
+        <mc:Fallback>
+          <p:sp>
+            <p:nvSpPr>
+              <p:cNvPr id="10" name="CuadroTexto 4">
+                <a:extLst>
+                  <a:ext uri="{FF2B5EF4-FFF2-40B4-BE49-F238E27FC236}">
+                    <a16:creationId xmlns:a16="http://schemas.microsoft.com/office/drawing/2014/main" id="{0EE2E59A-EFC5-4F7D-8B1B-CDE02E4D869C}"/>
+                  </a:ext>
+                </a:extLst>
+              </p:cNvPr>
+              <p:cNvSpPr txBox="1">
+                <a:spLocks noRot="1" noChangeAspect="1" noMove="1" noResize="1" noEditPoints="1" noAdjustHandles="1" noChangeArrowheads="1" noChangeShapeType="1" noTextEdit="1"/>
+              </p:cNvSpPr>
+              <p:nvPr/>
+            </p:nvSpPr>
+            <p:spPr>
+              <a:xfrm>
+                <a:off x="602191" y="836712"/>
+                <a:ext cx="8362297" cy="1015663"/>
+              </a:xfrm>
+              <a:prstGeom prst="rect">
+                <a:avLst/>
+              </a:prstGeom>
+              <a:blipFill>
+                <a:blip r:embed="rId2"/>
+                <a:stretch>
+                  <a:fillRect l="-656" t="-3593" b="-10778"/>
+                </a:stretch>
+              </a:blipFill>
+            </p:spPr>
+            <p:txBody>
+              <a:bodyPr/>
+              <a:lstStyle/>
+              <a:p>
+                <a:r>
+                  <a:rPr lang="es-PE">
+                    <a:noFill/>
+                  </a:rPr>
+                  <a:t> </a:t>
+                </a:r>
+              </a:p>
+            </p:txBody>
+          </p:sp>
+        </mc:Fallback>
+      </mc:AlternateContent>
+      <p:pic>
+        <p:nvPicPr>
+          <p:cNvPr id="5" name="Picture 4">
+            <a:extLst>
+              <a:ext uri="{FF2B5EF4-FFF2-40B4-BE49-F238E27FC236}">
+                <a16:creationId xmlns:a16="http://schemas.microsoft.com/office/drawing/2014/main" id="{2F338B32-4AC8-4E1D-894B-167207071832}"/>
+              </a:ext>
+            </a:extLst>
+          </p:cNvPr>
+          <p:cNvPicPr>
+            <a:picLocks noChangeAspect="1"/>
+          </p:cNvPicPr>
+          <p:nvPr/>
+        </p:nvPicPr>
+        <p:blipFill>
+          <a:blip r:embed="rId3"/>
+          <a:stretch>
+            <a:fillRect/>
+          </a:stretch>
+        </p:blipFill>
+        <p:spPr>
+          <a:xfrm>
+            <a:off x="850592" y="1852375"/>
+            <a:ext cx="7865494" cy="4139734"/>
+          </a:xfrm>
+          <a:prstGeom prst="rect">
+            <a:avLst/>
+          </a:prstGeom>
+        </p:spPr>
+      </p:pic>
+    </p:spTree>
+    <p:extLst>
+      <p:ext uri="{BB962C8B-B14F-4D97-AF65-F5344CB8AC3E}">
+        <p14:creationId xmlns:p14="http://schemas.microsoft.com/office/powerpoint/2010/main" val="263858963"/>
+      </p:ext>
+    </p:extLst>
+  </p:cSld>
+  <p:clrMapOvr>
+    <a:masterClrMapping/>
+  </p:clrMapOvr>
+  <p:transition spd="slow">
+    <p:fade/>
+  </p:transition>
+</p:sld>
+</file>
+
+<file path=ppt/slides/slide17.xml><?xml version="1.0" encoding="utf-8"?>
+<p:sld xmlns:a="http://schemas.openxmlformats.org/drawingml/2006/main" xmlns:r="http://schemas.openxmlformats.org/officeDocument/2006/relationships" xmlns:p="http://schemas.openxmlformats.org/presentationml/2006/main">
+  <p:cSld>
+    <p:spTree>
+      <p:nvGrpSpPr>
+        <p:cNvPr id="1" name=""/>
+        <p:cNvGrpSpPr/>
+        <p:nvPr/>
+      </p:nvGrpSpPr>
+      <p:grpSpPr>
+        <a:xfrm>
+          <a:off x="0" y="0"/>
+          <a:ext cx="0" cy="0"/>
+          <a:chOff x="0" y="0"/>
+          <a:chExt cx="0" cy="0"/>
+        </a:xfrm>
+      </p:grpSpPr>
+      <p:sp>
+        <p:nvSpPr>
           <p:cNvPr id="3" name="Marcador de número de diapositiva 2"/>
           <p:cNvSpPr>
             <a:spLocks noGrp="1"/>
@@ -8040,7 +8596,7 @@
             <a:fld id="{64BD7E74-CBD2-4D88-9109-2EA8081AE675}" type="slidenum">
               <a:rPr lang="es-ES" smtClean="0"/>
               <a:pPr/>
-              <a:t>16</a:t>
+              <a:t>17</a:t>
             </a:fld>
             <a:endParaRPr lang="es-ES"/>
           </a:p>

--- a/1. Lectures/Introducción a la Optimización aplicada a Sistemas de Energía Eléctrica/Dia 1/4. Programación Lineal (2).pptx
+++ b/1. Lectures/Introducción a la Optimización aplicada a Sistemas de Energía Eléctrica/Dia 1/4. Programación Lineal (2).pptx
@@ -5,10 +5,10 @@
     <p:sldMasterId id="2147483732" r:id="rId1"/>
   </p:sldMasterIdLst>
   <p:notesMasterIdLst>
-    <p:notesMasterId r:id="rId19"/>
+    <p:notesMasterId r:id="rId21"/>
   </p:notesMasterIdLst>
   <p:handoutMasterIdLst>
-    <p:handoutMasterId r:id="rId20"/>
+    <p:handoutMasterId r:id="rId22"/>
   </p:handoutMasterIdLst>
   <p:sldIdLst>
     <p:sldId id="256" r:id="rId2"/>
@@ -27,7 +27,9 @@
     <p:sldId id="435" r:id="rId15"/>
     <p:sldId id="436" r:id="rId16"/>
     <p:sldId id="437" r:id="rId17"/>
-    <p:sldId id="305" r:id="rId18"/>
+    <p:sldId id="439" r:id="rId18"/>
+    <p:sldId id="438" r:id="rId19"/>
+    <p:sldId id="305" r:id="rId20"/>
   </p:sldIdLst>
   <p:sldSz cx="9144000" cy="6858000" type="screen4x3"/>
   <p:notesSz cx="6858000" cy="9144000"/>
@@ -147,6 +149,8 @@
             <p14:sldId id="435"/>
             <p14:sldId id="436"/>
             <p14:sldId id="437"/>
+            <p14:sldId id="439"/>
+            <p14:sldId id="438"/>
             <p14:sldId id="305"/>
           </p14:sldIdLst>
         </p14:section>
@@ -256,7 +260,7 @@
             <a:fld id="{20597DA6-5F4F-42D3-8A01-E860A9714D40}" type="datetimeFigureOut">
               <a:rPr lang="es-ES" smtClean="0"/>
               <a:pPr/>
-              <a:t>15/03/2019</a:t>
+              <a:t>16/03/2019</a:t>
             </a:fld>
             <a:endParaRPr lang="es-ES"/>
           </a:p>
@@ -323,7 +327,7 @@
             <a:fld id="{27A565BD-2940-4473-877F-C1308FF5E531}" type="slidenum">
               <a:rPr lang="es-ES" smtClean="0"/>
               <a:pPr/>
-              <a:t>‹#›</a:t>
+              <a:t>‹Nº›</a:t>
             </a:fld>
             <a:endParaRPr lang="es-ES"/>
           </a:p>
@@ -427,7 +431,7 @@
             <a:fld id="{D23D6ABD-B407-4DBB-94E4-3909D8A64036}" type="datetimeFigureOut">
               <a:rPr lang="es-ES" smtClean="0"/>
               <a:pPr/>
-              <a:t>15/03/2019</a:t>
+              <a:t>16/03/2019</a:t>
             </a:fld>
             <a:endParaRPr lang="es-ES"/>
           </a:p>
@@ -586,7 +590,7 @@
             <a:fld id="{8AD6E850-6E96-4E89-86F1-2DE46BB95531}" type="slidenum">
               <a:rPr lang="es-ES" smtClean="0"/>
               <a:pPr/>
-              <a:t>‹#›</a:t>
+              <a:t>‹Nº›</a:t>
             </a:fld>
             <a:endParaRPr lang="es-ES"/>
           </a:p>
@@ -1008,7 +1012,7 @@
             <a:fld id="{64BD7E74-CBD2-4D88-9109-2EA8081AE675}" type="slidenum">
               <a:rPr lang="es-ES" smtClean="0"/>
               <a:pPr/>
-              <a:t>‹#›</a:t>
+              <a:t>‹Nº›</a:t>
             </a:fld>
             <a:endParaRPr lang="es-ES"/>
           </a:p>
@@ -1438,7 +1442,7 @@
             <a:fld id="{64BD7E74-CBD2-4D88-9109-2EA8081AE675}" type="slidenum">
               <a:rPr lang="es-ES" smtClean="0"/>
               <a:pPr/>
-              <a:t>‹#›</a:t>
+              <a:t>‹Nº›</a:t>
             </a:fld>
             <a:endParaRPr lang="es-ES"/>
           </a:p>
@@ -1629,7 +1633,7 @@
             <a:fld id="{64BD7E74-CBD2-4D88-9109-2EA8081AE675}" type="slidenum">
               <a:rPr lang="es-ES" smtClean="0"/>
               <a:pPr/>
-              <a:t>‹#›</a:t>
+              <a:t>‹Nº›</a:t>
             </a:fld>
             <a:endParaRPr lang="es-ES"/>
           </a:p>
@@ -1767,7 +1771,7 @@
             <a:fld id="{64BD7E74-CBD2-4D88-9109-2EA8081AE675}" type="slidenum">
               <a:rPr lang="es-ES" smtClean="0"/>
               <a:pPr/>
-              <a:t>‹#›</a:t>
+              <a:t>‹Nº›</a:t>
             </a:fld>
             <a:endParaRPr lang="es-ES"/>
           </a:p>
@@ -2288,7 +2292,7 @@
             <a:fld id="{64BD7E74-CBD2-4D88-9109-2EA8081AE675}" type="slidenum">
               <a:rPr lang="es-ES" smtClean="0"/>
               <a:pPr/>
-              <a:t>‹#›</a:t>
+              <a:t>‹Nº›</a:t>
             </a:fld>
             <a:endParaRPr lang="es-ES"/>
           </a:p>
@@ -2417,7 +2421,7 @@
             <a:fld id="{64BD7E74-CBD2-4D88-9109-2EA8081AE675}" type="slidenum">
               <a:rPr lang="es-ES" smtClean="0"/>
               <a:pPr/>
-              <a:t>‹#›</a:t>
+              <a:t>‹Nº›</a:t>
             </a:fld>
             <a:endParaRPr lang="es-ES"/>
           </a:p>
@@ -2795,7 +2799,7 @@
             <a:fld id="{64BD7E74-CBD2-4D88-9109-2EA8081AE675}" type="slidenum">
               <a:rPr lang="es-ES" smtClean="0"/>
               <a:pPr/>
-              <a:t>‹#›</a:t>
+              <a:t>‹Nº›</a:t>
             </a:fld>
             <a:endParaRPr lang="es-ES"/>
           </a:p>
@@ -3048,7 +3052,7 @@
             <a:fld id="{64BD7E74-CBD2-4D88-9109-2EA8081AE675}" type="slidenum">
               <a:rPr lang="es-ES" smtClean="0"/>
               <a:pPr/>
-              <a:t>‹#›</a:t>
+              <a:t>‹Nº›</a:t>
             </a:fld>
             <a:endParaRPr lang="es-ES"/>
           </a:p>
@@ -3184,7 +3188,7 @@
             <a:fld id="{64BD7E74-CBD2-4D88-9109-2EA8081AE675}" type="slidenum">
               <a:rPr lang="es-ES" smtClean="0"/>
               <a:pPr/>
-              <a:t>‹#›</a:t>
+              <a:t>‹Nº›</a:t>
             </a:fld>
             <a:endParaRPr lang="es-ES"/>
           </a:p>
@@ -3467,7 +3471,7 @@
             <a:fld id="{64BD7E74-CBD2-4D88-9109-2EA8081AE675}" type="slidenum">
               <a:rPr lang="es-ES" smtClean="0"/>
               <a:pPr/>
-              <a:t>‹#›</a:t>
+              <a:t>‹Nº›</a:t>
             </a:fld>
             <a:endParaRPr lang="es-ES"/>
           </a:p>
@@ -3716,7 +3720,7 @@
             <a:fld id="{64BD7E74-CBD2-4D88-9109-2EA8081AE675}" type="slidenum">
               <a:rPr lang="es-ES" smtClean="0"/>
               <a:pPr/>
-              <a:t>‹#›</a:t>
+              <a:t>‹Nº›</a:t>
             </a:fld>
             <a:endParaRPr lang="es-ES"/>
           </a:p>
@@ -4188,7 +4192,7 @@
             <a:fld id="{64BD7E74-CBD2-4D88-9109-2EA8081AE675}" type="slidenum">
               <a:rPr lang="es-ES" smtClean="0"/>
               <a:pPr/>
-              <a:t>‹#›</a:t>
+              <a:t>‹Nº›</a:t>
             </a:fld>
             <a:endParaRPr lang="es-ES" dirty="0"/>
           </a:p>
@@ -4854,6 +4858,20 @@
               <a:buNone/>
               <a:tabLst/>
             </a:pPr>
+            <a:r>
+              <a:rPr kumimoji="0" lang="es-PE" sz="1800" b="0" i="0" u="none" strike="noStrike" cap="none" normalizeH="0" baseline="0">
+                <a:ln>
+                  <a:noFill/>
+                </a:ln>
+                <a:solidFill>
+                  <a:schemeClr val="tx1"/>
+                </a:solidFill>
+                <a:effectLst/>
+                <a:latin typeface="Arial" pitchFamily="34" charset="0"/>
+                <a:cs typeface="Arial" pitchFamily="34" charset="0"/>
+              </a:rPr>
+              <a:t/>
+            </a:r>
             <a:br>
               <a:rPr kumimoji="0" lang="es-PE" sz="1800" b="0" i="0" u="none" strike="noStrike" cap="none" normalizeH="0" baseline="0">
                 <a:ln>
@@ -5402,7 +5420,7 @@
           <p:cNvPr id="10" name="CuadroTexto 4">
             <a:extLst>
               <a:ext uri="{FF2B5EF4-FFF2-40B4-BE49-F238E27FC236}">
-                <a16:creationId xmlns:a16="http://schemas.microsoft.com/office/drawing/2014/main" id="{0EE2E59A-EFC5-4F7D-8B1B-CDE02E4D869C}"/>
+                <a16:creationId xmlns:a16="http://schemas.microsoft.com/office/drawing/2014/main" xmlns="" id="{0EE2E59A-EFC5-4F7D-8B1B-CDE02E4D869C}"/>
               </a:ext>
             </a:extLst>
           </p:cNvPr>
@@ -5466,7 +5484,7 @@
           <p:cNvPr id="6" name="Picture 5">
             <a:extLst>
               <a:ext uri="{FF2B5EF4-FFF2-40B4-BE49-F238E27FC236}">
-                <a16:creationId xmlns:a16="http://schemas.microsoft.com/office/drawing/2014/main" id="{8A405DCB-2EF9-41DB-A8B5-5F57501F58D0}"/>
+                <a16:creationId xmlns:a16="http://schemas.microsoft.com/office/drawing/2014/main" xmlns="" id="{8A405DCB-2EF9-41DB-A8B5-5F57501F58D0}"/>
               </a:ext>
             </a:extLst>
           </p:cNvPr>
@@ -5608,7 +5626,7 @@
               <p:cNvPr id="10" name="CuadroTexto 4">
                 <a:extLst>
                   <a:ext uri="{FF2B5EF4-FFF2-40B4-BE49-F238E27FC236}">
-                    <a16:creationId xmlns:a16="http://schemas.microsoft.com/office/drawing/2014/main" id="{0EE2E59A-EFC5-4F7D-8B1B-CDE02E4D869C}"/>
+                    <a16:creationId xmlns:a16="http://schemas.microsoft.com/office/drawing/2014/main" xmlns="" id="{0EE2E59A-EFC5-4F7D-8B1B-CDE02E4D869C}"/>
                   </a:ext>
                 </a:extLst>
               </p:cNvPr>
@@ -6227,7 +6245,7 @@
               <p:cNvPr id="10" name="CuadroTexto 4">
                 <a:extLst>
                   <a:ext uri="{FF2B5EF4-FFF2-40B4-BE49-F238E27FC236}">
-                    <a16:creationId xmlns:a16="http://schemas.microsoft.com/office/drawing/2014/main" id="{0EE2E59A-EFC5-4F7D-8B1B-CDE02E4D869C}"/>
+                    <a16:creationId xmlns:a16="http://schemas.microsoft.com/office/drawing/2014/main" xmlns="" id="{0EE2E59A-EFC5-4F7D-8B1B-CDE02E4D869C}"/>
                   </a:ext>
                 </a:extLst>
               </p:cNvPr>
@@ -6521,7 +6539,7 @@
           <p:cNvPr id="5" name="Picture 4">
             <a:extLst>
               <a:ext uri="{FF2B5EF4-FFF2-40B4-BE49-F238E27FC236}">
-                <a16:creationId xmlns:a16="http://schemas.microsoft.com/office/drawing/2014/main" id="{4E6CC03F-E11F-4164-8EDD-A9E173087389}"/>
+                <a16:creationId xmlns:a16="http://schemas.microsoft.com/office/drawing/2014/main" xmlns="" id="{4E6CC03F-E11F-4164-8EDD-A9E173087389}"/>
               </a:ext>
             </a:extLst>
           </p:cNvPr>
@@ -6656,14 +6674,14 @@
           </a:p>
         </p:txBody>
       </p:sp>
-      <mc:AlternateContent xmlns:mc="http://schemas.openxmlformats.org/markup-compatibility/2006">
-        <mc:Choice xmlns:a14="http://schemas.microsoft.com/office/drawing/2010/main" Requires="a14">
+      <mc:AlternateContent xmlns:mc="http://schemas.openxmlformats.org/markup-compatibility/2006" xmlns:a14="http://schemas.microsoft.com/office/drawing/2010/main">
+        <mc:Choice Requires="a14">
           <p:sp>
             <p:nvSpPr>
               <p:cNvPr id="10" name="CuadroTexto 4">
                 <a:extLst>
                   <a:ext uri="{FF2B5EF4-FFF2-40B4-BE49-F238E27FC236}">
-                    <a16:creationId xmlns:a16="http://schemas.microsoft.com/office/drawing/2014/main" id="{0EE2E59A-EFC5-4F7D-8B1B-CDE02E4D869C}"/>
+                    <a16:creationId xmlns:a16="http://schemas.microsoft.com/office/drawing/2014/main" xmlns="" id="{0EE2E59A-EFC5-4F7D-8B1B-CDE02E4D869C}"/>
                   </a:ext>
                 </a:extLst>
               </p:cNvPr>
@@ -7124,7 +7142,7 @@
             </p:txBody>
           </p:sp>
         </mc:Choice>
-        <mc:Fallback>
+        <mc:Fallback xmlns="">
           <p:sp>
             <p:nvSpPr>
               <p:cNvPr id="10" name="CuadroTexto 4">
@@ -7286,7 +7304,7 @@
               <p:cNvPr id="10" name="CuadroTexto 4">
                 <a:extLst>
                   <a:ext uri="{FF2B5EF4-FFF2-40B4-BE49-F238E27FC236}">
-                    <a16:creationId xmlns:a16="http://schemas.microsoft.com/office/drawing/2014/main" id="{0EE2E59A-EFC5-4F7D-8B1B-CDE02E4D869C}"/>
+                    <a16:creationId xmlns:a16="http://schemas.microsoft.com/office/drawing/2014/main" xmlns="" id="{0EE2E59A-EFC5-4F7D-8B1B-CDE02E4D869C}"/>
                   </a:ext>
                 </a:extLst>
               </p:cNvPr>
@@ -7586,7 +7604,7 @@
           <p:cNvPr id="4" name="Picture 3">
             <a:extLst>
               <a:ext uri="{FF2B5EF4-FFF2-40B4-BE49-F238E27FC236}">
-                <a16:creationId xmlns:a16="http://schemas.microsoft.com/office/drawing/2014/main" id="{823B7CAB-0219-4435-AB62-717D8CCB0FA1}"/>
+                <a16:creationId xmlns:a16="http://schemas.microsoft.com/office/drawing/2014/main" xmlns="" id="{823B7CAB-0219-4435-AB62-717D8CCB0FA1}"/>
               </a:ext>
             </a:extLst>
           </p:cNvPr>
@@ -7721,14 +7739,14 @@
           </a:p>
         </p:txBody>
       </p:sp>
-      <mc:AlternateContent xmlns:mc="http://schemas.openxmlformats.org/markup-compatibility/2006" xmlns:a14="http://schemas.microsoft.com/office/drawing/2010/main">
-        <mc:Choice Requires="a14">
+      <mc:AlternateContent xmlns:mc="http://schemas.openxmlformats.org/markup-compatibility/2006">
+        <mc:Choice xmlns:a14="http://schemas.microsoft.com/office/drawing/2010/main" Requires="a14">
           <p:sp>
             <p:nvSpPr>
               <p:cNvPr id="10" name="CuadroTexto 4">
                 <a:extLst>
                   <a:ext uri="{FF2B5EF4-FFF2-40B4-BE49-F238E27FC236}">
-                    <a16:creationId xmlns:a16="http://schemas.microsoft.com/office/drawing/2014/main" id="{0EE2E59A-EFC5-4F7D-8B1B-CDE02E4D869C}"/>
+                    <a16:creationId xmlns:a16="http://schemas.microsoft.com/office/drawing/2014/main" xmlns="" id="{0EE2E59A-EFC5-4F7D-8B1B-CDE02E4D869C}"/>
                   </a:ext>
                 </a:extLst>
               </p:cNvPr>
@@ -7874,8 +7892,13 @@
                 </a:pPr>
                 <a:r>
                   <a:rPr lang="es-MX" sz="2000" dirty="0"/>
-                  <a:t>(P4) Invariable</a:t>
+                  <a:t>(P4) </a:t>
                 </a:r>
+                <a:r>
+                  <a:rPr lang="es-MX" sz="2000" dirty="0" smtClean="0"/>
+                  <a:t>Inviable</a:t>
+                </a:r>
+                <a:endParaRPr lang="es-MX" sz="2000" dirty="0"/>
               </a:p>
               <a:p>
                 <a:pPr marL="285750" indent="-285750">
@@ -7934,13 +7957,13 @@
             </p:txBody>
           </p:sp>
         </mc:Choice>
-        <mc:Fallback xmlns="">
+        <mc:Fallback>
           <p:sp>
             <p:nvSpPr>
               <p:cNvPr id="10" name="CuadroTexto 4">
                 <a:extLst>
                   <a:ext uri="{FF2B5EF4-FFF2-40B4-BE49-F238E27FC236}">
-                    <a16:creationId xmlns:a16="http://schemas.microsoft.com/office/drawing/2014/main" id="{0EE2E59A-EFC5-4F7D-8B1B-CDE02E4D869C}"/>
+                    <a16:creationId xmlns:a16="http://schemas.microsoft.com/office/drawing/2014/main" xmlns:a14="http://schemas.microsoft.com/office/drawing/2010/main" xmlns="" id="{0EE2E59A-EFC5-4F7D-8B1B-CDE02E4D869C}"/>
                   </a:ext>
                 </a:extLst>
               </p:cNvPr>
@@ -7957,116 +7980,10 @@
               <a:prstGeom prst="rect">
                 <a:avLst/>
               </a:prstGeom>
-              <a:blipFill>
+              <a:blipFill rotWithShape="0">
                 <a:blip r:embed="rId2"/>
                 <a:stretch>
                   <a:fillRect l="-656" t="-1277" r="-219" b="-3191"/>
-                </a:stretch>
-              </a:blipFill>
-            </p:spPr>
-            <p:txBody>
-              <a:bodyPr/>
-              <a:lstStyle/>
-              <a:p>
-                <a:r>
-                  <a:rPr lang="es-PE">
-                    <a:noFill/>
-                  </a:rPr>
-                  <a:t> </a:t>
-                </a:r>
-              </a:p>
-            </p:txBody>
-          </p:sp>
-        </mc:Fallback>
-      </mc:AlternateContent>
-      <mc:AlternateContent xmlns:mc="http://schemas.openxmlformats.org/markup-compatibility/2006">
-        <mc:Choice xmlns:a14="http://schemas.microsoft.com/office/drawing/2010/main" Requires="a14">
-          <p:sp>
-            <p:nvSpPr>
-              <p:cNvPr id="4" name="Rectangle 3">
-                <a:extLst>
-                  <a:ext uri="{FF2B5EF4-FFF2-40B4-BE49-F238E27FC236}">
-                    <a16:creationId xmlns:a16="http://schemas.microsoft.com/office/drawing/2014/main" id="{75CB9E7A-DA6B-4F00-976C-2DF46CE5672C}"/>
-                  </a:ext>
-                </a:extLst>
-              </p:cNvPr>
-              <p:cNvSpPr/>
-              <p:nvPr/>
-            </p:nvSpPr>
-            <p:spPr>
-              <a:xfrm>
-                <a:off x="4173333" y="3244334"/>
-                <a:ext cx="797334" cy="369332"/>
-              </a:xfrm>
-              <a:prstGeom prst="rect">
-                <a:avLst/>
-              </a:prstGeom>
-            </p:spPr>
-            <p:txBody>
-              <a:bodyPr wrap="none">
-                <a:spAutoFit/>
-              </a:bodyPr>
-              <a:lstStyle/>
-              <a:p>
-                <a14:m>
-                  <m:oMathPara xmlns:m="http://schemas.openxmlformats.org/officeDocument/2006/math">
-                    <m:oMathParaPr>
-                      <m:jc m:val="centerGroup"/>
-                    </m:oMathParaPr>
-                    <m:oMath xmlns:m="http://schemas.openxmlformats.org/officeDocument/2006/math">
-                      <m:r>
-                        <a:rPr lang="es-PE" i="1">
-                          <a:latin typeface="Cambria Math" panose="02040503050406030204" pitchFamily="18" charset="0"/>
-                        </a:rPr>
-                        <m:t>𝑣</m:t>
-                      </m:r>
-                      <m:r>
-                        <a:rPr lang="es-PE" i="1">
-                          <a:latin typeface="Cambria Math" panose="02040503050406030204" pitchFamily="18" charset="0"/>
-                        </a:rPr>
-                        <m:t>=</m:t>
-                      </m:r>
-                      <m:r>
-                        <a:rPr lang="es-PE" i="1">
-                          <a:latin typeface="Cambria Math" panose="02040503050406030204" pitchFamily="18" charset="0"/>
-                        </a:rPr>
-                        <m:t>6</m:t>
-                      </m:r>
-                    </m:oMath>
-                  </m:oMathPara>
-                </a14:m>
-                <a:endParaRPr lang="es-PE" dirty="0"/>
-              </a:p>
-            </p:txBody>
-          </p:sp>
-        </mc:Choice>
-        <mc:Fallback>
-          <p:sp>
-            <p:nvSpPr>
-              <p:cNvPr id="4" name="Rectangle 3">
-                <a:extLst>
-                  <a:ext uri="{FF2B5EF4-FFF2-40B4-BE49-F238E27FC236}">
-                    <a16:creationId xmlns:a16="http://schemas.microsoft.com/office/drawing/2014/main" id="{75CB9E7A-DA6B-4F00-976C-2DF46CE5672C}"/>
-                  </a:ext>
-                </a:extLst>
-              </p:cNvPr>
-              <p:cNvSpPr>
-                <a:spLocks noRot="1" noChangeAspect="1" noMove="1" noResize="1" noEditPoints="1" noAdjustHandles="1" noChangeArrowheads="1" noChangeShapeType="1" noTextEdit="1"/>
-              </p:cNvSpPr>
-              <p:nvPr/>
-            </p:nvSpPr>
-            <p:spPr>
-              <a:xfrm>
-                <a:off x="4173333" y="3244334"/>
-                <a:ext cx="797334" cy="369332"/>
-              </a:xfrm>
-              <a:prstGeom prst="rect">
-                <a:avLst/>
-              </a:prstGeom>
-              <a:blipFill>
-                <a:blip r:embed="rId3"/>
-                <a:stretch>
-                  <a:fillRect/>
                 </a:stretch>
               </a:blipFill>
             </p:spPr>
@@ -8202,7 +8119,7 @@
               <p:cNvPr id="10" name="CuadroTexto 4">
                 <a:extLst>
                   <a:ext uri="{FF2B5EF4-FFF2-40B4-BE49-F238E27FC236}">
-                    <a16:creationId xmlns:a16="http://schemas.microsoft.com/office/drawing/2014/main" id="{0EE2E59A-EFC5-4F7D-8B1B-CDE02E4D869C}"/>
+                    <a16:creationId xmlns:a16="http://schemas.microsoft.com/office/drawing/2014/main" xmlns="" id="{0EE2E59A-EFC5-4F7D-8B1B-CDE02E4D869C}"/>
                   </a:ext>
                 </a:extLst>
               </p:cNvPr>
@@ -8230,7 +8147,7 @@
                   <a:buChar char="•"/>
                 </a:pPr>
                 <a:r>
-                  <a:rPr lang="es-MX" sz="2000" dirty="0"/>
+                  <a:rPr lang="es-MX" sz="2000" dirty="0" smtClean="0"/>
                   <a:t>Método de ramificación y limitación (Branch &amp; </a:t>
                 </a:r>
                 <a:r>
@@ -8296,13 +8213,7 @@
                       <a:rPr lang="es-PE" sz="2000" b="0" i="1" smtClean="0">
                         <a:latin typeface="Cambria Math" panose="02040503050406030204" pitchFamily="18" charset="0"/>
                       </a:rPr>
-                      <m:t>5</m:t>
-                    </m:r>
-                    <m:r>
-                      <a:rPr lang="es-PE" sz="2000" b="0" i="1" smtClean="0">
-                        <a:latin typeface="Cambria Math" panose="02040503050406030204" pitchFamily="18" charset="0"/>
-                      </a:rPr>
-                      <m:t> </m:t>
+                      <m:t>5 </m:t>
                     </m:r>
                     <m:d>
                       <m:dPr>
@@ -8323,13 +8234,7 @@
                           <a:rPr lang="es-PE" sz="2000" b="0" i="1" smtClean="0">
                             <a:latin typeface="Cambria Math" panose="02040503050406030204" pitchFamily="18" charset="0"/>
                           </a:rPr>
-                          <m:t>3</m:t>
-                        </m:r>
-                        <m:r>
-                          <a:rPr lang="es-PE" sz="2000" b="0" i="1" smtClean="0">
-                            <a:latin typeface="Cambria Math" panose="02040503050406030204" pitchFamily="18" charset="0"/>
-                          </a:rPr>
-                          <m:t>+ </m:t>
+                          <m:t>3+ </m:t>
                         </m:r>
                         <m:sSub>
                           <m:sSubPr>
@@ -8360,13 +8265,7 @@
                           <a:rPr lang="es-PE" sz="2000" b="0" i="1" smtClean="0">
                             <a:latin typeface="Cambria Math" panose="02040503050406030204" pitchFamily="18" charset="0"/>
                           </a:rPr>
-                          <m:t>≤</m:t>
-                        </m:r>
-                        <m:r>
-                          <a:rPr lang="es-PE" sz="2000" b="0" i="1" smtClean="0">
-                            <a:latin typeface="Cambria Math" panose="02040503050406030204" pitchFamily="18" charset="0"/>
-                          </a:rPr>
-                          <m:t>3</m:t>
+                          <m:t>≤3</m:t>
                         </m:r>
                       </m:e>
                     </m:d>
@@ -8419,7 +8318,7 @@
                           <a:rPr lang="es-PE" sz="2000" b="0" i="1" smtClean="0">
                             <a:latin typeface="Cambria Math" panose="02040503050406030204" pitchFamily="18" charset="0"/>
                           </a:rPr>
-                          <m:t>2</m:t>
+                          <m:t>3</m:t>
                         </m:r>
                         <m:r>
                           <a:rPr lang="es-PE" sz="2000" i="1">
@@ -8448,7 +8347,7 @@
                               <a:rPr lang="es-PE" sz="2000" b="0" i="1" smtClean="0">
                                 <a:latin typeface="Cambria Math" panose="02040503050406030204" pitchFamily="18" charset="0"/>
                               </a:rPr>
-                              <m:t>2</m:t>
+                              <m:t>1</m:t>
                             </m:r>
                           </m:sub>
                         </m:sSub>
@@ -8456,7 +8355,13 @@
                           <a:rPr lang="es-PE" sz="2000" b="0" i="1" smtClean="0">
                             <a:latin typeface="Cambria Math" panose="02040503050406030204" pitchFamily="18" charset="0"/>
                           </a:rPr>
-                          <m:t>≥2</m:t>
+                          <m:t>≥</m:t>
+                        </m:r>
+                        <m:r>
+                          <a:rPr lang="es-PE" sz="2000" b="0" i="1" smtClean="0">
+                            <a:latin typeface="Cambria Math" panose="02040503050406030204" pitchFamily="18" charset="0"/>
+                          </a:rPr>
+                          <m:t>4</m:t>
                         </m:r>
                       </m:e>
                     </m:d>
@@ -8476,7 +8381,7 @@
               <p:cNvPr id="10" name="CuadroTexto 4">
                 <a:extLst>
                   <a:ext uri="{FF2B5EF4-FFF2-40B4-BE49-F238E27FC236}">
-                    <a16:creationId xmlns:a16="http://schemas.microsoft.com/office/drawing/2014/main" id="{0EE2E59A-EFC5-4F7D-8B1B-CDE02E4D869C}"/>
+                    <a16:creationId xmlns:a16="http://schemas.microsoft.com/office/drawing/2014/main" xmlns:a14="http://schemas.microsoft.com/office/drawing/2010/main" xmlns="" id="{0EE2E59A-EFC5-4F7D-8B1B-CDE02E4D869C}"/>
                   </a:ext>
                 </a:extLst>
               </p:cNvPr>
@@ -8493,7 +8398,7 @@
               <a:prstGeom prst="rect">
                 <a:avLst/>
               </a:prstGeom>
-              <a:blipFill>
+              <a:blipFill rotWithShape="0">
                 <a:blip r:embed="rId2"/>
                 <a:stretch>
                   <a:fillRect l="-656" t="-3593" b="-10778"/>
@@ -8520,7 +8425,7 @@
           <p:cNvPr id="5" name="Picture 4">
             <a:extLst>
               <a:ext uri="{FF2B5EF4-FFF2-40B4-BE49-F238E27FC236}">
-                <a16:creationId xmlns:a16="http://schemas.microsoft.com/office/drawing/2014/main" id="{2F338B32-4AC8-4E1D-894B-167207071832}"/>
+                <a16:creationId xmlns:a16="http://schemas.microsoft.com/office/drawing/2014/main" xmlns="" id="{2F338B32-4AC8-4E1D-894B-167207071832}"/>
               </a:ext>
             </a:extLst>
           </p:cNvPr>
@@ -8580,6 +8485,739 @@
       </p:grpSpPr>
       <p:sp>
         <p:nvSpPr>
+          <p:cNvPr id="2" name="Marcador de número de diapositiva 1"/>
+          <p:cNvSpPr>
+            <a:spLocks noGrp="1"/>
+          </p:cNvSpPr>
+          <p:nvPr>
+            <p:ph type="sldNum" sz="quarter" idx="12"/>
+          </p:nvPr>
+        </p:nvSpPr>
+        <p:spPr/>
+        <p:txBody>
+          <a:bodyPr/>
+          <a:lstStyle/>
+          <a:p>
+            <a:fld id="{64BD7E74-CBD2-4D88-9109-2EA8081AE675}" type="slidenum">
+              <a:rPr lang="es-ES" smtClean="0"/>
+              <a:pPr/>
+              <a:t>17</a:t>
+            </a:fld>
+            <a:endParaRPr lang="es-ES"/>
+          </a:p>
+        </p:txBody>
+      </p:sp>
+      <p:sp>
+        <p:nvSpPr>
+          <p:cNvPr id="3" name="4 Título"/>
+          <p:cNvSpPr txBox="1">
+            <a:spLocks/>
+          </p:cNvSpPr>
+          <p:nvPr/>
+        </p:nvSpPr>
+        <p:spPr>
+          <a:xfrm>
+            <a:off x="611560" y="188640"/>
+            <a:ext cx="8784976" cy="457120"/>
+          </a:xfrm>
+          <a:prstGeom prst="rect">
+            <a:avLst/>
+          </a:prstGeom>
+        </p:spPr>
+        <p:txBody>
+          <a:bodyPr bIns="91440" anchor="b" anchorCtr="0">
+            <a:noAutofit/>
+          </a:bodyPr>
+          <a:lstStyle>
+            <a:lvl1pPr>
+              <a:spcBef>
+                <a:spcPct val="0"/>
+              </a:spcBef>
+              <a:buNone/>
+              <a:defRPr kumimoji="0" sz="2400">
+                <a:ln w="0"/>
+                <a:solidFill>
+                  <a:schemeClr val="tx2"/>
+                </a:solidFill>
+                <a:effectLst>
+                  <a:outerShdw blurRad="38100" dist="19050" dir="2700000" algn="tl" rotWithShape="0">
+                    <a:schemeClr val="dk1">
+                      <a:alpha val="40000"/>
+                    </a:schemeClr>
+                  </a:outerShdw>
+                </a:effectLst>
+                <a:latin typeface="+mj-lt"/>
+                <a:ea typeface="+mj-ea"/>
+                <a:cs typeface="+mj-cs"/>
+              </a:defRPr>
+            </a:lvl1pPr>
+          </a:lstStyle>
+          <a:p>
+            <a:r>
+              <a:rPr lang="es-PE" altLang="en-US" dirty="0"/>
+              <a:t>Programación entera mixta</a:t>
+            </a:r>
+          </a:p>
+        </p:txBody>
+      </p:sp>
+      <mc:AlternateContent xmlns:mc="http://schemas.openxmlformats.org/markup-compatibility/2006">
+        <mc:Choice xmlns:a14="http://schemas.microsoft.com/office/drawing/2010/main" Requires="a14">
+          <p:sp>
+            <p:nvSpPr>
+              <p:cNvPr id="10" name="CuadroTexto 4">
+                <a:extLst>
+                  <a:ext uri="{FF2B5EF4-FFF2-40B4-BE49-F238E27FC236}">
+                    <a16:creationId xmlns:a16="http://schemas.microsoft.com/office/drawing/2014/main" xmlns="" id="{0EE2E59A-EFC5-4F7D-8B1B-CDE02E4D869C}"/>
+                  </a:ext>
+                </a:extLst>
+              </p:cNvPr>
+              <p:cNvSpPr txBox="1"/>
+              <p:nvPr/>
+            </p:nvSpPr>
+            <p:spPr>
+              <a:xfrm>
+                <a:off x="602191" y="836712"/>
+                <a:ext cx="8362297" cy="1938992"/>
+              </a:xfrm>
+              <a:prstGeom prst="rect">
+                <a:avLst/>
+              </a:prstGeom>
+              <a:noFill/>
+            </p:spPr>
+            <p:txBody>
+              <a:bodyPr wrap="square" rtlCol="0">
+                <a:spAutoFit/>
+              </a:bodyPr>
+              <a:lstStyle/>
+              <a:p>
+                <a:pPr marL="285750" indent="-285750">
+                  <a:buFont typeface="Arial" panose="020B0604020202020204" pitchFamily="34" charset="0"/>
+                  <a:buChar char="•"/>
+                </a:pPr>
+                <a:r>
+                  <a:rPr lang="es-PE" sz="2000" dirty="0"/>
+                  <a:t>Las aproximaciones de (</a:t>
+                </a:r>
+                <a:r>
+                  <a:rPr lang="es-PE" sz="2000" dirty="0" smtClean="0"/>
+                  <a:t>P5)</a:t>
+                </a:r>
+                <a:r>
+                  <a:rPr lang="es-MX" sz="2000" dirty="0" smtClean="0"/>
+                  <a:t> </a:t>
+                </a:r>
+                <a:r>
+                  <a:rPr lang="es-MX" sz="2000" dirty="0"/>
+                  <a:t>y (</a:t>
+                </a:r>
+                <a:r>
+                  <a:rPr lang="es-MX" sz="2000" dirty="0" smtClean="0"/>
+                  <a:t>P6) </a:t>
+                </a:r>
+                <a:r>
+                  <a:rPr lang="es-MX" sz="2000" dirty="0"/>
+                  <a:t>son:</a:t>
+                </a:r>
+              </a:p>
+              <a:p>
+                <a:pPr marL="742950" lvl="1" indent="-285750">
+                  <a:buFont typeface="Arial" panose="020B0604020202020204" pitchFamily="34" charset="0"/>
+                  <a:buChar char="•"/>
+                </a:pPr>
+                <a:r>
+                  <a:rPr lang="es-MX" sz="2000" dirty="0"/>
+                  <a:t>(</a:t>
+                </a:r>
+                <a:r>
+                  <a:rPr lang="es-MX" sz="2000" dirty="0" smtClean="0"/>
+                  <a:t>P5) </a:t>
+                </a:r>
+                <a14:m>
+                  <m:oMath xmlns:m="http://schemas.openxmlformats.org/officeDocument/2006/math">
+                    <m:sSub>
+                      <m:sSubPr>
+                        <m:ctrlPr>
+                          <a:rPr lang="es-MX" sz="2000" i="1" smtClean="0">
+                            <a:latin typeface="Cambria Math" panose="02040503050406030204" pitchFamily="18" charset="0"/>
+                          </a:rPr>
+                        </m:ctrlPr>
+                      </m:sSubPr>
+                      <m:e>
+                        <m:r>
+                          <a:rPr lang="es-PE" sz="2000" b="0" i="1" smtClean="0">
+                            <a:latin typeface="Cambria Math" panose="02040503050406030204" pitchFamily="18" charset="0"/>
+                          </a:rPr>
+                          <m:t>𝑥</m:t>
+                        </m:r>
+                      </m:e>
+                      <m:sub>
+                        <m:r>
+                          <a:rPr lang="es-PE" sz="2000" b="0" i="1" smtClean="0">
+                            <a:latin typeface="Cambria Math" panose="02040503050406030204" pitchFamily="18" charset="0"/>
+                          </a:rPr>
+                          <m:t>1</m:t>
+                        </m:r>
+                      </m:sub>
+                    </m:sSub>
+                    <m:r>
+                      <a:rPr lang="es-PE" sz="2000" b="0" i="1" smtClean="0">
+                        <a:latin typeface="Cambria Math" panose="02040503050406030204" pitchFamily="18" charset="0"/>
+                      </a:rPr>
+                      <m:t>=3, </m:t>
+                    </m:r>
+                    <m:sSub>
+                      <m:sSubPr>
+                        <m:ctrlPr>
+                          <a:rPr lang="es-MX" sz="2000" i="1">
+                            <a:latin typeface="Cambria Math" panose="02040503050406030204" pitchFamily="18" charset="0"/>
+                          </a:rPr>
+                        </m:ctrlPr>
+                      </m:sSubPr>
+                      <m:e>
+                        <m:r>
+                          <a:rPr lang="es-PE" sz="2000" i="1">
+                            <a:latin typeface="Cambria Math" panose="02040503050406030204" pitchFamily="18" charset="0"/>
+                          </a:rPr>
+                          <m:t>𝑥</m:t>
+                        </m:r>
+                      </m:e>
+                      <m:sub>
+                        <m:r>
+                          <a:rPr lang="es-PE" sz="2000" b="0" i="1" smtClean="0">
+                            <a:latin typeface="Cambria Math" panose="02040503050406030204" pitchFamily="18" charset="0"/>
+                          </a:rPr>
+                          <m:t>2</m:t>
+                        </m:r>
+                      </m:sub>
+                    </m:sSub>
+                    <m:r>
+                      <a:rPr lang="es-PE" sz="2000" i="1">
+                        <a:latin typeface="Cambria Math" panose="02040503050406030204" pitchFamily="18" charset="0"/>
+                      </a:rPr>
+                      <m:t>=</m:t>
+                    </m:r>
+                    <m:r>
+                      <a:rPr lang="es-PE" sz="2000" b="0" i="1" smtClean="0">
+                        <a:latin typeface="Cambria Math" panose="02040503050406030204" pitchFamily="18" charset="0"/>
+                      </a:rPr>
+                      <m:t>1</m:t>
+                    </m:r>
+                  </m:oMath>
+                </a14:m>
+                <a:r>
+                  <a:rPr lang="es-MX" sz="2000" dirty="0"/>
+                  <a:t> y </a:t>
+                </a:r>
+                <a14:m>
+                  <m:oMath xmlns:m="http://schemas.openxmlformats.org/officeDocument/2006/math">
+                    <m:r>
+                      <a:rPr lang="es-PE" sz="2000" i="1">
+                        <a:latin typeface="Cambria Math" panose="02040503050406030204" pitchFamily="18" charset="0"/>
+                      </a:rPr>
+                      <m:t>𝑣</m:t>
+                    </m:r>
+                    <m:r>
+                      <a:rPr lang="es-PE" sz="2000" i="1">
+                        <a:latin typeface="Cambria Math" panose="02040503050406030204" pitchFamily="18" charset="0"/>
+                      </a:rPr>
+                      <m:t>=7</m:t>
+                    </m:r>
+                  </m:oMath>
+                </a14:m>
+                <a:endParaRPr lang="es-MX" sz="2000" dirty="0"/>
+              </a:p>
+              <a:p>
+                <a:pPr marL="742950" lvl="1" indent="-285750">
+                  <a:buFont typeface="Arial" panose="020B0604020202020204" pitchFamily="34" charset="0"/>
+                  <a:buChar char="•"/>
+                </a:pPr>
+                <a:r>
+                  <a:rPr lang="es-MX" sz="2000" dirty="0"/>
+                  <a:t>(</a:t>
+                </a:r>
+                <a:r>
+                  <a:rPr lang="es-MX" sz="2000" dirty="0" smtClean="0"/>
+                  <a:t>P6) Inviable</a:t>
+                </a:r>
+                <a:endParaRPr lang="es-MX" sz="2000" dirty="0"/>
+              </a:p>
+              <a:p>
+                <a:pPr marL="285750" indent="-285750">
+                  <a:buFont typeface="Arial" panose="020B0604020202020204" pitchFamily="34" charset="0"/>
+                  <a:buChar char="•"/>
+                </a:pPr>
+                <a:r>
+                  <a:rPr lang="es-MX" sz="2000" dirty="0" smtClean="0"/>
+                  <a:t>Se actualiza el limitante inferior para LI = 7</a:t>
+                </a:r>
+              </a:p>
+              <a:p>
+                <a:pPr marL="285750" indent="-285750">
+                  <a:buFont typeface="Arial" panose="020B0604020202020204" pitchFamily="34" charset="0"/>
+                  <a:buChar char="•"/>
+                </a:pPr>
+                <a:r>
+                  <a:rPr lang="es-MX" sz="2000" dirty="0" smtClean="0"/>
+                  <a:t>Como no existen mas problemas a ser ramificados, la solución óptima del problema es </a:t>
+                </a:r>
+                <a14:m>
+                  <m:oMath xmlns:m="http://schemas.openxmlformats.org/officeDocument/2006/math">
+                    <m:sSub>
+                      <m:sSubPr>
+                        <m:ctrlPr>
+                          <a:rPr lang="es-MX" sz="2000" i="1">
+                            <a:latin typeface="Cambria Math" panose="02040503050406030204" pitchFamily="18" charset="0"/>
+                          </a:rPr>
+                        </m:ctrlPr>
+                      </m:sSubPr>
+                      <m:e>
+                        <m:r>
+                          <a:rPr lang="es-PE" sz="2000" i="1">
+                            <a:latin typeface="Cambria Math" panose="02040503050406030204" pitchFamily="18" charset="0"/>
+                          </a:rPr>
+                          <m:t>𝑥</m:t>
+                        </m:r>
+                      </m:e>
+                      <m:sub>
+                        <m:r>
+                          <a:rPr lang="es-PE" sz="2000" i="1">
+                            <a:latin typeface="Cambria Math" panose="02040503050406030204" pitchFamily="18" charset="0"/>
+                          </a:rPr>
+                          <m:t>1</m:t>
+                        </m:r>
+                      </m:sub>
+                    </m:sSub>
+                    <m:r>
+                      <a:rPr lang="es-PE" sz="2000" i="1">
+                        <a:latin typeface="Cambria Math" panose="02040503050406030204" pitchFamily="18" charset="0"/>
+                      </a:rPr>
+                      <m:t>=3, </m:t>
+                    </m:r>
+                    <m:sSub>
+                      <m:sSubPr>
+                        <m:ctrlPr>
+                          <a:rPr lang="es-MX" sz="2000" i="1">
+                            <a:latin typeface="Cambria Math" panose="02040503050406030204" pitchFamily="18" charset="0"/>
+                          </a:rPr>
+                        </m:ctrlPr>
+                      </m:sSubPr>
+                      <m:e>
+                        <m:r>
+                          <a:rPr lang="es-PE" sz="2000" i="1">
+                            <a:latin typeface="Cambria Math" panose="02040503050406030204" pitchFamily="18" charset="0"/>
+                          </a:rPr>
+                          <m:t>𝑥</m:t>
+                        </m:r>
+                      </m:e>
+                      <m:sub>
+                        <m:r>
+                          <a:rPr lang="es-PE" sz="2000" i="1">
+                            <a:latin typeface="Cambria Math" panose="02040503050406030204" pitchFamily="18" charset="0"/>
+                          </a:rPr>
+                          <m:t>2</m:t>
+                        </m:r>
+                      </m:sub>
+                    </m:sSub>
+                    <m:r>
+                      <a:rPr lang="es-PE" sz="2000" i="1">
+                        <a:latin typeface="Cambria Math" panose="02040503050406030204" pitchFamily="18" charset="0"/>
+                      </a:rPr>
+                      <m:t>=</m:t>
+                    </m:r>
+                    <m:r>
+                      <a:rPr lang="es-PE" sz="2000" i="1">
+                        <a:latin typeface="Cambria Math" panose="02040503050406030204" pitchFamily="18" charset="0"/>
+                      </a:rPr>
+                      <m:t>1</m:t>
+                    </m:r>
+                  </m:oMath>
+                </a14:m>
+                <a:r>
+                  <a:rPr lang="es-MX" sz="2000" dirty="0"/>
+                  <a:t> y </a:t>
+                </a:r>
+                <a14:m>
+                  <m:oMath xmlns:m="http://schemas.openxmlformats.org/officeDocument/2006/math">
+                    <m:r>
+                      <a:rPr lang="es-PE" sz="2000" i="1">
+                        <a:latin typeface="Cambria Math" panose="02040503050406030204" pitchFamily="18" charset="0"/>
+                      </a:rPr>
+                      <m:t>𝑣</m:t>
+                    </m:r>
+                    <m:r>
+                      <a:rPr lang="es-PE" sz="2000" i="1">
+                        <a:latin typeface="Cambria Math" panose="02040503050406030204" pitchFamily="18" charset="0"/>
+                      </a:rPr>
+                      <m:t>=7</m:t>
+                    </m:r>
+                  </m:oMath>
+                </a14:m>
+                <a:endParaRPr lang="es-MX" sz="2000" dirty="0"/>
+              </a:p>
+            </p:txBody>
+          </p:sp>
+        </mc:Choice>
+        <mc:Fallback>
+          <p:sp>
+            <p:nvSpPr>
+              <p:cNvPr id="10" name="CuadroTexto 4">
+                <a:extLst>
+                  <a:ext uri="{FF2B5EF4-FFF2-40B4-BE49-F238E27FC236}">
+                    <a16:creationId xmlns:a16="http://schemas.microsoft.com/office/drawing/2014/main" xmlns:a14="http://schemas.microsoft.com/office/drawing/2010/main" xmlns="" id="{0EE2E59A-EFC5-4F7D-8B1B-CDE02E4D869C}"/>
+                  </a:ext>
+                </a:extLst>
+              </p:cNvPr>
+              <p:cNvSpPr txBox="1">
+                <a:spLocks noRot="1" noChangeAspect="1" noMove="1" noResize="1" noEditPoints="1" noAdjustHandles="1" noChangeArrowheads="1" noChangeShapeType="1" noTextEdit="1"/>
+              </p:cNvSpPr>
+              <p:nvPr/>
+            </p:nvSpPr>
+            <p:spPr>
+              <a:xfrm>
+                <a:off x="602191" y="836712"/>
+                <a:ext cx="8362297" cy="1938992"/>
+              </a:xfrm>
+              <a:prstGeom prst="rect">
+                <a:avLst/>
+              </a:prstGeom>
+              <a:blipFill rotWithShape="0">
+                <a:blip r:embed="rId2"/>
+                <a:stretch>
+                  <a:fillRect l="-656" t="-1887" r="-875" b="-5346"/>
+                </a:stretch>
+              </a:blipFill>
+            </p:spPr>
+            <p:txBody>
+              <a:bodyPr/>
+              <a:lstStyle/>
+              <a:p>
+                <a:r>
+                  <a:rPr lang="es-PE">
+                    <a:noFill/>
+                  </a:rPr>
+                  <a:t> </a:t>
+                </a:r>
+              </a:p>
+            </p:txBody>
+          </p:sp>
+        </mc:Fallback>
+      </mc:AlternateContent>
+    </p:spTree>
+    <p:extLst>
+      <p:ext uri="{BB962C8B-B14F-4D97-AF65-F5344CB8AC3E}">
+        <p14:creationId xmlns:p14="http://schemas.microsoft.com/office/powerpoint/2010/main" val="1602729268"/>
+      </p:ext>
+    </p:extLst>
+  </p:cSld>
+  <p:clrMapOvr>
+    <a:masterClrMapping/>
+  </p:clrMapOvr>
+  <p:transition spd="slow">
+    <p:fade/>
+  </p:transition>
+</p:sld>
+</file>
+
+<file path=ppt/slides/slide18.xml><?xml version="1.0" encoding="utf-8"?>
+<p:sld xmlns:a="http://schemas.openxmlformats.org/drawingml/2006/main" xmlns:r="http://schemas.openxmlformats.org/officeDocument/2006/relationships" xmlns:p="http://schemas.openxmlformats.org/presentationml/2006/main">
+  <p:cSld>
+    <p:spTree>
+      <p:nvGrpSpPr>
+        <p:cNvPr id="1" name=""/>
+        <p:cNvGrpSpPr/>
+        <p:nvPr/>
+      </p:nvGrpSpPr>
+      <p:grpSpPr>
+        <a:xfrm>
+          <a:off x="0" y="0"/>
+          <a:ext cx="0" cy="0"/>
+          <a:chOff x="0" y="0"/>
+          <a:chExt cx="0" cy="0"/>
+        </a:xfrm>
+      </p:grpSpPr>
+      <p:sp>
+        <p:nvSpPr>
+          <p:cNvPr id="2" name="Marcador de número de diapositiva 1"/>
+          <p:cNvSpPr>
+            <a:spLocks noGrp="1"/>
+          </p:cNvSpPr>
+          <p:nvPr>
+            <p:ph type="sldNum" sz="quarter" idx="12"/>
+          </p:nvPr>
+        </p:nvSpPr>
+        <p:spPr/>
+        <p:txBody>
+          <a:bodyPr/>
+          <a:lstStyle/>
+          <a:p>
+            <a:fld id="{64BD7E74-CBD2-4D88-9109-2EA8081AE675}" type="slidenum">
+              <a:rPr lang="es-ES" smtClean="0"/>
+              <a:pPr/>
+              <a:t>18</a:t>
+            </a:fld>
+            <a:endParaRPr lang="es-ES"/>
+          </a:p>
+        </p:txBody>
+      </p:sp>
+      <p:sp>
+        <p:nvSpPr>
+          <p:cNvPr id="3" name="4 Título"/>
+          <p:cNvSpPr txBox="1">
+            <a:spLocks/>
+          </p:cNvSpPr>
+          <p:nvPr/>
+        </p:nvSpPr>
+        <p:spPr>
+          <a:xfrm>
+            <a:off x="611560" y="188640"/>
+            <a:ext cx="8784976" cy="457120"/>
+          </a:xfrm>
+          <a:prstGeom prst="rect">
+            <a:avLst/>
+          </a:prstGeom>
+        </p:spPr>
+        <p:txBody>
+          <a:bodyPr bIns="91440" anchor="b" anchorCtr="0">
+            <a:noAutofit/>
+          </a:bodyPr>
+          <a:lstStyle>
+            <a:lvl1pPr>
+              <a:spcBef>
+                <a:spcPct val="0"/>
+              </a:spcBef>
+              <a:buNone/>
+              <a:defRPr kumimoji="0" sz="2400">
+                <a:ln w="0"/>
+                <a:solidFill>
+                  <a:schemeClr val="tx2"/>
+                </a:solidFill>
+                <a:effectLst>
+                  <a:outerShdw blurRad="38100" dist="19050" dir="2700000" algn="tl" rotWithShape="0">
+                    <a:schemeClr val="dk1">
+                      <a:alpha val="40000"/>
+                    </a:schemeClr>
+                  </a:outerShdw>
+                </a:effectLst>
+                <a:latin typeface="+mj-lt"/>
+                <a:ea typeface="+mj-ea"/>
+                <a:cs typeface="+mj-cs"/>
+              </a:defRPr>
+            </a:lvl1pPr>
+          </a:lstStyle>
+          <a:p>
+            <a:r>
+              <a:rPr lang="es-PE" altLang="en-US" dirty="0"/>
+              <a:t>Programación entera mixta</a:t>
+            </a:r>
+          </a:p>
+        </p:txBody>
+      </p:sp>
+      <p:sp>
+        <p:nvSpPr>
+          <p:cNvPr id="10" name="CuadroTexto 4">
+            <a:extLst>
+              <a:ext uri="{FF2B5EF4-FFF2-40B4-BE49-F238E27FC236}">
+                <a16:creationId xmlns:a16="http://schemas.microsoft.com/office/drawing/2014/main" xmlns:a14="http://schemas.microsoft.com/office/drawing/2010/main" xmlns:mc="http://schemas.openxmlformats.org/markup-compatibility/2006" xmlns="" id="{0EE2E59A-EFC5-4F7D-8B1B-CDE02E4D869C}"/>
+              </a:ext>
+            </a:extLst>
+          </p:cNvPr>
+          <p:cNvSpPr txBox="1"/>
+          <p:nvPr/>
+        </p:nvSpPr>
+        <p:spPr>
+          <a:xfrm>
+            <a:off x="602191" y="836712"/>
+            <a:ext cx="8362297" cy="400110"/>
+          </a:xfrm>
+          <a:prstGeom prst="rect">
+            <a:avLst/>
+          </a:prstGeom>
+          <a:noFill/>
+        </p:spPr>
+        <p:txBody>
+          <a:bodyPr wrap="square" rtlCol="0">
+            <a:spAutoFit/>
+          </a:bodyPr>
+          <a:lstStyle/>
+          <a:p>
+            <a:pPr marL="285750" indent="-285750">
+              <a:buFont typeface="Arial" panose="020B0604020202020204" pitchFamily="34" charset="0"/>
+              <a:buChar char="•"/>
+            </a:pPr>
+            <a:r>
+              <a:rPr lang="es-PE" sz="2000" dirty="0" smtClean="0"/>
+              <a:t>Árbol </a:t>
+            </a:r>
+            <a:r>
+              <a:rPr lang="es-PE" sz="2000" dirty="0" err="1" smtClean="0"/>
+              <a:t>Branch</a:t>
+            </a:r>
+            <a:r>
+              <a:rPr lang="es-PE" sz="2000" dirty="0" smtClean="0"/>
+              <a:t> and </a:t>
+            </a:r>
+            <a:r>
+              <a:rPr lang="es-PE" sz="2000" dirty="0" err="1" smtClean="0"/>
+              <a:t>Bound</a:t>
+            </a:r>
+            <a:r>
+              <a:rPr lang="es-PE" sz="2000" dirty="0" smtClean="0"/>
+              <a:t> (B&amp;B)</a:t>
+            </a:r>
+            <a:r>
+              <a:rPr lang="es-MX" sz="2000" dirty="0" smtClean="0"/>
+              <a:t>.</a:t>
+            </a:r>
+            <a:endParaRPr lang="es-MX" sz="2000" dirty="0"/>
+          </a:p>
+        </p:txBody>
+      </p:sp>
+      <p:pic>
+        <p:nvPicPr>
+          <p:cNvPr id="6" name="Imagen 5"/>
+          <p:cNvPicPr>
+            <a:picLocks noChangeAspect="1"/>
+          </p:cNvPicPr>
+          <p:nvPr/>
+        </p:nvPicPr>
+        <p:blipFill>
+          <a:blip r:embed="rId2"/>
+          <a:stretch>
+            <a:fillRect/>
+          </a:stretch>
+        </p:blipFill>
+        <p:spPr>
+          <a:xfrm>
+            <a:off x="2671000" y="1236822"/>
+            <a:ext cx="3197144" cy="3274030"/>
+          </a:xfrm>
+          <a:prstGeom prst="rect">
+            <a:avLst/>
+          </a:prstGeom>
+        </p:spPr>
+      </p:pic>
+      <p:sp>
+        <p:nvSpPr>
+          <p:cNvPr id="8" name="CuadroTexto 4">
+            <a:extLst>
+              <a:ext uri="{FF2B5EF4-FFF2-40B4-BE49-F238E27FC236}">
+                <a16:creationId xmlns:a16="http://schemas.microsoft.com/office/drawing/2014/main" xmlns:a14="http://schemas.microsoft.com/office/drawing/2010/main" xmlns:mc="http://schemas.openxmlformats.org/markup-compatibility/2006" xmlns="" id="{0EE2E59A-EFC5-4F7D-8B1B-CDE02E4D869C}"/>
+              </a:ext>
+            </a:extLst>
+          </p:cNvPr>
+          <p:cNvSpPr txBox="1"/>
+          <p:nvPr/>
+        </p:nvSpPr>
+        <p:spPr>
+          <a:xfrm>
+            <a:off x="611560" y="4622726"/>
+            <a:ext cx="8362297" cy="1508105"/>
+          </a:xfrm>
+          <a:prstGeom prst="rect">
+            <a:avLst/>
+          </a:prstGeom>
+          <a:noFill/>
+        </p:spPr>
+        <p:txBody>
+          <a:bodyPr wrap="square" rtlCol="0">
+            <a:spAutoFit/>
+          </a:bodyPr>
+          <a:lstStyle/>
+          <a:p>
+            <a:pPr marL="285750" indent="-285750">
+              <a:buFont typeface="Arial" panose="020B0604020202020204" pitchFamily="34" charset="0"/>
+              <a:buChar char="•"/>
+            </a:pPr>
+            <a:r>
+              <a:rPr lang="es-PE" sz="2000" dirty="0" smtClean="0"/>
+              <a:t>Enumeración implícita de las soluciones enteras factibles.</a:t>
+            </a:r>
+          </a:p>
+          <a:p>
+            <a:pPr marL="742950" lvl="1" indent="-285750">
+              <a:buFont typeface="Arial" panose="020B0604020202020204" pitchFamily="34" charset="0"/>
+              <a:buChar char="•"/>
+            </a:pPr>
+            <a:r>
+              <a:rPr lang="es-PE" dirty="0" smtClean="0"/>
+              <a:t>Utiliza el principio divide y </a:t>
+            </a:r>
+            <a:r>
+              <a:rPr lang="es-PE" dirty="0" err="1" smtClean="0"/>
+              <a:t>venceras</a:t>
+            </a:r>
+            <a:r>
+              <a:rPr lang="es-PE" dirty="0" smtClean="0"/>
+              <a:t>.</a:t>
+            </a:r>
+          </a:p>
+          <a:p>
+            <a:pPr marL="742950" lvl="1" indent="-285750">
+              <a:buFont typeface="Arial" panose="020B0604020202020204" pitchFamily="34" charset="0"/>
+              <a:buChar char="•"/>
+            </a:pPr>
+            <a:r>
+              <a:rPr lang="es-PE" dirty="0" smtClean="0"/>
+              <a:t>Divide (ramifica) el conjunto de soluciones en subconjuntos disyuntos cada vez menores</a:t>
+            </a:r>
+          </a:p>
+          <a:p>
+            <a:pPr marL="742950" lvl="1" indent="-285750">
+              <a:buFont typeface="Arial" panose="020B0604020202020204" pitchFamily="34" charset="0"/>
+              <a:buChar char="•"/>
+            </a:pPr>
+            <a:r>
+              <a:rPr lang="es-PE" dirty="0" smtClean="0"/>
+              <a:t>Determina (limita) el valor de la mejor solución de cada subconjunto</a:t>
+            </a:r>
+          </a:p>
+          <a:p>
+            <a:pPr marL="742950" lvl="1" indent="-285750">
+              <a:buFont typeface="Arial" panose="020B0604020202020204" pitchFamily="34" charset="0"/>
+              <a:buChar char="•"/>
+            </a:pPr>
+            <a:r>
+              <a:rPr lang="es-PE" dirty="0" smtClean="0"/>
+              <a:t>Poda (elimina) la rama del árbol se acota indica que no puede contener la solución óptima</a:t>
+            </a:r>
+          </a:p>
+        </p:txBody>
+      </p:sp>
+    </p:spTree>
+    <p:extLst>
+      <p:ext uri="{BB962C8B-B14F-4D97-AF65-F5344CB8AC3E}">
+        <p14:creationId xmlns:p14="http://schemas.microsoft.com/office/powerpoint/2010/main" val="2308245199"/>
+      </p:ext>
+    </p:extLst>
+  </p:cSld>
+  <p:clrMapOvr>
+    <a:masterClrMapping/>
+  </p:clrMapOvr>
+  <p:transition spd="slow">
+    <p:fade/>
+  </p:transition>
+</p:sld>
+</file>
+
+<file path=ppt/slides/slide19.xml><?xml version="1.0" encoding="utf-8"?>
+<p:sld xmlns:a="http://schemas.openxmlformats.org/drawingml/2006/main" xmlns:r="http://schemas.openxmlformats.org/officeDocument/2006/relationships" xmlns:p="http://schemas.openxmlformats.org/presentationml/2006/main">
+  <p:cSld>
+    <p:spTree>
+      <p:nvGrpSpPr>
+        <p:cNvPr id="1" name=""/>
+        <p:cNvGrpSpPr/>
+        <p:nvPr/>
+      </p:nvGrpSpPr>
+      <p:grpSpPr>
+        <a:xfrm>
+          <a:off x="0" y="0"/>
+          <a:ext cx="0" cy="0"/>
+          <a:chOff x="0" y="0"/>
+          <a:chExt cx="0" cy="0"/>
+        </a:xfrm>
+      </p:grpSpPr>
+      <p:sp>
+        <p:nvSpPr>
           <p:cNvPr id="3" name="Marcador de número de diapositiva 2"/>
           <p:cNvSpPr>
             <a:spLocks noGrp="1"/>
@@ -8596,7 +9234,7 @@
             <a:fld id="{64BD7E74-CBD2-4D88-9109-2EA8081AE675}" type="slidenum">
               <a:rPr lang="es-ES" smtClean="0"/>
               <a:pPr/>
-              <a:t>17</a:t>
+              <a:t>19</a:t>
             </a:fld>
             <a:endParaRPr lang="es-ES"/>
           </a:p>
@@ -8790,7 +9428,7 @@
           <p:cNvPr id="10" name="CuadroTexto 4">
             <a:extLst>
               <a:ext uri="{FF2B5EF4-FFF2-40B4-BE49-F238E27FC236}">
-                <a16:creationId xmlns:a16="http://schemas.microsoft.com/office/drawing/2014/main" id="{0EE2E59A-EFC5-4F7D-8B1B-CDE02E4D869C}"/>
+                <a16:creationId xmlns:a16="http://schemas.microsoft.com/office/drawing/2014/main" xmlns="" id="{0EE2E59A-EFC5-4F7D-8B1B-CDE02E4D869C}"/>
               </a:ext>
             </a:extLst>
           </p:cNvPr>
@@ -8829,7 +9467,7 @@
           <p:cNvPr id="4" name="Picture 3">
             <a:extLst>
               <a:ext uri="{FF2B5EF4-FFF2-40B4-BE49-F238E27FC236}">
-                <a16:creationId xmlns:a16="http://schemas.microsoft.com/office/drawing/2014/main" id="{641CC9DB-45FA-4FCD-8114-BE417D42F78A}"/>
+                <a16:creationId xmlns:a16="http://schemas.microsoft.com/office/drawing/2014/main" xmlns="" id="{641CC9DB-45FA-4FCD-8114-BE417D42F78A}"/>
               </a:ext>
             </a:extLst>
           </p:cNvPr>
@@ -8861,7 +9499,7 @@
               <p:cNvPr id="8" name="CuadroTexto 4">
                 <a:extLst>
                   <a:ext uri="{FF2B5EF4-FFF2-40B4-BE49-F238E27FC236}">
-                    <a16:creationId xmlns:a16="http://schemas.microsoft.com/office/drawing/2014/main" id="{F31C097F-38DA-47AA-BEDF-8AA58B8B2848}"/>
+                    <a16:creationId xmlns:a16="http://schemas.microsoft.com/office/drawing/2014/main" xmlns="" id="{F31C097F-38DA-47AA-BEDF-8AA58B8B2848}"/>
                   </a:ext>
                 </a:extLst>
               </p:cNvPr>
@@ -9304,7 +9942,7 @@
           <p:cNvPr id="10" name="CuadroTexto 4">
             <a:extLst>
               <a:ext uri="{FF2B5EF4-FFF2-40B4-BE49-F238E27FC236}">
-                <a16:creationId xmlns:a16="http://schemas.microsoft.com/office/drawing/2014/main" id="{0EE2E59A-EFC5-4F7D-8B1B-CDE02E4D869C}"/>
+                <a16:creationId xmlns:a16="http://schemas.microsoft.com/office/drawing/2014/main" xmlns="" id="{0EE2E59A-EFC5-4F7D-8B1B-CDE02E4D869C}"/>
               </a:ext>
             </a:extLst>
           </p:cNvPr>
@@ -9437,7 +10075,7 @@
               <p:cNvPr id="6" name="TextBox 5">
                 <a:extLst>
                   <a:ext uri="{FF2B5EF4-FFF2-40B4-BE49-F238E27FC236}">
-                    <a16:creationId xmlns:a16="http://schemas.microsoft.com/office/drawing/2014/main" id="{CF798055-6B72-4532-B2E2-3738A47C9519}"/>
+                    <a16:creationId xmlns:a16="http://schemas.microsoft.com/office/drawing/2014/main" xmlns="" id="{CF798055-6B72-4532-B2E2-3738A47C9519}"/>
                   </a:ext>
                 </a:extLst>
               </p:cNvPr>
@@ -10054,7 +10692,7 @@
                     <a:gridCol w="3312368">
                       <a:extLst>
                         <a:ext uri="{9D8B030D-6E8A-4147-A177-3AD203B41FA5}">
-                          <a16:colId xmlns:a16="http://schemas.microsoft.com/office/drawing/2014/main" val="3382599164"/>
+                          <a16:colId xmlns:a16="http://schemas.microsoft.com/office/drawing/2014/main" xmlns="" val="3382599164"/>
                         </a:ext>
                       </a:extLst>
                     </a:gridCol>
@@ -10268,7 +10906,7 @@
                     </a:tc>
                     <a:extLst>
                       <a:ext uri="{0D108BD9-81ED-4DB2-BD59-A6C34878D82A}">
-                        <a16:rowId xmlns:a16="http://schemas.microsoft.com/office/drawing/2014/main" val="4178132430"/>
+                        <a16:rowId xmlns:a16="http://schemas.microsoft.com/office/drawing/2014/main" xmlns="" val="4178132430"/>
                       </a:ext>
                     </a:extLst>
                   </a:tr>
@@ -10309,7 +10947,7 @@
                     </a:tc>
                     <a:extLst>
                       <a:ext uri="{0D108BD9-81ED-4DB2-BD59-A6C34878D82A}">
-                        <a16:rowId xmlns:a16="http://schemas.microsoft.com/office/drawing/2014/main" val="1654935555"/>
+                        <a16:rowId xmlns:a16="http://schemas.microsoft.com/office/drawing/2014/main" xmlns="" val="1654935555"/>
                       </a:ext>
                     </a:extLst>
                   </a:tr>
@@ -10396,7 +11034,7 @@
                     </a:tc>
                     <a:extLst>
                       <a:ext uri="{0D108BD9-81ED-4DB2-BD59-A6C34878D82A}">
-                        <a16:rowId xmlns:a16="http://schemas.microsoft.com/office/drawing/2014/main" val="3747512519"/>
+                        <a16:rowId xmlns:a16="http://schemas.microsoft.com/office/drawing/2014/main" xmlns="" val="3747512519"/>
                       </a:ext>
                     </a:extLst>
                   </a:tr>
@@ -10482,7 +11120,7 @@
                     </a:tc>
                     <a:extLst>
                       <a:ext uri="{0D108BD9-81ED-4DB2-BD59-A6C34878D82A}">
-                        <a16:rowId xmlns:a16="http://schemas.microsoft.com/office/drawing/2014/main" val="4023038527"/>
+                        <a16:rowId xmlns:a16="http://schemas.microsoft.com/office/drawing/2014/main" xmlns="" val="4023038527"/>
                       </a:ext>
                     </a:extLst>
                   </a:tr>
@@ -10599,7 +11237,7 @@
                     </a:tc>
                     <a:extLst>
                       <a:ext uri="{0D108BD9-81ED-4DB2-BD59-A6C34878D82A}">
-                        <a16:rowId xmlns:a16="http://schemas.microsoft.com/office/drawing/2014/main" val="151617654"/>
+                        <a16:rowId xmlns:a16="http://schemas.microsoft.com/office/drawing/2014/main" xmlns="" val="151617654"/>
                       </a:ext>
                     </a:extLst>
                   </a:tr>
@@ -10723,7 +11361,7 @@
                     </a:tc>
                     <a:extLst>
                       <a:ext uri="{0D108BD9-81ED-4DB2-BD59-A6C34878D82A}">
-                        <a16:rowId xmlns:a16="http://schemas.microsoft.com/office/drawing/2014/main" val="914160747"/>
+                        <a16:rowId xmlns:a16="http://schemas.microsoft.com/office/drawing/2014/main" xmlns="" val="914160747"/>
                       </a:ext>
                     </a:extLst>
                   </a:tr>
@@ -11148,7 +11786,7 @@
           <p:cNvPr id="10" name="CuadroTexto 4">
             <a:extLst>
               <a:ext uri="{FF2B5EF4-FFF2-40B4-BE49-F238E27FC236}">
-                <a16:creationId xmlns:a16="http://schemas.microsoft.com/office/drawing/2014/main" id="{0EE2E59A-EFC5-4F7D-8B1B-CDE02E4D869C}"/>
+                <a16:creationId xmlns:a16="http://schemas.microsoft.com/office/drawing/2014/main" xmlns="" id="{0EE2E59A-EFC5-4F7D-8B1B-CDE02E4D869C}"/>
               </a:ext>
             </a:extLst>
           </p:cNvPr>
@@ -11187,7 +11825,7 @@
           <p:cNvPr id="4" name="Picture 3">
             <a:extLst>
               <a:ext uri="{FF2B5EF4-FFF2-40B4-BE49-F238E27FC236}">
-                <a16:creationId xmlns:a16="http://schemas.microsoft.com/office/drawing/2014/main" id="{641CC9DB-45FA-4FCD-8114-BE417D42F78A}"/>
+                <a16:creationId xmlns:a16="http://schemas.microsoft.com/office/drawing/2014/main" xmlns="" id="{641CC9DB-45FA-4FCD-8114-BE417D42F78A}"/>
               </a:ext>
             </a:extLst>
           </p:cNvPr>
@@ -11219,7 +11857,7 @@
               <p:cNvPr id="8" name="CuadroTexto 4">
                 <a:extLst>
                   <a:ext uri="{FF2B5EF4-FFF2-40B4-BE49-F238E27FC236}">
-                    <a16:creationId xmlns:a16="http://schemas.microsoft.com/office/drawing/2014/main" id="{F31C097F-38DA-47AA-BEDF-8AA58B8B2848}"/>
+                    <a16:creationId xmlns:a16="http://schemas.microsoft.com/office/drawing/2014/main" xmlns="" id="{F31C097F-38DA-47AA-BEDF-8AA58B8B2848}"/>
                   </a:ext>
                 </a:extLst>
               </p:cNvPr>
@@ -11662,7 +12300,7 @@
           <p:cNvPr id="10" name="CuadroTexto 4">
             <a:extLst>
               <a:ext uri="{FF2B5EF4-FFF2-40B4-BE49-F238E27FC236}">
-                <a16:creationId xmlns:a16="http://schemas.microsoft.com/office/drawing/2014/main" id="{0EE2E59A-EFC5-4F7D-8B1B-CDE02E4D869C}"/>
+                <a16:creationId xmlns:a16="http://schemas.microsoft.com/office/drawing/2014/main" xmlns="" id="{0EE2E59A-EFC5-4F7D-8B1B-CDE02E4D869C}"/>
               </a:ext>
             </a:extLst>
           </p:cNvPr>
@@ -11789,7 +12427,7 @@
               <p:cNvPr id="6" name="TextBox 5">
                 <a:extLst>
                   <a:ext uri="{FF2B5EF4-FFF2-40B4-BE49-F238E27FC236}">
-                    <a16:creationId xmlns:a16="http://schemas.microsoft.com/office/drawing/2014/main" id="{CF798055-6B72-4532-B2E2-3738A47C9519}"/>
+                    <a16:creationId xmlns:a16="http://schemas.microsoft.com/office/drawing/2014/main" xmlns="" id="{CF798055-6B72-4532-B2E2-3738A47C9519}"/>
                   </a:ext>
                 </a:extLst>
               </p:cNvPr>
@@ -12710,7 +13348,7 @@
           <p:cNvPr id="10" name="CuadroTexto 4">
             <a:extLst>
               <a:ext uri="{FF2B5EF4-FFF2-40B4-BE49-F238E27FC236}">
-                <a16:creationId xmlns:a16="http://schemas.microsoft.com/office/drawing/2014/main" id="{0EE2E59A-EFC5-4F7D-8B1B-CDE02E4D869C}"/>
+                <a16:creationId xmlns:a16="http://schemas.microsoft.com/office/drawing/2014/main" xmlns="" id="{0EE2E59A-EFC5-4F7D-8B1B-CDE02E4D869C}"/>
               </a:ext>
             </a:extLst>
           </p:cNvPr>
@@ -12939,7 +13577,7 @@
           <p:cNvPr id="10" name="CuadroTexto 4">
             <a:extLst>
               <a:ext uri="{FF2B5EF4-FFF2-40B4-BE49-F238E27FC236}">
-                <a16:creationId xmlns:a16="http://schemas.microsoft.com/office/drawing/2014/main" id="{0EE2E59A-EFC5-4F7D-8B1B-CDE02E4D869C}"/>
+                <a16:creationId xmlns:a16="http://schemas.microsoft.com/office/drawing/2014/main" xmlns="" id="{0EE2E59A-EFC5-4F7D-8B1B-CDE02E4D869C}"/>
               </a:ext>
             </a:extLst>
           </p:cNvPr>
@@ -12993,7 +13631,7 @@
           <p:cNvPr id="4" name="Picture 3">
             <a:extLst>
               <a:ext uri="{FF2B5EF4-FFF2-40B4-BE49-F238E27FC236}">
-                <a16:creationId xmlns:a16="http://schemas.microsoft.com/office/drawing/2014/main" id="{3FC166FD-EAC1-4268-9588-6AEB814D6B99}"/>
+                <a16:creationId xmlns:a16="http://schemas.microsoft.com/office/drawing/2014/main" xmlns="" id="{3FC166FD-EAC1-4268-9588-6AEB814D6B99}"/>
               </a:ext>
             </a:extLst>
           </p:cNvPr>
@@ -13133,7 +13771,7 @@
           <p:cNvPr id="10" name="CuadroTexto 4">
             <a:extLst>
               <a:ext uri="{FF2B5EF4-FFF2-40B4-BE49-F238E27FC236}">
-                <a16:creationId xmlns:a16="http://schemas.microsoft.com/office/drawing/2014/main" id="{0EE2E59A-EFC5-4F7D-8B1B-CDE02E4D869C}"/>
+                <a16:creationId xmlns:a16="http://schemas.microsoft.com/office/drawing/2014/main" xmlns="" id="{0EE2E59A-EFC5-4F7D-8B1B-CDE02E4D869C}"/>
               </a:ext>
             </a:extLst>
           </p:cNvPr>
